--- a/Thermo 2022 (Neshyba)/Lectures/Week 4 - Internal energy, U/Week 4.4 - Synthesis.pptx
+++ b/Thermo 2022 (Neshyba)/Lectures/Week 4 - Internal energy, U/Week 4.4 - Synthesis.pptx
@@ -276,7 +276,7 @@
           <a:p>
             <a:fld id="{3FF8E43C-D11C-C140-AE94-8DE784BCADA2}" type="datetimeFigureOut">
               <a:rPr lang="en-US" smtClean="0"/>
-              <a:t>9/24/21</a:t>
+              <a:t>9/18/22</a:t>
             </a:fld>
             <a:endParaRPr lang="en-US"/>
           </a:p>
@@ -474,7 +474,7 @@
           <a:p>
             <a:fld id="{3FF8E43C-D11C-C140-AE94-8DE784BCADA2}" type="datetimeFigureOut">
               <a:rPr lang="en-US" smtClean="0"/>
-              <a:t>9/24/21</a:t>
+              <a:t>9/18/22</a:t>
             </a:fld>
             <a:endParaRPr lang="en-US"/>
           </a:p>
@@ -682,7 +682,7 @@
           <a:p>
             <a:fld id="{3FF8E43C-D11C-C140-AE94-8DE784BCADA2}" type="datetimeFigureOut">
               <a:rPr lang="en-US" smtClean="0"/>
-              <a:t>9/24/21</a:t>
+              <a:t>9/18/22</a:t>
             </a:fld>
             <a:endParaRPr lang="en-US"/>
           </a:p>
@@ -880,7 +880,7 @@
           <a:p>
             <a:fld id="{3FF8E43C-D11C-C140-AE94-8DE784BCADA2}" type="datetimeFigureOut">
               <a:rPr lang="en-US" smtClean="0"/>
-              <a:t>9/24/21</a:t>
+              <a:t>9/18/22</a:t>
             </a:fld>
             <a:endParaRPr lang="en-US"/>
           </a:p>
@@ -1155,7 +1155,7 @@
           <a:p>
             <a:fld id="{3FF8E43C-D11C-C140-AE94-8DE784BCADA2}" type="datetimeFigureOut">
               <a:rPr lang="en-US" smtClean="0"/>
-              <a:t>9/24/21</a:t>
+              <a:t>9/18/22</a:t>
             </a:fld>
             <a:endParaRPr lang="en-US"/>
           </a:p>
@@ -1420,7 +1420,7 @@
           <a:p>
             <a:fld id="{3FF8E43C-D11C-C140-AE94-8DE784BCADA2}" type="datetimeFigureOut">
               <a:rPr lang="en-US" smtClean="0"/>
-              <a:t>9/24/21</a:t>
+              <a:t>9/18/22</a:t>
             </a:fld>
             <a:endParaRPr lang="en-US"/>
           </a:p>
@@ -1832,7 +1832,7 @@
           <a:p>
             <a:fld id="{3FF8E43C-D11C-C140-AE94-8DE784BCADA2}" type="datetimeFigureOut">
               <a:rPr lang="en-US" smtClean="0"/>
-              <a:t>9/24/21</a:t>
+              <a:t>9/18/22</a:t>
             </a:fld>
             <a:endParaRPr lang="en-US"/>
           </a:p>
@@ -1973,7 +1973,7 @@
           <a:p>
             <a:fld id="{3FF8E43C-D11C-C140-AE94-8DE784BCADA2}" type="datetimeFigureOut">
               <a:rPr lang="en-US" smtClean="0"/>
-              <a:t>9/24/21</a:t>
+              <a:t>9/18/22</a:t>
             </a:fld>
             <a:endParaRPr lang="en-US"/>
           </a:p>
@@ -2086,7 +2086,7 @@
           <a:p>
             <a:fld id="{3FF8E43C-D11C-C140-AE94-8DE784BCADA2}" type="datetimeFigureOut">
               <a:rPr lang="en-US" smtClean="0"/>
-              <a:t>9/24/21</a:t>
+              <a:t>9/18/22</a:t>
             </a:fld>
             <a:endParaRPr lang="en-US"/>
           </a:p>
@@ -2397,7 +2397,7 @@
           <a:p>
             <a:fld id="{3FF8E43C-D11C-C140-AE94-8DE784BCADA2}" type="datetimeFigureOut">
               <a:rPr lang="en-US" smtClean="0"/>
-              <a:t>9/24/21</a:t>
+              <a:t>9/18/22</a:t>
             </a:fld>
             <a:endParaRPr lang="en-US"/>
           </a:p>
@@ -2685,7 +2685,7 @@
           <a:p>
             <a:fld id="{3FF8E43C-D11C-C140-AE94-8DE784BCADA2}" type="datetimeFigureOut">
               <a:rPr lang="en-US" smtClean="0"/>
-              <a:t>9/24/21</a:t>
+              <a:t>9/18/22</a:t>
             </a:fld>
             <a:endParaRPr lang="en-US"/>
           </a:p>
@@ -2926,7 +2926,7 @@
           <a:p>
             <a:fld id="{3FF8E43C-D11C-C140-AE94-8DE784BCADA2}" type="datetimeFigureOut">
               <a:rPr lang="en-US" smtClean="0"/>
-              <a:t>9/24/21</a:t>
+              <a:t>9/18/22</a:t>
             </a:fld>
             <a:endParaRPr lang="en-US"/>
           </a:p>
@@ -10435,15 +10435,15 @@
           <a:p>
             <a:r>
               <a:rPr lang="en-US" sz="2400" b="1" dirty="0"/>
-              <a:t>Problems to do on the board </a:t>
+              <a:t>Problems to do on the board (submitting as CGI </a:t>
             </a:r>
             <a:r>
-              <a:rPr lang="en-US" sz="2400" b="1" dirty="0">
-                <a:solidFill>
-                  <a:srgbClr val="00B050"/>
-                </a:solidFill>
-              </a:rPr>
-              <a:t>or in python</a:t>
+              <a:rPr lang="en-US" sz="2400" b="1" dirty="0" err="1"/>
+              <a:t>AnalyticalU</a:t>
+            </a:r>
+            <a:r>
+              <a:rPr lang="en-US" sz="2400" b="1" dirty="0"/>
+              <a:t>)</a:t>
             </a:r>
           </a:p>
         </p:txBody>
@@ -10464,8 +10464,8 @@
             </p:nvSpPr>
             <p:spPr>
               <a:xfrm>
-                <a:off x="234950" y="508366"/>
-                <a:ext cx="11722100" cy="4702891"/>
+                <a:off x="127375" y="580495"/>
+                <a:ext cx="11957050" cy="5612370"/>
               </a:xfrm>
               <a:prstGeom prst="rect">
                 <a:avLst/>
@@ -10478,128 +10478,529 @@
               </a:bodyPr>
               <a:lstStyle/>
               <a:p>
-                <a:r>
-                  <a:rPr lang="en-US" sz="2200" b="1" dirty="0">
-                    <a:solidFill>
-                      <a:schemeClr val="tx1"/>
-                    </a:solidFill>
-                  </a:rPr>
-                  <a:t>Using </a:t>
-                </a:r>
+                <a:pPr algn="ctr"/>
                 <a14:m>
                   <m:oMath xmlns:m="http://schemas.openxmlformats.org/officeDocument/2006/math">
                     <m:r>
                       <a:rPr lang="en-US" sz="2200" b="1" i="1" smtClean="0">
                         <a:solidFill>
-                          <a:schemeClr val="tx1"/>
+                          <a:srgbClr val="7030A0"/>
                         </a:solidFill>
                         <a:latin typeface="Cambria Math" panose="02040503050406030204" pitchFamily="18" charset="0"/>
                       </a:rPr>
                       <m:t>𝑼</m:t>
                     </m:r>
+                    <m:d>
+                      <m:dPr>
+                        <m:ctrlPr>
+                          <a:rPr lang="en-US" sz="2200" b="1" i="1" smtClean="0">
+                            <a:solidFill>
+                              <a:srgbClr val="7030A0"/>
+                            </a:solidFill>
+                            <a:latin typeface="Cambria Math" panose="02040503050406030204" pitchFamily="18" charset="0"/>
+                          </a:rPr>
+                        </m:ctrlPr>
+                      </m:dPr>
+                      <m:e>
+                        <m:r>
+                          <a:rPr lang="en-US" sz="2200" b="1" i="1" smtClean="0">
+                            <a:solidFill>
+                              <a:srgbClr val="7030A0"/>
+                            </a:solidFill>
+                            <a:latin typeface="Cambria Math" panose="02040503050406030204" pitchFamily="18" charset="0"/>
+                          </a:rPr>
+                          <m:t>𝑽</m:t>
+                        </m:r>
+                        <m:r>
+                          <a:rPr lang="en-US" sz="2200" b="1" i="1" smtClean="0">
+                            <a:solidFill>
+                              <a:srgbClr val="7030A0"/>
+                            </a:solidFill>
+                            <a:latin typeface="Cambria Math" panose="02040503050406030204" pitchFamily="18" charset="0"/>
+                          </a:rPr>
+                          <m:t>,</m:t>
+                        </m:r>
+                        <m:r>
+                          <a:rPr lang="en-US" sz="2200" b="1" i="1" smtClean="0">
+                            <a:solidFill>
+                              <a:srgbClr val="7030A0"/>
+                            </a:solidFill>
+                            <a:latin typeface="Cambria Math" panose="02040503050406030204" pitchFamily="18" charset="0"/>
+                          </a:rPr>
+                          <m:t>𝑻</m:t>
+                        </m:r>
+                      </m:e>
+                    </m:d>
                     <m:r>
                       <a:rPr lang="en-US" sz="2200" b="1" i="1" smtClean="0">
                         <a:solidFill>
-                          <a:schemeClr val="tx1"/>
+                          <a:srgbClr val="7030A0"/>
                         </a:solidFill>
                         <a:latin typeface="Cambria Math" panose="02040503050406030204" pitchFamily="18" charset="0"/>
                       </a:rPr>
-                      <m:t>(</m:t>
+                      <m:t>=</m:t>
                     </m:r>
+                    <m:d>
+                      <m:dPr>
+                        <m:begChr m:val="["/>
+                        <m:endChr m:val="]"/>
+                        <m:ctrlPr>
+                          <a:rPr lang="en-US" sz="2200" b="1" i="1" smtClean="0">
+                            <a:solidFill>
+                              <a:srgbClr val="7030A0"/>
+                            </a:solidFill>
+                            <a:latin typeface="Cambria Math" panose="02040503050406030204" pitchFamily="18" charset="0"/>
+                          </a:rPr>
+                        </m:ctrlPr>
+                      </m:dPr>
+                      <m:e>
+                        <m:f>
+                          <m:fPr>
+                            <m:ctrlPr>
+                              <a:rPr lang="en-US" sz="2200" b="1" i="1">
+                                <a:solidFill>
+                                  <a:srgbClr val="7030A0"/>
+                                </a:solidFill>
+                                <a:latin typeface="Cambria Math" panose="02040503050406030204" pitchFamily="18" charset="0"/>
+                              </a:rPr>
+                            </m:ctrlPr>
+                          </m:fPr>
+                          <m:num>
+                            <m:r>
+                              <a:rPr lang="en-US" sz="2200" b="1" i="1">
+                                <a:solidFill>
+                                  <a:srgbClr val="7030A0"/>
+                                </a:solidFill>
+                                <a:latin typeface="Cambria Math" panose="02040503050406030204" pitchFamily="18" charset="0"/>
+                              </a:rPr>
+                              <m:t>𝟑</m:t>
+                            </m:r>
+                          </m:num>
+                          <m:den>
+                            <m:r>
+                              <a:rPr lang="en-US" sz="2200" b="1" i="1">
+                                <a:solidFill>
+                                  <a:srgbClr val="7030A0"/>
+                                </a:solidFill>
+                                <a:latin typeface="Cambria Math" panose="02040503050406030204" pitchFamily="18" charset="0"/>
+                              </a:rPr>
+                              <m:t>𝟐</m:t>
+                            </m:r>
+                          </m:den>
+                        </m:f>
+                        <m:r>
+                          <a:rPr lang="en-US" sz="2200" b="1" i="1">
+                            <a:solidFill>
+                              <a:srgbClr val="7030A0"/>
+                            </a:solidFill>
+                            <a:latin typeface="Cambria Math" panose="02040503050406030204" pitchFamily="18" charset="0"/>
+                          </a:rPr>
+                          <m:t>𝑹𝑻</m:t>
+                        </m:r>
+                        <m:r>
+                          <a:rPr lang="en-US" sz="2200" b="1" i="1">
+                            <a:solidFill>
+                              <a:srgbClr val="7030A0"/>
+                            </a:solidFill>
+                            <a:latin typeface="Cambria Math" panose="02040503050406030204" pitchFamily="18" charset="0"/>
+                          </a:rPr>
+                          <m:t>+</m:t>
+                        </m:r>
+                        <m:sSub>
+                          <m:sSubPr>
+                            <m:ctrlPr>
+                              <a:rPr lang="en-US" sz="2200" b="1" i="1">
+                                <a:solidFill>
+                                  <a:srgbClr val="7030A0"/>
+                                </a:solidFill>
+                                <a:latin typeface="Cambria Math" panose="02040503050406030204" pitchFamily="18" charset="0"/>
+                              </a:rPr>
+                            </m:ctrlPr>
+                          </m:sSubPr>
+                          <m:e>
+                            <m:r>
+                              <a:rPr lang="en-US" sz="2200" b="1" i="1">
+                                <a:solidFill>
+                                  <a:srgbClr val="7030A0"/>
+                                </a:solidFill>
+                                <a:latin typeface="Cambria Math" panose="02040503050406030204" pitchFamily="18" charset="0"/>
+                              </a:rPr>
+                              <m:t>𝒇</m:t>
+                            </m:r>
+                          </m:e>
+                          <m:sub>
+                            <m:r>
+                              <m:rPr>
+                                <m:lit/>
+                                <m:nor/>
+                              </m:rPr>
+                              <a:rPr lang="en-US" sz="2200" b="1">
+                                <a:solidFill>
+                                  <a:srgbClr val="7030A0"/>
+                                </a:solidFill>
+                                <a:latin typeface="Cambria Math" panose="02040503050406030204" pitchFamily="18" charset="0"/>
+                              </a:rPr>
+                              <m:t>rot</m:t>
+                            </m:r>
+                          </m:sub>
+                        </m:sSub>
+                        <m:d>
+                          <m:dPr>
+                            <m:ctrlPr>
+                              <a:rPr lang="en-US" sz="2200" b="1" i="1">
+                                <a:solidFill>
+                                  <a:srgbClr val="7030A0"/>
+                                </a:solidFill>
+                                <a:latin typeface="Cambria Math" panose="02040503050406030204" pitchFamily="18" charset="0"/>
+                              </a:rPr>
+                            </m:ctrlPr>
+                          </m:dPr>
+                          <m:e>
+                            <m:r>
+                              <a:rPr lang="en-US" sz="2200" b="1" i="1">
+                                <a:solidFill>
+                                  <a:srgbClr val="7030A0"/>
+                                </a:solidFill>
+                                <a:latin typeface="Cambria Math" panose="02040503050406030204" pitchFamily="18" charset="0"/>
+                              </a:rPr>
+                              <m:t>𝑻</m:t>
+                            </m:r>
+                          </m:e>
+                        </m:d>
+                        <m:r>
+                          <a:rPr lang="en-US" sz="2200" b="1" i="1">
+                            <a:solidFill>
+                              <a:srgbClr val="7030A0"/>
+                            </a:solidFill>
+                            <a:latin typeface="Cambria Math" panose="02040503050406030204" pitchFamily="18" charset="0"/>
+                          </a:rPr>
+                          <m:t>+</m:t>
+                        </m:r>
+                        <m:sSub>
+                          <m:sSubPr>
+                            <m:ctrlPr>
+                              <a:rPr lang="en-US" sz="2200" b="1" i="1">
+                                <a:solidFill>
+                                  <a:srgbClr val="7030A0"/>
+                                </a:solidFill>
+                                <a:latin typeface="Cambria Math" panose="02040503050406030204" pitchFamily="18" charset="0"/>
+                              </a:rPr>
+                            </m:ctrlPr>
+                          </m:sSubPr>
+                          <m:e>
+                            <m:r>
+                              <a:rPr lang="en-US" sz="2200" b="1" i="1">
+                                <a:solidFill>
+                                  <a:srgbClr val="7030A0"/>
+                                </a:solidFill>
+                                <a:latin typeface="Cambria Math" panose="02040503050406030204" pitchFamily="18" charset="0"/>
+                              </a:rPr>
+                              <m:t>𝒇</m:t>
+                            </m:r>
+                          </m:e>
+                          <m:sub>
+                            <m:r>
+                              <m:rPr>
+                                <m:lit/>
+                                <m:nor/>
+                              </m:rPr>
+                              <a:rPr lang="en-US" sz="2200" b="1">
+                                <a:solidFill>
+                                  <a:srgbClr val="7030A0"/>
+                                </a:solidFill>
+                              </a:rPr>
+                              <m:t>vib</m:t>
+                            </m:r>
+                          </m:sub>
+                        </m:sSub>
+                        <m:d>
+                          <m:dPr>
+                            <m:ctrlPr>
+                              <a:rPr lang="en-US" sz="2200" b="1" i="1">
+                                <a:solidFill>
+                                  <a:srgbClr val="7030A0"/>
+                                </a:solidFill>
+                                <a:latin typeface="Cambria Math" panose="02040503050406030204" pitchFamily="18" charset="0"/>
+                              </a:rPr>
+                            </m:ctrlPr>
+                          </m:dPr>
+                          <m:e>
+                            <m:r>
+                              <a:rPr lang="en-US" sz="2200" b="1" i="1">
+                                <a:solidFill>
+                                  <a:srgbClr val="7030A0"/>
+                                </a:solidFill>
+                                <a:latin typeface="Cambria Math" panose="02040503050406030204" pitchFamily="18" charset="0"/>
+                              </a:rPr>
+                              <m:t>𝑻</m:t>
+                            </m:r>
+                          </m:e>
+                        </m:d>
+                        <m:r>
+                          <a:rPr lang="en-US" sz="2200" b="1" i="1">
+                            <a:solidFill>
+                              <a:srgbClr val="7030A0"/>
+                            </a:solidFill>
+                            <a:latin typeface="Cambria Math" panose="02040503050406030204" pitchFamily="18" charset="0"/>
+                          </a:rPr>
+                          <m:t>+</m:t>
+                        </m:r>
+                        <m:sSub>
+                          <m:sSubPr>
+                            <m:ctrlPr>
+                              <a:rPr lang="en-US" sz="2200" b="1" i="1">
+                                <a:solidFill>
+                                  <a:srgbClr val="7030A0"/>
+                                </a:solidFill>
+                                <a:latin typeface="Cambria Math" panose="02040503050406030204" pitchFamily="18" charset="0"/>
+                              </a:rPr>
+                            </m:ctrlPr>
+                          </m:sSubPr>
+                          <m:e>
+                            <m:r>
+                              <a:rPr lang="en-US" sz="2200" b="1" i="1">
+                                <a:solidFill>
+                                  <a:srgbClr val="7030A0"/>
+                                </a:solidFill>
+                                <a:latin typeface="Cambria Math" panose="02040503050406030204" pitchFamily="18" charset="0"/>
+                              </a:rPr>
+                              <m:t>𝒇</m:t>
+                            </m:r>
+                          </m:e>
+                          <m:sub>
+                            <m:r>
+                              <m:rPr>
+                                <m:lit/>
+                                <m:nor/>
+                              </m:rPr>
+                              <a:rPr lang="en-US" sz="2200" b="1">
+                                <a:solidFill>
+                                  <a:srgbClr val="7030A0"/>
+                                </a:solidFill>
+                              </a:rPr>
+                              <m:t>intermol</m:t>
+                            </m:r>
+                          </m:sub>
+                        </m:sSub>
+                        <m:d>
+                          <m:dPr>
+                            <m:ctrlPr>
+                              <a:rPr lang="en-US" sz="2200" b="1" i="1">
+                                <a:solidFill>
+                                  <a:srgbClr val="7030A0"/>
+                                </a:solidFill>
+                                <a:latin typeface="Cambria Math" panose="02040503050406030204" pitchFamily="18" charset="0"/>
+                              </a:rPr>
+                            </m:ctrlPr>
+                          </m:dPr>
+                          <m:e>
+                            <m:r>
+                              <a:rPr lang="en-US" sz="2200" b="1" i="1">
+                                <a:solidFill>
+                                  <a:srgbClr val="7030A0"/>
+                                </a:solidFill>
+                                <a:latin typeface="Cambria Math" panose="02040503050406030204" pitchFamily="18" charset="0"/>
+                              </a:rPr>
+                              <m:t>𝑽</m:t>
+                            </m:r>
+                            <m:r>
+                              <a:rPr lang="en-US" sz="2200" b="1" i="1">
+                                <a:solidFill>
+                                  <a:srgbClr val="7030A0"/>
+                                </a:solidFill>
+                                <a:latin typeface="Cambria Math" panose="02040503050406030204" pitchFamily="18" charset="0"/>
+                              </a:rPr>
+                              <m:t>,</m:t>
+                            </m:r>
+                            <m:r>
+                              <a:rPr lang="en-US" sz="2200" b="1" i="1">
+                                <a:solidFill>
+                                  <a:srgbClr val="7030A0"/>
+                                </a:solidFill>
+                                <a:latin typeface="Cambria Math" panose="02040503050406030204" pitchFamily="18" charset="0"/>
+                              </a:rPr>
+                              <m:t>𝑻</m:t>
+                            </m:r>
+                          </m:e>
+                        </m:d>
+                      </m:e>
+                    </m:d>
                     <m:r>
-                      <a:rPr lang="en-US" sz="2200" b="1" i="1" smtClean="0">
+                      <a:rPr lang="en-US" sz="2200" b="1" i="1">
                         <a:solidFill>
-                          <a:schemeClr val="tx1"/>
+                          <a:srgbClr val="7030A0"/>
                         </a:solidFill>
                         <a:latin typeface="Cambria Math" panose="02040503050406030204" pitchFamily="18" charset="0"/>
                       </a:rPr>
-                      <m:t>𝑽</m:t>
+                      <m:t>×</m:t>
                     </m:r>
                     <m:r>
-                      <a:rPr lang="en-US" sz="2200" b="1" i="1" smtClean="0">
+                      <a:rPr lang="en-US" sz="2200" b="1" i="1">
                         <a:solidFill>
-                          <a:schemeClr val="tx1"/>
+                          <a:srgbClr val="7030A0"/>
                         </a:solidFill>
                         <a:latin typeface="Cambria Math" panose="02040503050406030204" pitchFamily="18" charset="0"/>
                       </a:rPr>
-                      <m:t>,</m:t>
+                      <m:t>𝒏</m:t>
                     </m:r>
+                  </m:oMath>
+                </a14:m>
+                <a:r>
+                  <a:rPr lang="en-US" sz="2200" b="1" dirty="0">
+                    <a:solidFill>
+                      <a:srgbClr val="7030A0"/>
+                    </a:solidFill>
+                  </a:rPr>
+                  <a:t> </a:t>
+                </a:r>
+                <a:endParaRPr lang="en-US" sz="2200" dirty="0">
+                  <a:solidFill>
+                    <a:srgbClr val="7030A0"/>
+                  </a:solidFill>
+                </a:endParaRPr>
+              </a:p>
+              <a:p>
+                <a:endParaRPr lang="en-US" sz="2200" dirty="0"/>
+              </a:p>
+              <a:p>
+                <a:r>
+                  <a:rPr lang="en-US" sz="2200" dirty="0"/>
+                  <a:t>Assume </a:t>
+                </a:r>
+                <a14:m>
+                  <m:oMath xmlns:m="http://schemas.openxmlformats.org/officeDocument/2006/math">
+                    <m:sSub>
+                      <m:sSubPr>
+                        <m:ctrlPr>
+                          <a:rPr lang="en-US" sz="2200" b="1" i="1">
+                            <a:latin typeface="Cambria Math" panose="02040503050406030204" pitchFamily="18" charset="0"/>
+                          </a:rPr>
+                        </m:ctrlPr>
+                      </m:sSubPr>
+                      <m:e>
+                        <m:r>
+                          <a:rPr lang="en-US" sz="2200" b="1" i="1">
+                            <a:latin typeface="Cambria Math" panose="02040503050406030204" pitchFamily="18" charset="0"/>
+                          </a:rPr>
+                          <m:t>𝑵</m:t>
+                        </m:r>
+                      </m:e>
+                      <m:sub>
+                        <m:r>
+                          <a:rPr lang="en-US" sz="2200" b="1" i="1">
+                            <a:latin typeface="Cambria Math" panose="02040503050406030204" pitchFamily="18" charset="0"/>
+                          </a:rPr>
+                          <m:t>𝟐</m:t>
+                        </m:r>
+                      </m:sub>
+                    </m:sSub>
+                  </m:oMath>
+                </a14:m>
+                <a:r>
+                  <a:rPr lang="en-US" sz="2200" b="1" dirty="0"/>
+                  <a:t>(g)</a:t>
+                </a:r>
+                <a:r>
+                  <a:rPr lang="en-US" sz="2200" dirty="0"/>
+                  <a:t>, classical limit, w/</a:t>
+                </a:r>
+                <a14:m>
+                  <m:oMath xmlns:m="http://schemas.openxmlformats.org/officeDocument/2006/math">
+                    <m:sSub>
+                      <m:sSubPr>
+                        <m:ctrlPr>
+                          <a:rPr lang="en-US" sz="2200" i="1">
+                            <a:latin typeface="Cambria Math" panose="02040503050406030204" pitchFamily="18" charset="0"/>
+                          </a:rPr>
+                        </m:ctrlPr>
+                      </m:sSubPr>
+                      <m:e>
+                        <m:r>
+                          <a:rPr lang="en-US" sz="2200" i="1">
+                            <a:latin typeface="Cambria Math" panose="02040503050406030204" pitchFamily="18" charset="0"/>
+                          </a:rPr>
+                          <m:t>𝑓</m:t>
+                        </m:r>
+                      </m:e>
+                      <m:sub>
+                        <m:r>
+                          <m:rPr>
+                            <m:lit/>
+                            <m:nor/>
+                          </m:rPr>
+                          <a:rPr lang="en-US" sz="2200"/>
+                          <m:t>intermol</m:t>
+                        </m:r>
+                      </m:sub>
+                    </m:sSub>
                     <m:r>
-                      <a:rPr lang="en-US" sz="2200" b="1" i="1" smtClean="0">
-                        <a:solidFill>
-                          <a:schemeClr val="tx1"/>
-                        </a:solidFill>
+                      <a:rPr lang="en-US" sz="2200" i="1">
                         <a:latin typeface="Cambria Math" panose="02040503050406030204" pitchFamily="18" charset="0"/>
                       </a:rPr>
-                      <m:t>𝑻</m:t>
-                    </m:r>
-                    <m:r>
-                      <a:rPr lang="en-US" sz="2200" b="1" i="1" smtClean="0">
-                        <a:solidFill>
-                          <a:schemeClr val="tx1"/>
-                        </a:solidFill>
-                        <a:latin typeface="Cambria Math" panose="02040503050406030204" pitchFamily="18" charset="0"/>
-                      </a:rPr>
-                      <m:t>)=[</m:t>
+                      <m:t>=−</m:t>
                     </m:r>
                     <m:f>
                       <m:fPr>
                         <m:ctrlPr>
-                          <a:rPr lang="en-US" sz="2200" b="1" i="1">
-                            <a:solidFill>
-                              <a:schemeClr val="tx1"/>
-                            </a:solidFill>
+                          <a:rPr lang="en-US" sz="2200" i="1">
                             <a:latin typeface="Cambria Math" panose="02040503050406030204" pitchFamily="18" charset="0"/>
                           </a:rPr>
                         </m:ctrlPr>
                       </m:fPr>
                       <m:num>
                         <m:r>
-                          <a:rPr lang="en-US" sz="2200" b="1" i="1">
-                            <a:solidFill>
-                              <a:schemeClr val="tx1"/>
-                            </a:solidFill>
+                          <a:rPr lang="en-US" sz="2200" i="1">
                             <a:latin typeface="Cambria Math" panose="02040503050406030204" pitchFamily="18" charset="0"/>
                           </a:rPr>
-                          <m:t>𝟑</m:t>
+                          <m:t>𝑎𝑛</m:t>
                         </m:r>
                       </m:num>
                       <m:den>
                         <m:r>
-                          <a:rPr lang="en-US" sz="2200" b="1" i="1">
-                            <a:solidFill>
-                              <a:schemeClr val="tx1"/>
-                            </a:solidFill>
+                          <a:rPr lang="en-US" sz="2200" i="1">
                             <a:latin typeface="Cambria Math" panose="02040503050406030204" pitchFamily="18" charset="0"/>
                           </a:rPr>
-                          <m:t>𝟐</m:t>
+                          <m:t>𝑉</m:t>
                         </m:r>
                       </m:den>
                     </m:f>
-                    <m:r>
-                      <a:rPr lang="en-US" sz="2200" b="1" i="1">
-                        <a:solidFill>
-                          <a:schemeClr val="tx1"/>
-                        </a:solidFill>
-                        <a:latin typeface="Cambria Math" panose="02040503050406030204" pitchFamily="18" charset="0"/>
-                      </a:rPr>
-                      <m:t>𝑹𝑻</m:t>
-                    </m:r>
-                    <m:r>
-                      <a:rPr lang="en-US" sz="2200" b="1" i="1">
-                        <a:solidFill>
-                          <a:schemeClr val="tx1"/>
-                        </a:solidFill>
-                        <a:latin typeface="Cambria Math" panose="02040503050406030204" pitchFamily="18" charset="0"/>
-                      </a:rPr>
-                      <m:t>+</m:t>
-                    </m:r>
+                  </m:oMath>
+                </a14:m>
+                <a:r>
+                  <a:rPr lang="en-US" sz="2200" dirty="0"/>
+                  <a:t> (i.e., vdw), unless otherwise noted.</a:t>
+                </a:r>
+                <a:endParaRPr lang="en-US" sz="2200" i="1" dirty="0"/>
+              </a:p>
+              <a:p>
+                <a:endParaRPr lang="en-US" sz="2200" i="1" dirty="0">
+                  <a:solidFill>
+                    <a:srgbClr val="00B050"/>
+                  </a:solidFill>
+                  <a:latin typeface="Cambria Math" panose="02040503050406030204" pitchFamily="18" charset="0"/>
+                </a:endParaRPr>
+              </a:p>
+              <a:p>
+                <a:pPr marL="457200" indent="-457200">
+                  <a:buFont typeface="+mj-lt"/>
+                  <a:buAutoNum type="arabicPeriod"/>
+                </a:pPr>
+                <a:r>
+                  <a:rPr lang="en-US" sz="2200" dirty="0">
+                    <a:solidFill>
+                      <a:srgbClr val="7030A0"/>
+                    </a:solidFill>
+                  </a:rPr>
+                  <a:t>Use your calculus skills in combination with this equation to find algebraic expressions for </a:t>
+                </a:r>
+                <a14:m>
+                  <m:oMath xmlns:m="http://schemas.openxmlformats.org/officeDocument/2006/math">
                     <m:sSub>
                       <m:sSubPr>
                         <m:ctrlPr>
                           <a:rPr lang="en-US" sz="2200" b="1" i="1">
                             <a:solidFill>
-                              <a:schemeClr val="tx1"/>
+                              <a:srgbClr val="7030A0"/>
                             </a:solidFill>
                             <a:latin typeface="Cambria Math" panose="02040503050406030204" pitchFamily="18" charset="0"/>
                           </a:rPr>
@@ -10609,62 +11010,51 @@
                         <m:r>
                           <a:rPr lang="en-US" sz="2200" b="1" i="1">
                             <a:solidFill>
-                              <a:schemeClr val="tx1"/>
+                              <a:srgbClr val="7030A0"/>
                             </a:solidFill>
                             <a:latin typeface="Cambria Math" panose="02040503050406030204" pitchFamily="18" charset="0"/>
                           </a:rPr>
-                          <m:t>𝒇</m:t>
+                          <m:t>𝑪</m:t>
                         </m:r>
                       </m:e>
                       <m:sub>
                         <m:r>
-                          <m:rPr>
-                            <m:lit/>
-                            <m:nor/>
-                          </m:rPr>
-                          <a:rPr lang="en-US" sz="2200" b="1">
+                          <a:rPr lang="en-US" sz="2200" b="1" i="1">
                             <a:solidFill>
-                              <a:schemeClr val="tx1"/>
+                              <a:srgbClr val="7030A0"/>
                             </a:solidFill>
                             <a:latin typeface="Cambria Math" panose="02040503050406030204" pitchFamily="18" charset="0"/>
                           </a:rPr>
-                          <m:t>rot</m:t>
+                          <m:t>𝑽</m:t>
                         </m:r>
                       </m:sub>
                     </m:sSub>
-                    <m:r>
-                      <a:rPr lang="en-US" sz="2200" b="1" i="1">
-                        <a:solidFill>
-                          <a:schemeClr val="tx1"/>
-                        </a:solidFill>
-                        <a:latin typeface="Cambria Math" panose="02040503050406030204" pitchFamily="18" charset="0"/>
-                      </a:rPr>
-                      <m:t>(</m:t>
-                    </m:r>
-                    <m:r>
-                      <a:rPr lang="en-US" sz="2200" b="1" i="1">
-                        <a:solidFill>
-                          <a:schemeClr val="tx1"/>
-                        </a:solidFill>
-                        <a:latin typeface="Cambria Math" panose="02040503050406030204" pitchFamily="18" charset="0"/>
-                      </a:rPr>
-                      <m:t>𝑻</m:t>
-                    </m:r>
-                    <m:r>
-                      <a:rPr lang="en-US" sz="2200" b="1" i="1">
-                        <a:solidFill>
-                          <a:schemeClr val="tx1"/>
-                        </a:solidFill>
-                        <a:latin typeface="Cambria Math" panose="02040503050406030204" pitchFamily="18" charset="0"/>
-                      </a:rPr>
-                      <m:t>)+</m:t>
-                    </m:r>
+                  </m:oMath>
+                </a14:m>
+                <a:r>
+                  <a:rPr lang="en-US" sz="2200" i="1" dirty="0">
+                    <a:solidFill>
+                      <a:srgbClr val="7030A0"/>
+                    </a:solidFill>
+                  </a:rPr>
+                  <a:t> </a:t>
+                </a:r>
+                <a:r>
+                  <a:rPr lang="en-US" sz="2200" dirty="0">
+                    <a:solidFill>
+                      <a:srgbClr val="7030A0"/>
+                    </a:solidFill>
+                  </a:rPr>
+                  <a:t>and </a:t>
+                </a:r>
+                <a14:m>
+                  <m:oMath xmlns:m="http://schemas.openxmlformats.org/officeDocument/2006/math">
                     <m:sSub>
                       <m:sSubPr>
                         <m:ctrlPr>
                           <a:rPr lang="en-US" sz="2200" b="1" i="1">
                             <a:solidFill>
-                              <a:schemeClr val="tx1"/>
+                              <a:srgbClr val="7030A0"/>
                             </a:solidFill>
                             <a:latin typeface="Cambria Math" panose="02040503050406030204" pitchFamily="18" charset="0"/>
                           </a:rPr>
@@ -10674,200 +11064,23 @@
                         <m:r>
                           <a:rPr lang="en-US" sz="2200" b="1" i="1">
                             <a:solidFill>
-                              <a:schemeClr val="tx1"/>
+                              <a:srgbClr val="7030A0"/>
                             </a:solidFill>
                             <a:latin typeface="Cambria Math" panose="02040503050406030204" pitchFamily="18" charset="0"/>
+                            <a:ea typeface="Cambria Math" panose="02040503050406030204" pitchFamily="18" charset="0"/>
                           </a:rPr>
-                          <m:t>𝒇</m:t>
+                          <m:t>𝝅</m:t>
                         </m:r>
                       </m:e>
                       <m:sub>
                         <m:r>
-                          <m:rPr>
-                            <m:lit/>
-                            <m:nor/>
-                          </m:rPr>
-                          <a:rPr lang="en-US" sz="2200" b="1">
-                            <a:solidFill>
-                              <a:schemeClr val="tx1"/>
-                            </a:solidFill>
-                          </a:rPr>
-                          <m:t>vib</m:t>
-                        </m:r>
-                      </m:sub>
-                    </m:sSub>
-                    <m:r>
-                      <a:rPr lang="en-US" sz="2200" b="1" i="1">
-                        <a:solidFill>
-                          <a:schemeClr val="tx1"/>
-                        </a:solidFill>
-                        <a:latin typeface="Cambria Math" panose="02040503050406030204" pitchFamily="18" charset="0"/>
-                      </a:rPr>
-                      <m:t>(</m:t>
-                    </m:r>
-                    <m:r>
-                      <a:rPr lang="en-US" sz="2200" b="1" i="1">
-                        <a:solidFill>
-                          <a:schemeClr val="tx1"/>
-                        </a:solidFill>
-                        <a:latin typeface="Cambria Math" panose="02040503050406030204" pitchFamily="18" charset="0"/>
-                      </a:rPr>
-                      <m:t>𝑻</m:t>
-                    </m:r>
-                    <m:r>
-                      <a:rPr lang="en-US" sz="2200" b="1" i="1">
-                        <a:solidFill>
-                          <a:schemeClr val="tx1"/>
-                        </a:solidFill>
-                        <a:latin typeface="Cambria Math" panose="02040503050406030204" pitchFamily="18" charset="0"/>
-                      </a:rPr>
-                      <m:t>)+</m:t>
-                    </m:r>
-                    <m:sSub>
-                      <m:sSubPr>
-                        <m:ctrlPr>
                           <a:rPr lang="en-US" sz="2200" b="1" i="1">
                             <a:solidFill>
-                              <a:schemeClr val="tx1"/>
+                              <a:srgbClr val="7030A0"/>
                             </a:solidFill>
                             <a:latin typeface="Cambria Math" panose="02040503050406030204" pitchFamily="18" charset="0"/>
                           </a:rPr>
-                        </m:ctrlPr>
-                      </m:sSubPr>
-                      <m:e>
-                        <m:r>
-                          <a:rPr lang="en-US" sz="2200" b="1" i="1">
-                            <a:solidFill>
-                              <a:schemeClr val="tx1"/>
-                            </a:solidFill>
-                            <a:latin typeface="Cambria Math" panose="02040503050406030204" pitchFamily="18" charset="0"/>
-                          </a:rPr>
-                          <m:t>𝒇</m:t>
-                        </m:r>
-                      </m:e>
-                      <m:sub>
-                        <m:r>
-                          <m:rPr>
-                            <m:lit/>
-                            <m:nor/>
-                          </m:rPr>
-                          <a:rPr lang="en-US" sz="2200" b="1">
-                            <a:solidFill>
-                              <a:schemeClr val="tx1"/>
-                            </a:solidFill>
-                          </a:rPr>
-                          <m:t>intermol</m:t>
-                        </m:r>
-                      </m:sub>
-                    </m:sSub>
-                    <m:r>
-                      <a:rPr lang="en-US" sz="2200" b="1" i="1">
-                        <a:solidFill>
-                          <a:schemeClr val="tx1"/>
-                        </a:solidFill>
-                        <a:latin typeface="Cambria Math" panose="02040503050406030204" pitchFamily="18" charset="0"/>
-                      </a:rPr>
-                      <m:t>(</m:t>
-                    </m:r>
-                    <m:r>
-                      <a:rPr lang="en-US" sz="2200" b="1" i="1">
-                        <a:solidFill>
-                          <a:schemeClr val="tx1"/>
-                        </a:solidFill>
-                        <a:latin typeface="Cambria Math" panose="02040503050406030204" pitchFamily="18" charset="0"/>
-                      </a:rPr>
-                      <m:t>𝑽</m:t>
-                    </m:r>
-                    <m:r>
-                      <a:rPr lang="en-US" sz="2200" b="1" i="1">
-                        <a:solidFill>
-                          <a:schemeClr val="tx1"/>
-                        </a:solidFill>
-                        <a:latin typeface="Cambria Math" panose="02040503050406030204" pitchFamily="18" charset="0"/>
-                      </a:rPr>
-                      <m:t>,</m:t>
-                    </m:r>
-                    <m:r>
-                      <a:rPr lang="en-US" sz="2200" b="1" i="1">
-                        <a:solidFill>
-                          <a:schemeClr val="tx1"/>
-                        </a:solidFill>
-                        <a:latin typeface="Cambria Math" panose="02040503050406030204" pitchFamily="18" charset="0"/>
-                      </a:rPr>
-                      <m:t>𝑻</m:t>
-                    </m:r>
-                    <m:r>
-                      <a:rPr lang="en-US" sz="2200" b="1" i="1">
-                        <a:solidFill>
-                          <a:schemeClr val="tx1"/>
-                        </a:solidFill>
-                        <a:latin typeface="Cambria Math" panose="02040503050406030204" pitchFamily="18" charset="0"/>
-                      </a:rPr>
-                      <m:t>)]×</m:t>
-                    </m:r>
-                    <m:r>
-                      <a:rPr lang="en-US" sz="2200" b="1" i="1">
-                        <a:solidFill>
-                          <a:schemeClr val="tx1"/>
-                        </a:solidFill>
-                        <a:latin typeface="Cambria Math" panose="02040503050406030204" pitchFamily="18" charset="0"/>
-                      </a:rPr>
-                      <m:t>𝒏</m:t>
-                    </m:r>
-                  </m:oMath>
-                </a14:m>
-                <a:endParaRPr lang="en-US" sz="2200" b="1" dirty="0">
-                  <a:solidFill>
-                    <a:schemeClr val="tx1"/>
-                  </a:solidFill>
-                </a:endParaRPr>
-              </a:p>
-              <a:p>
-                <a:endParaRPr lang="en-US" sz="2200" dirty="0"/>
-              </a:p>
-              <a:p>
-                <a:pPr marL="457200" indent="-457200">
-                  <a:buFont typeface="+mj-lt"/>
-                  <a:buAutoNum type="arabicPeriod"/>
-                </a:pPr>
-                <a:r>
-                  <a:rPr lang="en-US" sz="2200" dirty="0"/>
-                  <a:t>For each of the following cases, derive an algebraic expression for </a:t>
-                </a:r>
-                <a14:m>
-                  <m:oMath xmlns:m="http://schemas.openxmlformats.org/officeDocument/2006/math">
-                    <m:sSub>
-                      <m:sSubPr>
-                        <m:ctrlPr>
-                          <a:rPr lang="en-US" sz="2200" i="1" smtClean="0">
-                            <a:solidFill>
-                              <a:schemeClr val="tx1"/>
-                            </a:solidFill>
-                            <a:latin typeface="Cambria Math" panose="02040503050406030204" pitchFamily="18" charset="0"/>
-                          </a:rPr>
-                        </m:ctrlPr>
-                      </m:sSubPr>
-                      <m:e>
-                        <m:r>
-                          <a:rPr lang="en-US" sz="2200" b="0" i="1" smtClean="0">
-                            <a:solidFill>
-                              <a:schemeClr val="tx1"/>
-                            </a:solidFill>
-                            <a:latin typeface="Cambria Math" panose="02040503050406030204" pitchFamily="18" charset="0"/>
-                            <a:ea typeface="Cambria Math" panose="02040503050406030204" pitchFamily="18" charset="0"/>
-                          </a:rPr>
-                          <m:t>𝜋</m:t>
-                        </m:r>
-                      </m:e>
-                      <m:sub>
-                        <m:r>
-                          <a:rPr lang="en-US" sz="2200" b="0" i="1" smtClean="0">
-                            <a:solidFill>
-                              <a:schemeClr val="tx1"/>
-                            </a:solidFill>
-                            <a:latin typeface="Cambria Math" panose="02040503050406030204" pitchFamily="18" charset="0"/>
-                          </a:rPr>
-                          <m:t>𝑇</m:t>
+                          <m:t>𝑻</m:t>
                         </m:r>
                       </m:sub>
                     </m:sSub>
@@ -10876,33 +11089,35 @@
                 <a:r>
                   <a:rPr lang="en-US" sz="2200" dirty="0">
                     <a:solidFill>
-                      <a:schemeClr val="tx1"/>
+                      <a:srgbClr val="7030A0"/>
                     </a:solidFill>
                   </a:rPr>
                   <a:t>.</a:t>
                 </a:r>
-              </a:p>
-              <a:p>
-                <a:pPr marL="914400" lvl="1" indent="-457200">
-                  <a:buFont typeface="+mj-lt"/>
-                  <a:buAutoNum type="alphaLcParenR"/>
-                </a:pPr>
+                <a:r>
+                  <a:rPr lang="en-US" sz="2200" i="1" dirty="0">
+                    <a:solidFill>
+                      <a:srgbClr val="7030A0"/>
+                    </a:solidFill>
+                  </a:rPr>
+                  <a:t> </a:t>
+                </a:r>
                 <a:r>
                   <a:rPr lang="en-US" sz="2200" dirty="0">
                     <a:solidFill>
-                      <a:schemeClr val="tx1"/>
+                      <a:srgbClr val="7030A0"/>
                     </a:solidFill>
                   </a:rPr>
-                  <a:t> </a:t>
+                  <a:t>To do this, you’ll need to decide on what </a:t>
                 </a:r>
                 <a14:m>
                   <m:oMath xmlns:m="http://schemas.openxmlformats.org/officeDocument/2006/math">
                     <m:sSub>
                       <m:sSubPr>
                         <m:ctrlPr>
-                          <a:rPr lang="en-US" sz="2200" i="1" smtClean="0">
+                          <a:rPr lang="en-US" sz="2200" i="1">
                             <a:solidFill>
-                              <a:schemeClr val="tx1"/>
+                              <a:srgbClr val="7030A0"/>
                             </a:solidFill>
                             <a:latin typeface="Cambria Math" panose="02040503050406030204" pitchFamily="18" charset="0"/>
                           </a:rPr>
@@ -10910,9 +11125,9 @@
                       </m:sSubPr>
                       <m:e>
                         <m:r>
-                          <a:rPr lang="en-US" sz="2200" b="0" i="1">
+                          <a:rPr lang="en-US" sz="2200" i="1">
                             <a:solidFill>
-                              <a:schemeClr val="tx1"/>
+                              <a:srgbClr val="7030A0"/>
                             </a:solidFill>
                             <a:latin typeface="Cambria Math" panose="02040503050406030204" pitchFamily="18" charset="0"/>
                           </a:rPr>
@@ -10927,88 +11142,59 @@
                           </m:rPr>
                           <a:rPr lang="en-US" sz="2200">
                             <a:solidFill>
-                              <a:schemeClr val="tx1"/>
+                              <a:srgbClr val="7030A0"/>
                             </a:solidFill>
+                            <a:latin typeface="Cambria Math" panose="02040503050406030204" pitchFamily="18" charset="0"/>
                           </a:rPr>
-                          <m:t>intermol</m:t>
+                          <m:t>rot</m:t>
                         </m:r>
                       </m:sub>
                     </m:sSub>
                     <m:r>
-                      <a:rPr lang="en-US" sz="2200" b="0" i="1" smtClean="0">
+                      <a:rPr lang="en-US" sz="2200" i="1">
                         <a:solidFill>
-                          <a:schemeClr val="tx1"/>
+                          <a:srgbClr val="7030A0"/>
                         </a:solidFill>
                         <a:latin typeface="Cambria Math" panose="02040503050406030204" pitchFamily="18" charset="0"/>
                       </a:rPr>
-                      <m:t>=−</m:t>
+                      <m:t>(</m:t>
                     </m:r>
-                    <m:f>
-                      <m:fPr>
-                        <m:ctrlPr>
-                          <a:rPr lang="en-US" sz="2200" b="0" i="1" smtClean="0">
-                            <a:solidFill>
-                              <a:schemeClr val="tx1"/>
-                            </a:solidFill>
-                            <a:latin typeface="Cambria Math" panose="02040503050406030204" pitchFamily="18" charset="0"/>
-                          </a:rPr>
-                        </m:ctrlPr>
-                      </m:fPr>
-                      <m:num>
-                        <m:r>
-                          <a:rPr lang="en-US" sz="2200" b="0" i="1" smtClean="0">
-                            <a:solidFill>
-                              <a:schemeClr val="tx1"/>
-                            </a:solidFill>
-                            <a:latin typeface="Cambria Math" panose="02040503050406030204" pitchFamily="18" charset="0"/>
-                          </a:rPr>
-                          <m:t>𝑎𝑛</m:t>
-                        </m:r>
-                      </m:num>
-                      <m:den>
-                        <m:r>
-                          <a:rPr lang="en-US" sz="2200" b="0" i="1" smtClean="0">
-                            <a:solidFill>
-                              <a:schemeClr val="tx1"/>
-                            </a:solidFill>
-                            <a:latin typeface="Cambria Math" panose="02040503050406030204" pitchFamily="18" charset="0"/>
-                          </a:rPr>
-                          <m:t>𝑉</m:t>
-                        </m:r>
-                      </m:den>
-                    </m:f>
+                    <m:r>
+                      <a:rPr lang="en-US" sz="2200" i="1">
+                        <a:solidFill>
+                          <a:srgbClr val="7030A0"/>
+                        </a:solidFill>
+                        <a:latin typeface="Cambria Math" panose="02040503050406030204" pitchFamily="18" charset="0"/>
+                      </a:rPr>
+                      <m:t>𝑇</m:t>
+                    </m:r>
+                    <m:r>
+                      <a:rPr lang="en-US" sz="2200" i="1">
+                        <a:solidFill>
+                          <a:srgbClr val="7030A0"/>
+                        </a:solidFill>
+                        <a:latin typeface="Cambria Math" panose="02040503050406030204" pitchFamily="18" charset="0"/>
+                      </a:rPr>
+                      <m:t>)</m:t>
+                    </m:r>
                   </m:oMath>
                 </a14:m>
                 <a:r>
                   <a:rPr lang="en-US" sz="2200" dirty="0">
                     <a:solidFill>
-                      <a:schemeClr val="tx1"/>
+                      <a:srgbClr val="7030A0"/>
                     </a:solidFill>
                   </a:rPr>
-                  <a:t> (vdw gas)</a:t>
-                </a:r>
-              </a:p>
-              <a:p>
-                <a:pPr marL="914400" lvl="1" indent="-457200">
-                  <a:buFont typeface="+mj-lt"/>
-                  <a:buAutoNum type="alphaLcParenR"/>
-                </a:pPr>
-                <a:r>
-                  <a:rPr lang="en-US" sz="2200" dirty="0">
-                    <a:solidFill>
-                      <a:schemeClr val="tx1"/>
-                    </a:solidFill>
-                  </a:rPr>
-                  <a:t> </a:t>
+                  <a:t> and </a:t>
                 </a:r>
                 <a14:m>
                   <m:oMath xmlns:m="http://schemas.openxmlformats.org/officeDocument/2006/math">
                     <m:sSub>
                       <m:sSubPr>
                         <m:ctrlPr>
-                          <a:rPr lang="en-US" sz="2200" i="1" smtClean="0">
+                          <a:rPr lang="en-US" sz="2200" i="1">
                             <a:solidFill>
-                              <a:schemeClr val="tx1"/>
+                              <a:srgbClr val="7030A0"/>
                             </a:solidFill>
                             <a:latin typeface="Cambria Math" panose="02040503050406030204" pitchFamily="18" charset="0"/>
                           </a:rPr>
@@ -11018,7 +11204,7 @@
                         <m:r>
                           <a:rPr lang="en-US" sz="2200" i="1">
                             <a:solidFill>
-                              <a:schemeClr val="tx1"/>
+                              <a:srgbClr val="7030A0"/>
                             </a:solidFill>
                             <a:latin typeface="Cambria Math" panose="02040503050406030204" pitchFamily="18" charset="0"/>
                           </a:rPr>
@@ -11033,90 +11219,59 @@
                           </m:rPr>
                           <a:rPr lang="en-US" sz="2200">
                             <a:solidFill>
-                              <a:schemeClr val="tx1"/>
+                              <a:srgbClr val="7030A0"/>
                             </a:solidFill>
                           </a:rPr>
-                          <m:t>intermol</m:t>
+                          <m:t>vib</m:t>
                         </m:r>
                       </m:sub>
                     </m:sSub>
                     <m:r>
                       <a:rPr lang="en-US" sz="2200" i="1">
                         <a:solidFill>
-                          <a:schemeClr val="tx1"/>
+                          <a:srgbClr val="7030A0"/>
                         </a:solidFill>
                         <a:latin typeface="Cambria Math" panose="02040503050406030204" pitchFamily="18" charset="0"/>
                       </a:rPr>
-                      <m:t>=−</m:t>
+                      <m:t>(</m:t>
                     </m:r>
-                    <m:f>
-                      <m:fPr>
-                        <m:ctrlPr>
-                          <a:rPr lang="en-US" sz="2200" i="1">
-                            <a:solidFill>
-                              <a:schemeClr val="tx1"/>
-                            </a:solidFill>
-                            <a:latin typeface="Cambria Math" panose="02040503050406030204" pitchFamily="18" charset="0"/>
-                          </a:rPr>
-                        </m:ctrlPr>
-                      </m:fPr>
-                      <m:num>
-                        <m:r>
-                          <a:rPr lang="en-US" sz="2200" i="1">
-                            <a:solidFill>
-                              <a:schemeClr val="tx1"/>
-                            </a:solidFill>
-                            <a:latin typeface="Cambria Math" panose="02040503050406030204" pitchFamily="18" charset="0"/>
-                          </a:rPr>
-                          <m:t>2</m:t>
-                        </m:r>
-                        <m:r>
-                          <a:rPr lang="en-US" sz="2200" i="1">
-                            <a:solidFill>
-                              <a:schemeClr val="tx1"/>
-                            </a:solidFill>
-                            <a:latin typeface="Cambria Math" panose="02040503050406030204" pitchFamily="18" charset="0"/>
-                          </a:rPr>
-                          <m:t>𝑎𝑛</m:t>
-                        </m:r>
-                      </m:num>
-                      <m:den>
-                        <m:r>
-                          <a:rPr lang="en-US" sz="2200" i="1">
-                            <a:solidFill>
-                              <a:schemeClr val="tx1"/>
-                            </a:solidFill>
-                            <a:latin typeface="Cambria Math" panose="02040503050406030204" pitchFamily="18" charset="0"/>
-                          </a:rPr>
-                          <m:t>𝑉𝑇</m:t>
-                        </m:r>
-                      </m:den>
-                    </m:f>
                     <m:r>
                       <a:rPr lang="en-US" sz="2200" i="1">
                         <a:solidFill>
-                          <a:schemeClr val="tx1"/>
+                          <a:srgbClr val="7030A0"/>
                         </a:solidFill>
                         <a:latin typeface="Cambria Math" panose="02040503050406030204" pitchFamily="18" charset="0"/>
                       </a:rPr>
-                      <m:t> </m:t>
+                      <m:t>𝑇</m:t>
+                    </m:r>
+                    <m:r>
+                      <a:rPr lang="en-US" sz="2200" i="1">
+                        <a:solidFill>
+                          <a:srgbClr val="7030A0"/>
+                        </a:solidFill>
+                        <a:latin typeface="Cambria Math" panose="02040503050406030204" pitchFamily="18" charset="0"/>
+                      </a:rPr>
+                      <m:t>)</m:t>
                     </m:r>
                   </m:oMath>
                 </a14:m>
                 <a:r>
                   <a:rPr lang="en-US" sz="2200" dirty="0">
                     <a:solidFill>
-                      <a:schemeClr val="tx1"/>
+                      <a:srgbClr val="7030A0"/>
                     </a:solidFill>
                   </a:rPr>
-                  <a:t> (Berthelot gas)</a:t>
+                  <a:t> look like in the classical limit.</a:t>
                 </a:r>
               </a:p>
               <a:p>
-                <a:pPr lvl="1"/>
-                <a:endParaRPr lang="en-US" sz="2200" b="0" i="1" dirty="0">
+                <a:pPr marL="457200" indent="-457200">
+                  <a:buFont typeface="+mj-lt"/>
+                  <a:buAutoNum type="arabicPeriod"/>
+                </a:pPr>
+                <a:endParaRPr lang="en-US" sz="2200" i="1" dirty="0">
                   <a:solidFill>
-                    <a:schemeClr val="tx1"/>
+                    <a:srgbClr val="7030A0"/>
                   </a:solidFill>
                   <a:latin typeface="Cambria Math" panose="02040503050406030204" pitchFamily="18" charset="0"/>
                 </a:endParaRPr>
@@ -11127,59 +11282,12 @@
                   <a:buAutoNum type="arabicPeriod"/>
                 </a:pPr>
                 <a:r>
-                  <a:rPr lang="en-US" sz="2200" dirty="0"/>
-                  <a:t>For </a:t>
-                </a:r>
-                <a14:m>
-                  <m:oMath xmlns:m="http://schemas.openxmlformats.org/officeDocument/2006/math">
-                    <m:sSub>
-                      <m:sSubPr>
-                        <m:ctrlPr>
-                          <a:rPr lang="en-US" sz="2200" b="0" i="1" smtClean="0">
-                            <a:latin typeface="Cambria Math" panose="02040503050406030204" pitchFamily="18" charset="0"/>
-                          </a:rPr>
-                        </m:ctrlPr>
-                      </m:sSubPr>
-                      <m:e>
-                        <m:r>
-                          <a:rPr lang="en-US" sz="2200" b="0" i="1" smtClean="0">
-                            <a:latin typeface="Cambria Math" panose="02040503050406030204" pitchFamily="18" charset="0"/>
-                          </a:rPr>
-                          <m:t>𝑁</m:t>
-                        </m:r>
-                      </m:e>
-                      <m:sub>
-                        <m:r>
-                          <a:rPr lang="en-US" sz="2200" b="0" i="1" smtClean="0">
-                            <a:latin typeface="Cambria Math" panose="02040503050406030204" pitchFamily="18" charset="0"/>
-                          </a:rPr>
-                          <m:t>2</m:t>
-                        </m:r>
-                      </m:sub>
-                    </m:sSub>
-                  </m:oMath>
-                </a14:m>
-                <a:r>
-                  <a:rPr lang="en-US" sz="2200" dirty="0"/>
-                  <a:t> gas in the classical limit, assuming it behaves as an ideal gas: </a:t>
-                </a:r>
-              </a:p>
-              <a:p>
-                <a:pPr marL="914400" lvl="1" indent="-457200">
-                  <a:buFont typeface="+mj-lt"/>
-                  <a:buAutoNum type="alphaLcParenR"/>
-                </a:pPr>
-                <a:r>
-                  <a:rPr lang="en-US" sz="2200" dirty="0"/>
-                  <a:t>Derive </a:t>
-                </a:r>
-                <a:r>
                   <a:rPr lang="en-US" sz="2200" dirty="0">
                     <a:solidFill>
-                      <a:schemeClr val="tx1"/>
+                      <a:srgbClr val="7030A0"/>
                     </a:solidFill>
                   </a:rPr>
-                  <a:t>an algebraic expression for </a:t>
+                  <a:t>Use these expressions to calculate numerical values of </a:t>
                 </a:r>
                 <a14:m>
                   <m:oMath xmlns:m="http://schemas.openxmlformats.org/officeDocument/2006/math">
@@ -11188,7 +11296,54 @@
                         <m:ctrlPr>
                           <a:rPr lang="en-US" sz="2200" i="1" smtClean="0">
                             <a:solidFill>
-                              <a:schemeClr val="tx1"/>
+                              <a:srgbClr val="7030A0"/>
+                            </a:solidFill>
+                            <a:latin typeface="Cambria Math" panose="02040503050406030204" pitchFamily="18" charset="0"/>
+                          </a:rPr>
+                        </m:ctrlPr>
+                      </m:sSubPr>
+                      <m:e>
+                        <m:r>
+                          <a:rPr lang="en-US" sz="2200" b="0" i="1">
+                            <a:solidFill>
+                              <a:srgbClr val="7030A0"/>
+                            </a:solidFill>
+                            <a:latin typeface="Cambria Math" panose="02040503050406030204" pitchFamily="18" charset="0"/>
+                            <a:ea typeface="Cambria Math" panose="02040503050406030204" pitchFamily="18" charset="0"/>
+                          </a:rPr>
+                          <m:t>𝜋</m:t>
+                        </m:r>
+                      </m:e>
+                      <m:sub>
+                        <m:r>
+                          <a:rPr lang="en-US" sz="2200" b="0" i="1">
+                            <a:solidFill>
+                              <a:srgbClr val="7030A0"/>
+                            </a:solidFill>
+                            <a:latin typeface="Cambria Math" panose="02040503050406030204" pitchFamily="18" charset="0"/>
+                          </a:rPr>
+                          <m:t>𝑇</m:t>
+                        </m:r>
+                      </m:sub>
+                    </m:sSub>
+                  </m:oMath>
+                </a14:m>
+                <a:r>
+                  <a:rPr lang="en-US" sz="2200" dirty="0">
+                    <a:solidFill>
+                      <a:srgbClr val="7030A0"/>
+                    </a:solidFill>
+                  </a:rPr>
+                  <a:t> and </a:t>
+                </a:r>
+                <a14:m>
+                  <m:oMath xmlns:m="http://schemas.openxmlformats.org/officeDocument/2006/math">
+                    <m:sSub>
+                      <m:sSubPr>
+                        <m:ctrlPr>
+                          <a:rPr lang="en-US" sz="2200" i="1">
+                            <a:solidFill>
+                              <a:srgbClr val="7030A0"/>
                             </a:solidFill>
                             <a:latin typeface="Cambria Math" panose="02040503050406030204" pitchFamily="18" charset="0"/>
                           </a:rPr>
@@ -11198,7 +11353,7 @@
                         <m:r>
                           <a:rPr lang="en-US" sz="2200" i="1">
                             <a:solidFill>
-                              <a:schemeClr val="tx1"/>
+                              <a:srgbClr val="7030A0"/>
                             </a:solidFill>
                             <a:latin typeface="Cambria Math" panose="02040503050406030204" pitchFamily="18" charset="0"/>
                           </a:rPr>
@@ -11209,7 +11364,7 @@
                         <m:r>
                           <a:rPr lang="en-US" sz="2200" i="1">
                             <a:solidFill>
-                              <a:schemeClr val="tx1"/>
+                              <a:srgbClr val="7030A0"/>
                             </a:solidFill>
                             <a:latin typeface="Cambria Math" panose="02040503050406030204" pitchFamily="18" charset="0"/>
                           </a:rPr>
@@ -11222,24 +11377,10 @@
                 <a:r>
                   <a:rPr lang="en-US" sz="2200" dirty="0">
                     <a:solidFill>
-                      <a:schemeClr val="tx1"/>
+                      <a:srgbClr val="7030A0"/>
                     </a:solidFill>
                   </a:rPr>
-                  <a:t>.</a:t>
-                </a:r>
-              </a:p>
-              <a:p>
-                <a:pPr marL="914400" lvl="1" indent="-457200">
-                  <a:buFont typeface="+mj-lt"/>
-                  <a:buAutoNum type="alphaLcParenR"/>
-                </a:pPr>
-                <a:r>
-                  <a:rPr lang="en-US" sz="2200" dirty="0">
-                    <a:solidFill>
-                      <a:srgbClr val="00B050"/>
-                    </a:solidFill>
-                  </a:rPr>
-                  <a:t>Obtain a number for </a:t>
+                  <a:t>, in bar (for </a:t>
                 </a:r>
                 <a14:m>
                   <m:oMath xmlns:m="http://schemas.openxmlformats.org/officeDocument/2006/math">
@@ -11248,7 +11389,7 @@
                         <m:ctrlPr>
                           <a:rPr lang="en-US" sz="2200" i="1">
                             <a:solidFill>
-                              <a:srgbClr val="00B050"/>
+                              <a:srgbClr val="7030A0"/>
                             </a:solidFill>
                             <a:latin typeface="Cambria Math" panose="02040503050406030204" pitchFamily="18" charset="0"/>
                           </a:rPr>
@@ -11258,7 +11399,70 @@
                         <m:r>
                           <a:rPr lang="en-US" sz="2200" i="1">
                             <a:solidFill>
-                              <a:srgbClr val="00B050"/>
+                              <a:srgbClr val="7030A0"/>
+                            </a:solidFill>
+                            <a:latin typeface="Cambria Math" panose="02040503050406030204" pitchFamily="18" charset="0"/>
+                            <a:ea typeface="Cambria Math" panose="02040503050406030204" pitchFamily="18" charset="0"/>
+                          </a:rPr>
+                          <m:t>𝜋</m:t>
+                        </m:r>
+                      </m:e>
+                      <m:sub>
+                        <m:r>
+                          <a:rPr lang="en-US" sz="2200" i="1">
+                            <a:solidFill>
+                              <a:srgbClr val="7030A0"/>
+                            </a:solidFill>
+                            <a:latin typeface="Cambria Math" panose="02040503050406030204" pitchFamily="18" charset="0"/>
+                          </a:rPr>
+                          <m:t>𝑇</m:t>
+                        </m:r>
+                      </m:sub>
+                    </m:sSub>
+                  </m:oMath>
+                </a14:m>
+                <a:r>
+                  <a:rPr lang="en-US" sz="2200" dirty="0">
+                    <a:solidFill>
+                      <a:srgbClr val="7030A0"/>
+                    </a:solidFill>
+                  </a:rPr>
+                  <a:t>) and </a:t>
+                </a:r>
+                <a:r>
+                  <a:rPr lang="en-US" sz="2200" i="1" dirty="0">
+                    <a:solidFill>
+                      <a:srgbClr val="7030A0"/>
+                    </a:solidFill>
+                  </a:rPr>
+                  <a:t>J/mol-K</a:t>
+                </a:r>
+                <a:r>
+                  <a:rPr lang="en-US" sz="2200" dirty="0">
+                    <a:solidFill>
+                      <a:srgbClr val="7030A0"/>
+                    </a:solidFill>
+                  </a:rPr>
+                  <a:t> (for </a:t>
+                </a:r>
+                <a14:m>
+                  <m:oMath xmlns:m="http://schemas.openxmlformats.org/officeDocument/2006/math">
+                    <m:sSub>
+                      <m:sSubPr>
+                        <m:ctrlPr>
+                          <a:rPr lang="en-US" sz="2200" i="1">
+                            <a:solidFill>
+                              <a:srgbClr val="7030A0"/>
+                            </a:solidFill>
+                            <a:latin typeface="Cambria Math" panose="02040503050406030204" pitchFamily="18" charset="0"/>
+                          </a:rPr>
+                        </m:ctrlPr>
+                      </m:sSubPr>
+                      <m:e>
+                        <m:r>
+                          <a:rPr lang="en-US" sz="2200" i="1">
+                            <a:solidFill>
+                              <a:srgbClr val="7030A0"/>
                             </a:solidFill>
                             <a:latin typeface="Cambria Math" panose="02040503050406030204" pitchFamily="18" charset="0"/>
                           </a:rPr>
@@ -11269,7 +11473,7 @@
                         <m:r>
                           <a:rPr lang="en-US" sz="2200" i="1">
                             <a:solidFill>
-                              <a:srgbClr val="00B050"/>
+                              <a:srgbClr val="7030A0"/>
                             </a:solidFill>
                             <a:latin typeface="Cambria Math" panose="02040503050406030204" pitchFamily="18" charset="0"/>
                           </a:rPr>
@@ -11282,84 +11486,112 @@
                 <a:r>
                   <a:rPr lang="en-US" sz="2200" dirty="0">
                     <a:solidFill>
-                      <a:srgbClr val="00B050"/>
+                      <a:srgbClr val="7030A0"/>
                     </a:solidFill>
                   </a:rPr>
-                  <a:t>, in units </a:t>
+                  <a:t>), at </a:t>
                 </a:r>
                 <a14:m>
                   <m:oMath xmlns:m="http://schemas.openxmlformats.org/officeDocument/2006/math">
-                    <m:f>
-                      <m:fPr>
-                        <m:ctrlPr>
-                          <a:rPr lang="en-US" sz="2200" b="0" i="1" smtClean="0">
-                            <a:solidFill>
-                              <a:srgbClr val="00B050"/>
-                            </a:solidFill>
-                            <a:latin typeface="Cambria Math" panose="02040503050406030204" pitchFamily="18" charset="0"/>
-                          </a:rPr>
-                        </m:ctrlPr>
-                      </m:fPr>
-                      <m:num>
-                        <m:r>
-                          <a:rPr lang="en-US" sz="2200" b="0" i="1" smtClean="0">
-                            <a:solidFill>
-                              <a:srgbClr val="00B050"/>
-                            </a:solidFill>
-                            <a:latin typeface="Cambria Math" panose="02040503050406030204" pitchFamily="18" charset="0"/>
-                          </a:rPr>
-                          <m:t>𝐽</m:t>
-                        </m:r>
-                      </m:num>
-                      <m:den>
-                        <m:r>
-                          <a:rPr lang="en-US" sz="2200" b="0" i="1" smtClean="0">
-                            <a:solidFill>
-                              <a:srgbClr val="00B050"/>
-                            </a:solidFill>
-                            <a:latin typeface="Cambria Math" panose="02040503050406030204" pitchFamily="18" charset="0"/>
-                          </a:rPr>
-                          <m:t>𝑚𝑜𝑙</m:t>
-                        </m:r>
-                        <m:r>
-                          <a:rPr lang="en-US" sz="2200" b="0" i="1" smtClean="0">
-                            <a:solidFill>
-                              <a:srgbClr val="00B050"/>
-                            </a:solidFill>
-                            <a:latin typeface="Cambria Math" panose="02040503050406030204" pitchFamily="18" charset="0"/>
-                          </a:rPr>
-                          <m:t> </m:t>
-                        </m:r>
-                        <m:r>
-                          <a:rPr lang="en-US" sz="2200" b="0" i="1" smtClean="0">
-                            <a:solidFill>
-                              <a:srgbClr val="00B050"/>
-                            </a:solidFill>
-                            <a:latin typeface="Cambria Math" panose="02040503050406030204" pitchFamily="18" charset="0"/>
-                          </a:rPr>
-                          <m:t>𝐾</m:t>
-                        </m:r>
-                      </m:den>
-                    </m:f>
+                    <m:r>
+                      <a:rPr lang="en-US" sz="2200" i="1" dirty="0" smtClean="0">
+                        <a:solidFill>
+                          <a:srgbClr val="7030A0"/>
+                        </a:solidFill>
+                        <a:latin typeface="Cambria Math" panose="02040503050406030204" pitchFamily="18" charset="0"/>
+                      </a:rPr>
+                      <m:t>3</m:t>
+                    </m:r>
+                    <m:r>
+                      <a:rPr lang="en-US" sz="2200" i="1">
+                        <a:solidFill>
+                          <a:srgbClr val="7030A0"/>
+                        </a:solidFill>
+                        <a:latin typeface="Cambria Math" panose="02040503050406030204" pitchFamily="18" charset="0"/>
+                      </a:rPr>
+                      <m:t>00 </m:t>
+                    </m:r>
+                    <m:r>
+                      <a:rPr lang="en-US" sz="2200" i="1">
+                        <a:solidFill>
+                          <a:srgbClr val="7030A0"/>
+                        </a:solidFill>
+                        <a:latin typeface="Cambria Math" panose="02040503050406030204" pitchFamily="18" charset="0"/>
+                      </a:rPr>
+                      <m:t>𝐾</m:t>
+                    </m:r>
                   </m:oMath>
                 </a14:m>
                 <a:r>
                   <a:rPr lang="en-US" sz="2200" dirty="0">
                     <a:solidFill>
-                      <a:schemeClr val="tx1"/>
+                      <a:srgbClr val="7030A0"/>
                     </a:solidFill>
                   </a:rPr>
-                  <a:t>.</a:t>
+                  <a:t>, when the gas is confined to a volume of </a:t>
+                </a:r>
+                <a14:m>
+                  <m:oMath xmlns:m="http://schemas.openxmlformats.org/officeDocument/2006/math">
+                    <m:r>
+                      <a:rPr lang="en-US" sz="2200" b="0" i="1" smtClean="0">
+                        <a:solidFill>
+                          <a:srgbClr val="7030A0"/>
+                        </a:solidFill>
+                        <a:latin typeface="Cambria Math" panose="02040503050406030204" pitchFamily="18" charset="0"/>
+                      </a:rPr>
+                      <m:t>2 </m:t>
+                    </m:r>
+                    <m:r>
+                      <a:rPr lang="en-US" sz="2200" b="0" i="1" smtClean="0">
+                        <a:solidFill>
+                          <a:srgbClr val="7030A0"/>
+                        </a:solidFill>
+                        <a:latin typeface="Cambria Math" panose="02040503050406030204" pitchFamily="18" charset="0"/>
+                      </a:rPr>
+                      <m:t>𝐿𝑖𝑡𝑒𝑟𝑠</m:t>
+                    </m:r>
+                  </m:oMath>
+                </a14:m>
+                <a:r>
+                  <a:rPr lang="en-US" sz="2200" dirty="0">
+                    <a:solidFill>
+                      <a:srgbClr val="7030A0"/>
+                    </a:solidFill>
+                  </a:rPr>
+                  <a:t>. See </a:t>
+                </a:r>
+                <a:r>
+                  <a:rPr lang="en-US" sz="2200" dirty="0">
+                    <a:solidFill>
+                      <a:srgbClr val="7030A0"/>
+                    </a:solidFill>
+                    <a:hlinkClick r:id="rId2">
+                      <a:extLst>
+                        <a:ext uri="{A12FA001-AC4F-418D-AE19-62706E023703}">
+                          <ahyp:hlinkClr xmlns:ahyp="http://schemas.microsoft.com/office/drawing/2018/hyperlinkcolor" val="tx"/>
+                        </a:ext>
+                      </a:extLst>
+                    </a:hlinkClick>
+                  </a:rPr>
+                  <a:t>https://en.wikipedia.org/wiki/Van_der_Waals_constants_(data_page)</a:t>
+                </a:r>
+                <a:r>
+                  <a:rPr lang="en-US" sz="2200" dirty="0">
+                    <a:solidFill>
+                      <a:srgbClr val="7030A0"/>
+                    </a:solidFill>
+                  </a:rPr>
+                  <a:t> </a:t>
                 </a:r>
               </a:p>
               <a:p>
-                <a:pPr marL="914400" lvl="1" indent="-457200">
+                <a:pPr marL="457200" indent="-457200">
                   <a:buFont typeface="+mj-lt"/>
-                  <a:buAutoNum type="alphaLcParenR"/>
+                  <a:buAutoNum type="arabicPeriod"/>
                 </a:pPr>
                 <a:endParaRPr lang="en-US" sz="2200" dirty="0">
                   <a:solidFill>
-                    <a:schemeClr val="tx1"/>
+                    <a:srgbClr val="7030A0"/>
                   </a:solidFill>
                 </a:endParaRPr>
               </a:p>
@@ -11371,17 +11603,17 @@
                 <a:r>
                   <a:rPr lang="en-US" sz="2200" dirty="0">
                     <a:solidFill>
-                      <a:srgbClr val="00B050"/>
+                      <a:srgbClr val="7030A0"/>
                     </a:solidFill>
                   </a:rPr>
-                  <a:t>Find </a:t>
+                  <a:t>Calculate </a:t>
                 </a:r>
                 <a14:m>
                   <m:oMath xmlns:m="http://schemas.openxmlformats.org/officeDocument/2006/math">
                     <m:r>
-                      <a:rPr lang="en-US" sz="2200" b="0" i="1" smtClean="0">
+                      <a:rPr lang="en-US" sz="2200" b="1" i="1">
                         <a:solidFill>
-                          <a:srgbClr val="00B050"/>
+                          <a:srgbClr val="7030A0"/>
                         </a:solidFill>
                         <a:latin typeface="Cambria Math" panose="02040503050406030204" pitchFamily="18" charset="0"/>
                         <a:ea typeface="Cambria Math" panose="02040503050406030204" pitchFamily="18" charset="0"/>
@@ -11389,30 +11621,38 @@
                       <m:t>∆</m:t>
                     </m:r>
                     <m:r>
-                      <a:rPr lang="en-US" sz="2200" b="0" i="1">
+                      <a:rPr lang="en-US" sz="2200" b="1" i="1">
                         <a:solidFill>
-                          <a:srgbClr val="00B050"/>
+                          <a:srgbClr val="7030A0"/>
                         </a:solidFill>
                         <a:latin typeface="Cambria Math" panose="02040503050406030204" pitchFamily="18" charset="0"/>
                       </a:rPr>
-                      <m:t>𝑈</m:t>
+                      <m:t>𝑼</m:t>
                     </m:r>
                   </m:oMath>
                 </a14:m>
                 <a:r>
+                  <a:rPr lang="en-US" sz="2200" b="1" dirty="0">
+                    <a:solidFill>
+                      <a:srgbClr val="7030A0"/>
+                    </a:solidFill>
+                  </a:rPr>
+                  <a:t> </a:t>
+                </a:r>
+                <a:r>
                   <a:rPr lang="en-US" sz="2200" dirty="0">
                     <a:solidFill>
-                      <a:srgbClr val="00B050"/>
+                      <a:srgbClr val="7030A0"/>
                     </a:solidFill>
                   </a:rPr>
-                  <a:t> (in </a:t>
+                  <a:t>(in </a:t>
                 </a:r>
                 <a14:m>
                   <m:oMath xmlns:m="http://schemas.openxmlformats.org/officeDocument/2006/math">
                     <m:r>
-                      <a:rPr lang="en-US" sz="2200" b="0" i="1" smtClean="0">
+                      <a:rPr lang="en-US" sz="2200" i="1">
                         <a:solidFill>
-                          <a:srgbClr val="00B050"/>
+                          <a:srgbClr val="7030A0"/>
                         </a:solidFill>
                         <a:latin typeface="Cambria Math" panose="02040503050406030204" pitchFamily="18" charset="0"/>
                       </a:rPr>
@@ -11423,10 +11663,10 @@
                 <a:r>
                   <a:rPr lang="en-US" sz="2200" dirty="0">
                     <a:solidFill>
-                      <a:srgbClr val="00B050"/>
+                      <a:srgbClr val="7030A0"/>
                     </a:solidFill>
                   </a:rPr>
-                  <a:t>), treated as a vdw gas, when one mole of </a:t>
+                  <a:t>) when one mole of </a:t>
                 </a:r>
                 <a14:m>
                   <m:oMath xmlns:m="http://schemas.openxmlformats.org/officeDocument/2006/math">
@@ -11435,7 +11675,7 @@
                         <m:ctrlPr>
                           <a:rPr lang="en-US" sz="2200" i="1">
                             <a:solidFill>
-                              <a:srgbClr val="00B050"/>
+                              <a:srgbClr val="7030A0"/>
                             </a:solidFill>
                             <a:latin typeface="Cambria Math" panose="02040503050406030204" pitchFamily="18" charset="0"/>
                           </a:rPr>
@@ -11443,9 +11683,9 @@
                       </m:sSubPr>
                       <m:e>
                         <m:r>
-                          <a:rPr lang="en-US" sz="2200" i="1">
+                          <a:rPr lang="en-US" sz="2200" b="0" i="1">
                             <a:solidFill>
-                              <a:srgbClr val="00B050"/>
+                              <a:srgbClr val="7030A0"/>
                             </a:solidFill>
                             <a:latin typeface="Cambria Math" panose="02040503050406030204" pitchFamily="18" charset="0"/>
                           </a:rPr>
@@ -11454,9 +11694,9 @@
                       </m:e>
                       <m:sub>
                         <m:r>
-                          <a:rPr lang="en-US" sz="2200" i="1">
+                          <a:rPr lang="en-US" sz="2200" b="0" i="1">
                             <a:solidFill>
-                              <a:srgbClr val="00B050"/>
+                              <a:srgbClr val="7030A0"/>
                             </a:solidFill>
                             <a:latin typeface="Cambria Math" panose="02040503050406030204" pitchFamily="18" charset="0"/>
                           </a:rPr>
@@ -11469,37 +11709,37 @@
                 <a:r>
                   <a:rPr lang="en-US" sz="2200" dirty="0">
                     <a:solidFill>
-                      <a:srgbClr val="00B050"/>
+                      <a:srgbClr val="7030A0"/>
                     </a:solidFill>
                   </a:rPr>
-                  <a:t> gas is heated from </a:t>
+                  <a:t>(g) is heated from </a:t>
                 </a:r>
                 <a14:m>
                   <m:oMath xmlns:m="http://schemas.openxmlformats.org/officeDocument/2006/math">
                     <m:r>
-                      <a:rPr lang="en-US" sz="2200" b="0" i="1" smtClean="0">
+                      <a:rPr lang="en-US" sz="2200" i="1">
                         <a:solidFill>
-                          <a:srgbClr val="00B050"/>
+                          <a:srgbClr val="7030A0"/>
                         </a:solidFill>
                         <a:latin typeface="Cambria Math" panose="02040503050406030204" pitchFamily="18" charset="0"/>
                       </a:rPr>
                       <m:t>𝑇</m:t>
                     </m:r>
                     <m:r>
-                      <a:rPr lang="en-US" sz="2200" b="0" i="1" smtClean="0">
+                      <a:rPr lang="en-US" sz="2200" i="1">
                         <a:solidFill>
-                          <a:srgbClr val="00B050"/>
+                          <a:srgbClr val="7030A0"/>
                         </a:solidFill>
                         <a:latin typeface="Cambria Math" panose="02040503050406030204" pitchFamily="18" charset="0"/>
                       </a:rPr>
-                      <m:t>=200</m:t>
+                      <m:t>=300</m:t>
                     </m:r>
                   </m:oMath>
                 </a14:m>
                 <a:r>
                   <a:rPr lang="en-US" sz="2200" dirty="0">
                     <a:solidFill>
-                      <a:srgbClr val="00B050"/>
+                      <a:srgbClr val="7030A0"/>
                     </a:solidFill>
                   </a:rPr>
                   <a:t> to </a:t>
@@ -11507,18 +11747,18 @@
                 <a14:m>
                   <m:oMath xmlns:m="http://schemas.openxmlformats.org/officeDocument/2006/math">
                     <m:r>
-                      <a:rPr lang="en-US" sz="2200" i="1" dirty="0" smtClean="0">
+                      <a:rPr lang="en-US" sz="2200" i="1" dirty="0">
                         <a:solidFill>
-                          <a:srgbClr val="00B050"/>
+                          <a:srgbClr val="7030A0"/>
                         </a:solidFill>
                         <a:latin typeface="Cambria Math" panose="02040503050406030204" pitchFamily="18" charset="0"/>
                       </a:rPr>
-                      <m:t>3</m:t>
+                      <m:t>4</m:t>
                     </m:r>
                     <m:r>
                       <a:rPr lang="en-US" sz="2200" i="1">
                         <a:solidFill>
-                          <a:srgbClr val="00B050"/>
+                          <a:srgbClr val="7030A0"/>
                         </a:solidFill>
                         <a:latin typeface="Cambria Math" panose="02040503050406030204" pitchFamily="18" charset="0"/>
                       </a:rPr>
@@ -11527,7 +11767,7 @@
                     <m:r>
                       <a:rPr lang="en-US" sz="2200" i="1">
                         <a:solidFill>
-                          <a:srgbClr val="00B050"/>
+                          <a:srgbClr val="7030A0"/>
                         </a:solidFill>
                         <a:latin typeface="Cambria Math" panose="02040503050406030204" pitchFamily="18" charset="0"/>
                       </a:rPr>
@@ -11538,7 +11778,7 @@
                 <a:r>
                   <a:rPr lang="en-US" sz="2200" dirty="0">
                     <a:solidFill>
-                      <a:srgbClr val="00B050"/>
+                      <a:srgbClr val="7030A0"/>
                     </a:solidFill>
                   </a:rPr>
                   <a:t>, at a fixed volume of </a:t>
@@ -11548,79 +11788,187 @@
                     <m:r>
                       <a:rPr lang="en-US" sz="2200" i="1">
                         <a:solidFill>
-                          <a:srgbClr val="00B050"/>
+                          <a:srgbClr val="7030A0"/>
                         </a:solidFill>
                         <a:latin typeface="Cambria Math" panose="02040503050406030204" pitchFamily="18" charset="0"/>
                       </a:rPr>
-                      <m:t>0.00</m:t>
-                    </m:r>
-                    <m:r>
-                      <a:rPr lang="en-US" sz="2200" b="0" i="1" smtClean="0">
-                        <a:solidFill>
-                          <a:srgbClr val="00B050"/>
-                        </a:solidFill>
-                        <a:latin typeface="Cambria Math" panose="02040503050406030204" pitchFamily="18" charset="0"/>
-                      </a:rPr>
-                      <m:t>2</m:t>
+                      <m:t>2 </m:t>
                     </m:r>
                     <m:r>
                       <a:rPr lang="en-US" sz="2200" i="1">
                         <a:solidFill>
-                          <a:srgbClr val="00B050"/>
+                          <a:srgbClr val="7030A0"/>
+                        </a:solidFill>
+                        <a:latin typeface="Cambria Math" panose="02040503050406030204" pitchFamily="18" charset="0"/>
+                      </a:rPr>
+                      <m:t>𝐿𝑖𝑡𝑒𝑟𝑠</m:t>
+                    </m:r>
+                  </m:oMath>
+                </a14:m>
+                <a:r>
+                  <a:rPr lang="en-US" sz="2200" dirty="0">
+                    <a:solidFill>
+                      <a:srgbClr val="7030A0"/>
+                    </a:solidFill>
+                  </a:rPr>
+                  <a:t>. To do this, you can take the difference in </a:t>
+                </a:r>
+                <a14:m>
+                  <m:oMath xmlns:m="http://schemas.openxmlformats.org/officeDocument/2006/math">
+                    <m:r>
+                      <a:rPr lang="en-US" sz="2200" i="1">
+                        <a:solidFill>
+                          <a:srgbClr val="7030A0"/>
+                        </a:solidFill>
+                        <a:latin typeface="Cambria Math" panose="02040503050406030204" pitchFamily="18" charset="0"/>
+                      </a:rPr>
+                      <m:t>𝑈</m:t>
+                    </m:r>
+                  </m:oMath>
+                </a14:m>
+                <a:r>
+                  <a:rPr lang="en-US" sz="2200" dirty="0">
+                    <a:solidFill>
+                      <a:srgbClr val="7030A0"/>
+                    </a:solidFill>
+                  </a:rPr>
+                  <a:t> evaluated at these two temperatures.</a:t>
+                </a:r>
+              </a:p>
+              <a:p>
+                <a:pPr marL="457200" indent="-457200">
+                  <a:buFont typeface="+mj-lt"/>
+                  <a:buAutoNum type="arabicPeriod"/>
+                </a:pPr>
+                <a:endParaRPr lang="en-US" sz="2200" dirty="0">
+                  <a:solidFill>
+                    <a:srgbClr val="7030A0"/>
+                  </a:solidFill>
+                </a:endParaRPr>
+              </a:p>
+              <a:p>
+                <a:pPr marL="457200" indent="-457200">
+                  <a:buFont typeface="+mj-lt"/>
+                  <a:buAutoNum type="arabicPeriod"/>
+                </a:pPr>
+                <a:r>
+                  <a:rPr lang="en-US" sz="2200" dirty="0">
+                    <a:solidFill>
+                      <a:srgbClr val="7030A0"/>
+                    </a:solidFill>
+                  </a:rPr>
+                  <a:t>Repeat #1, but instead of a vdw gas, assume a Berthelot gas (</a:t>
+                </a:r>
+                <a14:m>
+                  <m:oMath xmlns:m="http://schemas.openxmlformats.org/officeDocument/2006/math">
+                    <m:sSub>
+                      <m:sSubPr>
+                        <m:ctrlPr>
+                          <a:rPr lang="en-US" sz="2200" i="1">
+                            <a:solidFill>
+                              <a:srgbClr val="7030A0"/>
+                            </a:solidFill>
+                            <a:latin typeface="Cambria Math" panose="02040503050406030204" pitchFamily="18" charset="0"/>
+                          </a:rPr>
+                        </m:ctrlPr>
+                      </m:sSubPr>
+                      <m:e>
+                        <m:r>
+                          <a:rPr lang="en-US" sz="2200" i="1">
+                            <a:solidFill>
+                              <a:srgbClr val="7030A0"/>
+                            </a:solidFill>
+                            <a:latin typeface="Cambria Math" panose="02040503050406030204" pitchFamily="18" charset="0"/>
+                          </a:rPr>
+                          <m:t>𝑓</m:t>
+                        </m:r>
+                      </m:e>
+                      <m:sub>
+                        <m:r>
+                          <m:rPr>
+                            <m:lit/>
+                            <m:nor/>
+                          </m:rPr>
+                          <a:rPr lang="en-US" sz="2200">
+                            <a:solidFill>
+                              <a:srgbClr val="7030A0"/>
+                            </a:solidFill>
+                          </a:rPr>
+                          <m:t>intermol</m:t>
+                        </m:r>
+                      </m:sub>
+                    </m:sSub>
+                    <m:r>
+                      <a:rPr lang="en-US" sz="2200" i="1">
+                        <a:solidFill>
+                          <a:srgbClr val="7030A0"/>
+                        </a:solidFill>
+                        <a:latin typeface="Cambria Math" panose="02040503050406030204" pitchFamily="18" charset="0"/>
+                      </a:rPr>
+                      <m:t>=−</m:t>
+                    </m:r>
+                    <m:f>
+                      <m:fPr>
+                        <m:ctrlPr>
+                          <a:rPr lang="en-US" sz="2200" i="1">
+                            <a:solidFill>
+                              <a:srgbClr val="7030A0"/>
+                            </a:solidFill>
+                            <a:latin typeface="Cambria Math" panose="02040503050406030204" pitchFamily="18" charset="0"/>
+                          </a:rPr>
+                        </m:ctrlPr>
+                      </m:fPr>
+                      <m:num>
+                        <m:r>
+                          <a:rPr lang="en-US" sz="2200" i="1">
+                            <a:solidFill>
+                              <a:srgbClr val="7030A0"/>
+                            </a:solidFill>
+                            <a:latin typeface="Cambria Math" panose="02040503050406030204" pitchFamily="18" charset="0"/>
+                          </a:rPr>
+                          <m:t>2</m:t>
+                        </m:r>
+                        <m:r>
+                          <a:rPr lang="en-US" sz="2200" i="1">
+                            <a:solidFill>
+                              <a:srgbClr val="7030A0"/>
+                            </a:solidFill>
+                            <a:latin typeface="Cambria Math" panose="02040503050406030204" pitchFamily="18" charset="0"/>
+                          </a:rPr>
+                          <m:t>𝑎𝑛</m:t>
+                        </m:r>
+                      </m:num>
+                      <m:den>
+                        <m:r>
+                          <a:rPr lang="en-US" sz="2200" i="1">
+                            <a:solidFill>
+                              <a:srgbClr val="7030A0"/>
+                            </a:solidFill>
+                            <a:latin typeface="Cambria Math" panose="02040503050406030204" pitchFamily="18" charset="0"/>
+                          </a:rPr>
+                          <m:t>𝑉𝑇</m:t>
+                        </m:r>
+                      </m:den>
+                    </m:f>
+                    <m:r>
+                      <a:rPr lang="en-US" sz="2200" i="1">
+                        <a:solidFill>
+                          <a:srgbClr val="7030A0"/>
                         </a:solidFill>
                         <a:latin typeface="Cambria Math" panose="02040503050406030204" pitchFamily="18" charset="0"/>
                       </a:rPr>
                       <m:t> </m:t>
                     </m:r>
-                    <m:sSup>
-                      <m:sSupPr>
-                        <m:ctrlPr>
-                          <a:rPr lang="en-US" sz="2200" i="1" smtClean="0">
-                            <a:solidFill>
-                              <a:srgbClr val="00B050"/>
-                            </a:solidFill>
-                            <a:latin typeface="Cambria Math" panose="02040503050406030204" pitchFamily="18" charset="0"/>
-                          </a:rPr>
-                        </m:ctrlPr>
-                      </m:sSupPr>
-                      <m:e>
-                        <m:r>
-                          <a:rPr lang="en-US" sz="2200" i="1">
-                            <a:solidFill>
-                              <a:srgbClr val="00B050"/>
-                            </a:solidFill>
-                            <a:latin typeface="Cambria Math" panose="02040503050406030204" pitchFamily="18" charset="0"/>
-                          </a:rPr>
-                          <m:t>𝑚</m:t>
-                        </m:r>
-                      </m:e>
-                      <m:sup>
-                        <m:r>
-                          <a:rPr lang="en-US" sz="2200" i="1">
-                            <a:solidFill>
-                              <a:srgbClr val="00B050"/>
-                            </a:solidFill>
-                            <a:latin typeface="Cambria Math" panose="02040503050406030204" pitchFamily="18" charset="0"/>
-                          </a:rPr>
-                          <m:t>3</m:t>
-                        </m:r>
-                      </m:sup>
-                    </m:sSup>
                   </m:oMath>
                 </a14:m>
                 <a:r>
                   <a:rPr lang="en-US" sz="2200" dirty="0">
                     <a:solidFill>
-                      <a:srgbClr val="00B050"/>
+                      <a:srgbClr val="7030A0"/>
                     </a:solidFill>
                   </a:rPr>
-                  <a:t>. Assume the classical limit throughout the process.</a:t>
+                  <a:t>).</a:t>
                 </a:r>
-                <a:endParaRPr lang="en-US" sz="2200" dirty="0">
-                  <a:solidFill>
-                    <a:schemeClr val="tx1"/>
-                  </a:solidFill>
-                </a:endParaRPr>
               </a:p>
             </p:txBody>
           </p:sp>
@@ -11642,16 +11990,16 @@
             </p:nvSpPr>
             <p:spPr>
               <a:xfrm>
-                <a:off x="234950" y="508366"/>
-                <a:ext cx="11722100" cy="4702891"/>
+                <a:off x="127375" y="580495"/>
+                <a:ext cx="11957050" cy="5612370"/>
               </a:xfrm>
               <a:prstGeom prst="rect">
                 <a:avLst/>
               </a:prstGeom>
               <a:blipFill>
-                <a:blip r:embed="rId2"/>
+                <a:blip r:embed="rId3"/>
                 <a:stretch>
-                  <a:fillRect l="-649" r="-974" b="-1613"/>
+                  <a:fillRect l="-743" r="-849" b="-226"/>
                 </a:stretch>
               </a:blipFill>
             </p:spPr>

--- a/Thermo 2022 (Neshyba)/Lectures/Week 4 - Internal energy, U/Week 4.4 - Synthesis.pptx
+++ b/Thermo 2022 (Neshyba)/Lectures/Week 4 - Internal energy, U/Week 4.4 - Synthesis.pptx
@@ -16,13 +16,11 @@
     <p:sldId id="338" r:id="rId10"/>
     <p:sldId id="362" r:id="rId11"/>
     <p:sldId id="358" r:id="rId12"/>
-    <p:sldId id="361" r:id="rId13"/>
-    <p:sldId id="359" r:id="rId14"/>
-    <p:sldId id="364" r:id="rId15"/>
-    <p:sldId id="279" r:id="rId16"/>
-    <p:sldId id="345" r:id="rId17"/>
-    <p:sldId id="346" r:id="rId18"/>
-    <p:sldId id="366" r:id="rId19"/>
+    <p:sldId id="359" r:id="rId13"/>
+    <p:sldId id="279" r:id="rId14"/>
+    <p:sldId id="345" r:id="rId15"/>
+    <p:sldId id="367" r:id="rId16"/>
+    <p:sldId id="366" r:id="rId17"/>
   </p:sldIdLst>
   <p:sldSz cx="12192000" cy="6858000"/>
   <p:notesSz cx="6858000" cy="9144000"/>
@@ -276,7 +274,7 @@
           <a:p>
             <a:fld id="{3FF8E43C-D11C-C140-AE94-8DE784BCADA2}" type="datetimeFigureOut">
               <a:rPr lang="en-US" smtClean="0"/>
-              <a:t>9/18/22</a:t>
+              <a:t>9/20/22</a:t>
             </a:fld>
             <a:endParaRPr lang="en-US"/>
           </a:p>
@@ -474,7 +472,7 @@
           <a:p>
             <a:fld id="{3FF8E43C-D11C-C140-AE94-8DE784BCADA2}" type="datetimeFigureOut">
               <a:rPr lang="en-US" smtClean="0"/>
-              <a:t>9/18/22</a:t>
+              <a:t>9/20/22</a:t>
             </a:fld>
             <a:endParaRPr lang="en-US"/>
           </a:p>
@@ -682,7 +680,7 @@
           <a:p>
             <a:fld id="{3FF8E43C-D11C-C140-AE94-8DE784BCADA2}" type="datetimeFigureOut">
               <a:rPr lang="en-US" smtClean="0"/>
-              <a:t>9/18/22</a:t>
+              <a:t>9/20/22</a:t>
             </a:fld>
             <a:endParaRPr lang="en-US"/>
           </a:p>
@@ -880,7 +878,7 @@
           <a:p>
             <a:fld id="{3FF8E43C-D11C-C140-AE94-8DE784BCADA2}" type="datetimeFigureOut">
               <a:rPr lang="en-US" smtClean="0"/>
-              <a:t>9/18/22</a:t>
+              <a:t>9/20/22</a:t>
             </a:fld>
             <a:endParaRPr lang="en-US"/>
           </a:p>
@@ -1155,7 +1153,7 @@
           <a:p>
             <a:fld id="{3FF8E43C-D11C-C140-AE94-8DE784BCADA2}" type="datetimeFigureOut">
               <a:rPr lang="en-US" smtClean="0"/>
-              <a:t>9/18/22</a:t>
+              <a:t>9/20/22</a:t>
             </a:fld>
             <a:endParaRPr lang="en-US"/>
           </a:p>
@@ -1420,7 +1418,7 @@
           <a:p>
             <a:fld id="{3FF8E43C-D11C-C140-AE94-8DE784BCADA2}" type="datetimeFigureOut">
               <a:rPr lang="en-US" smtClean="0"/>
-              <a:t>9/18/22</a:t>
+              <a:t>9/20/22</a:t>
             </a:fld>
             <a:endParaRPr lang="en-US"/>
           </a:p>
@@ -1832,7 +1830,7 @@
           <a:p>
             <a:fld id="{3FF8E43C-D11C-C140-AE94-8DE784BCADA2}" type="datetimeFigureOut">
               <a:rPr lang="en-US" smtClean="0"/>
-              <a:t>9/18/22</a:t>
+              <a:t>9/20/22</a:t>
             </a:fld>
             <a:endParaRPr lang="en-US"/>
           </a:p>
@@ -1973,7 +1971,7 @@
           <a:p>
             <a:fld id="{3FF8E43C-D11C-C140-AE94-8DE784BCADA2}" type="datetimeFigureOut">
               <a:rPr lang="en-US" smtClean="0"/>
-              <a:t>9/18/22</a:t>
+              <a:t>9/20/22</a:t>
             </a:fld>
             <a:endParaRPr lang="en-US"/>
           </a:p>
@@ -2086,7 +2084,7 @@
           <a:p>
             <a:fld id="{3FF8E43C-D11C-C140-AE94-8DE784BCADA2}" type="datetimeFigureOut">
               <a:rPr lang="en-US" smtClean="0"/>
-              <a:t>9/18/22</a:t>
+              <a:t>9/20/22</a:t>
             </a:fld>
             <a:endParaRPr lang="en-US"/>
           </a:p>
@@ -2397,7 +2395,7 @@
           <a:p>
             <a:fld id="{3FF8E43C-D11C-C140-AE94-8DE784BCADA2}" type="datetimeFigureOut">
               <a:rPr lang="en-US" smtClean="0"/>
-              <a:t>9/18/22</a:t>
+              <a:t>9/20/22</a:t>
             </a:fld>
             <a:endParaRPr lang="en-US"/>
           </a:p>
@@ -2685,7 +2683,7 @@
           <a:p>
             <a:fld id="{3FF8E43C-D11C-C140-AE94-8DE784BCADA2}" type="datetimeFigureOut">
               <a:rPr lang="en-US" smtClean="0"/>
-              <a:t>9/18/22</a:t>
+              <a:t>9/20/22</a:t>
             </a:fld>
             <a:endParaRPr lang="en-US"/>
           </a:p>
@@ -2926,7 +2924,7 @@
           <a:p>
             <a:fld id="{3FF8E43C-D11C-C140-AE94-8DE784BCADA2}" type="datetimeFigureOut">
               <a:rPr lang="en-US" smtClean="0"/>
-              <a:t>9/18/22</a:t>
+              <a:t>9/20/22</a:t>
             </a:fld>
             <a:endParaRPr lang="en-US"/>
           </a:p>
@@ -5346,1175 +5344,6 @@
       </p:grpSpPr>
       <p:grpSp>
         <p:nvGrpSpPr>
-          <p:cNvPr id="6" name="Group 5">
-            <a:extLst>
-              <a:ext uri="{FF2B5EF4-FFF2-40B4-BE49-F238E27FC236}">
-                <a16:creationId xmlns:a16="http://schemas.microsoft.com/office/drawing/2014/main" id="{6CDDB577-A22F-0841-B2BE-36A3B9CC72F5}"/>
-              </a:ext>
-            </a:extLst>
-          </p:cNvPr>
-          <p:cNvGrpSpPr/>
-          <p:nvPr/>
-        </p:nvGrpSpPr>
-        <p:grpSpPr>
-          <a:xfrm>
-            <a:off x="2908238" y="237422"/>
-            <a:ext cx="5180874" cy="3647345"/>
-            <a:chOff x="2908238" y="237422"/>
-            <a:chExt cx="5180874" cy="3647345"/>
-          </a:xfrm>
-        </p:grpSpPr>
-        <p:grpSp>
-          <p:nvGrpSpPr>
-            <p:cNvPr id="29" name="Group 28">
-              <a:extLst>
-                <a:ext uri="{FF2B5EF4-FFF2-40B4-BE49-F238E27FC236}">
-                  <a16:creationId xmlns:a16="http://schemas.microsoft.com/office/drawing/2014/main" id="{A7AC8439-AA45-C94E-A6B2-3B742F46C28E}"/>
-                </a:ext>
-              </a:extLst>
-            </p:cNvPr>
-            <p:cNvGrpSpPr/>
-            <p:nvPr/>
-          </p:nvGrpSpPr>
-          <p:grpSpPr>
-            <a:xfrm>
-              <a:off x="2908238" y="237422"/>
-              <a:ext cx="5180874" cy="3647345"/>
-              <a:chOff x="-302351" y="1041646"/>
-              <a:chExt cx="7095699" cy="4598606"/>
-            </a:xfrm>
-          </p:grpSpPr>
-          <p:pic>
-            <p:nvPicPr>
-              <p:cNvPr id="30" name="Picture 29">
-                <a:extLst>
-                  <a:ext uri="{FF2B5EF4-FFF2-40B4-BE49-F238E27FC236}">
-                    <a16:creationId xmlns:a16="http://schemas.microsoft.com/office/drawing/2014/main" id="{A6E070DC-2ED9-3140-BFA0-DDE2FFAFA47D}"/>
-                  </a:ext>
-                </a:extLst>
-              </p:cNvPr>
-              <p:cNvPicPr>
-                <a:picLocks noChangeAspect="1"/>
-              </p:cNvPicPr>
-              <p:nvPr/>
-            </p:nvPicPr>
-            <p:blipFill>
-              <a:blip r:embed="rId2"/>
-              <a:stretch>
-                <a:fillRect/>
-              </a:stretch>
-            </p:blipFill>
-            <p:spPr>
-              <a:xfrm>
-                <a:off x="-302351" y="1041646"/>
-                <a:ext cx="7095699" cy="4598606"/>
-              </a:xfrm>
-              <a:prstGeom prst="rect">
-                <a:avLst/>
-              </a:prstGeom>
-            </p:spPr>
-          </p:pic>
-          <mc:AlternateContent xmlns:mc="http://schemas.openxmlformats.org/markup-compatibility/2006" xmlns:a14="http://schemas.microsoft.com/office/drawing/2010/main">
-            <mc:Choice Requires="a14">
-              <p:sp>
-                <p:nvSpPr>
-                  <p:cNvPr id="31" name="Rectangle 30">
-                    <a:extLst>
-                      <a:ext uri="{FF2B5EF4-FFF2-40B4-BE49-F238E27FC236}">
-                        <a16:creationId xmlns:a16="http://schemas.microsoft.com/office/drawing/2014/main" id="{72903F81-848A-2B46-991A-A3BB42E86264}"/>
-                      </a:ext>
-                    </a:extLst>
-                  </p:cNvPr>
-                  <p:cNvSpPr/>
-                  <p:nvPr/>
-                </p:nvSpPr>
-                <p:spPr>
-                  <a:xfrm>
-                    <a:off x="4453236" y="1711487"/>
-                    <a:ext cx="604717" cy="461665"/>
-                  </a:xfrm>
-                  <a:prstGeom prst="rect">
-                    <a:avLst/>
-                  </a:prstGeom>
-                </p:spPr>
-                <p:txBody>
-                  <a:bodyPr wrap="none">
-                    <a:spAutoFit/>
-                  </a:bodyPr>
-                  <a:lstStyle/>
-                  <a:p>
-                    <a:pPr/>
-                    <a14:m>
-                      <m:oMathPara xmlns:m="http://schemas.openxmlformats.org/officeDocument/2006/math">
-                        <m:oMathParaPr>
-                          <m:jc m:val="centerGroup"/>
-                        </m:oMathParaPr>
-                        <m:oMath xmlns:m="http://schemas.openxmlformats.org/officeDocument/2006/math">
-                          <m:sSub>
-                            <m:sSubPr>
-                              <m:ctrlPr>
-                                <a:rPr lang="en-US" sz="2400" i="1">
-                                  <a:solidFill>
-                                    <a:srgbClr val="7030A0"/>
-                                  </a:solidFill>
-                                  <a:latin typeface="Cambria Math" panose="02040503050406030204" pitchFamily="18" charset="0"/>
-                                </a:rPr>
-                              </m:ctrlPr>
-                            </m:sSubPr>
-                            <m:e>
-                              <m:r>
-                                <a:rPr lang="en-US" sz="2400" i="1">
-                                  <a:solidFill>
-                                    <a:srgbClr val="7030A0"/>
-                                  </a:solidFill>
-                                  <a:latin typeface="Cambria Math" panose="02040503050406030204" pitchFamily="18" charset="0"/>
-                                  <a:ea typeface="Cambria Math" panose="02040503050406030204" pitchFamily="18" charset="0"/>
-                                </a:rPr>
-                                <m:t>𝜋</m:t>
-                              </m:r>
-                            </m:e>
-                            <m:sub>
-                              <m:r>
-                                <a:rPr lang="en-US" sz="2400" i="1">
-                                  <a:solidFill>
-                                    <a:srgbClr val="7030A0"/>
-                                  </a:solidFill>
-                                  <a:latin typeface="Cambria Math" panose="02040503050406030204" pitchFamily="18" charset="0"/>
-                                </a:rPr>
-                                <m:t>𝑇</m:t>
-                              </m:r>
-                            </m:sub>
-                          </m:sSub>
-                        </m:oMath>
-                      </m:oMathPara>
-                    </a14:m>
-                    <a:endParaRPr lang="en-US" sz="2400" dirty="0"/>
-                  </a:p>
-                </p:txBody>
-              </p:sp>
-            </mc:Choice>
-            <mc:Fallback xmlns="">
-              <p:sp>
-                <p:nvSpPr>
-                  <p:cNvPr id="31" name="Rectangle 30">
-                    <a:extLst>
-                      <a:ext uri="{FF2B5EF4-FFF2-40B4-BE49-F238E27FC236}">
-                        <a16:creationId xmlns:a16="http://schemas.microsoft.com/office/drawing/2014/main" id="{72903F81-848A-2B46-991A-A3BB42E86264}"/>
-                      </a:ext>
-                    </a:extLst>
-                  </p:cNvPr>
-                  <p:cNvSpPr>
-                    <a:spLocks noRot="1" noChangeAspect="1" noMove="1" noResize="1" noEditPoints="1" noAdjustHandles="1" noChangeArrowheads="1" noChangeShapeType="1" noTextEdit="1"/>
-                  </p:cNvSpPr>
-                  <p:nvPr/>
-                </p:nvSpPr>
-                <p:spPr>
-                  <a:xfrm>
-                    <a:off x="4453236" y="1711487"/>
-                    <a:ext cx="604717" cy="461665"/>
-                  </a:xfrm>
-                  <a:prstGeom prst="rect">
-                    <a:avLst/>
-                  </a:prstGeom>
-                  <a:blipFill>
-                    <a:blip r:embed="rId3"/>
-                    <a:stretch>
-                      <a:fillRect r="-8333" b="-26667"/>
-                    </a:stretch>
-                  </a:blipFill>
-                </p:spPr>
-                <p:txBody>
-                  <a:bodyPr/>
-                  <a:lstStyle/>
-                  <a:p>
-                    <a:r>
-                      <a:rPr lang="en-US">
-                        <a:noFill/>
-                      </a:rPr>
-                      <a:t> </a:t>
-                    </a:r>
-                  </a:p>
-                </p:txBody>
-              </p:sp>
-            </mc:Fallback>
-          </mc:AlternateContent>
-          <mc:AlternateContent xmlns:mc="http://schemas.openxmlformats.org/markup-compatibility/2006" xmlns:a14="http://schemas.microsoft.com/office/drawing/2010/main">
-            <mc:Choice Requires="a14">
-              <p:sp>
-                <p:nvSpPr>
-                  <p:cNvPr id="32" name="Rectangle 31">
-                    <a:extLst>
-                      <a:ext uri="{FF2B5EF4-FFF2-40B4-BE49-F238E27FC236}">
-                        <a16:creationId xmlns:a16="http://schemas.microsoft.com/office/drawing/2014/main" id="{F2F097B5-B56D-7844-A711-9B707C613E62}"/>
-                      </a:ext>
-                    </a:extLst>
-                  </p:cNvPr>
-                  <p:cNvSpPr/>
-                  <p:nvPr/>
-                </p:nvSpPr>
-                <p:spPr>
-                  <a:xfrm>
-                    <a:off x="1824690" y="2267992"/>
-                    <a:ext cx="585353" cy="461665"/>
-                  </a:xfrm>
-                  <a:prstGeom prst="rect">
-                    <a:avLst/>
-                  </a:prstGeom>
-                </p:spPr>
-                <p:txBody>
-                  <a:bodyPr wrap="none">
-                    <a:spAutoFit/>
-                  </a:bodyPr>
-                  <a:lstStyle/>
-                  <a:p>
-                    <a:pPr/>
-                    <a14:m>
-                      <m:oMathPara xmlns:m="http://schemas.openxmlformats.org/officeDocument/2006/math">
-                        <m:oMathParaPr>
-                          <m:jc m:val="centerGroup"/>
-                        </m:oMathParaPr>
-                        <m:oMath xmlns:m="http://schemas.openxmlformats.org/officeDocument/2006/math">
-                          <m:sSub>
-                            <m:sSubPr>
-                              <m:ctrlPr>
-                                <a:rPr lang="en-US" sz="2400" i="1">
-                                  <a:solidFill>
-                                    <a:srgbClr val="7030A0"/>
-                                  </a:solidFill>
-                                  <a:latin typeface="Cambria Math" panose="02040503050406030204" pitchFamily="18" charset="0"/>
-                                </a:rPr>
-                              </m:ctrlPr>
-                            </m:sSubPr>
-                            <m:e>
-                              <m:r>
-                                <a:rPr lang="en-US" sz="2400" i="1">
-                                  <a:solidFill>
-                                    <a:srgbClr val="7030A0"/>
-                                  </a:solidFill>
-                                  <a:latin typeface="Cambria Math" panose="02040503050406030204" pitchFamily="18" charset="0"/>
-                                </a:rPr>
-                                <m:t>𝐶</m:t>
-                              </m:r>
-                            </m:e>
-                            <m:sub>
-                              <m:r>
-                                <a:rPr lang="en-US" sz="2400" i="1">
-                                  <a:solidFill>
-                                    <a:srgbClr val="7030A0"/>
-                                  </a:solidFill>
-                                  <a:latin typeface="Cambria Math" panose="02040503050406030204" pitchFamily="18" charset="0"/>
-                                </a:rPr>
-                                <m:t>𝑉</m:t>
-                              </m:r>
-                            </m:sub>
-                          </m:sSub>
-                        </m:oMath>
-                      </m:oMathPara>
-                    </a14:m>
-                    <a:endParaRPr lang="en-US" sz="2400" dirty="0"/>
-                  </a:p>
-                </p:txBody>
-              </p:sp>
-            </mc:Choice>
-            <mc:Fallback xmlns="">
-              <p:sp>
-                <p:nvSpPr>
-                  <p:cNvPr id="32" name="Rectangle 31">
-                    <a:extLst>
-                      <a:ext uri="{FF2B5EF4-FFF2-40B4-BE49-F238E27FC236}">
-                        <a16:creationId xmlns:a16="http://schemas.microsoft.com/office/drawing/2014/main" id="{F2F097B5-B56D-7844-A711-9B707C613E62}"/>
-                      </a:ext>
-                    </a:extLst>
-                  </p:cNvPr>
-                  <p:cNvSpPr>
-                    <a:spLocks noRot="1" noChangeAspect="1" noMove="1" noResize="1" noEditPoints="1" noAdjustHandles="1" noChangeArrowheads="1" noChangeShapeType="1" noTextEdit="1"/>
-                  </p:cNvSpPr>
-                  <p:nvPr/>
-                </p:nvSpPr>
-                <p:spPr>
-                  <a:xfrm>
-                    <a:off x="1824690" y="2267992"/>
-                    <a:ext cx="585353" cy="461665"/>
-                  </a:xfrm>
-                  <a:prstGeom prst="rect">
-                    <a:avLst/>
-                  </a:prstGeom>
-                  <a:blipFill>
-                    <a:blip r:embed="rId4"/>
-                    <a:stretch>
-                      <a:fillRect l="-2941" r="-11765" b="-26667"/>
-                    </a:stretch>
-                  </a:blipFill>
-                </p:spPr>
-                <p:txBody>
-                  <a:bodyPr/>
-                  <a:lstStyle/>
-                  <a:p>
-                    <a:r>
-                      <a:rPr lang="en-US">
-                        <a:noFill/>
-                      </a:rPr>
-                      <a:t> </a:t>
-                    </a:r>
-                  </a:p>
-                </p:txBody>
-              </p:sp>
-            </mc:Fallback>
-          </mc:AlternateContent>
-        </p:grpSp>
-        <p:cxnSp>
-          <p:nvCxnSpPr>
-            <p:cNvPr id="33" name="Straight Connector 32">
-              <a:extLst>
-                <a:ext uri="{FF2B5EF4-FFF2-40B4-BE49-F238E27FC236}">
-                  <a16:creationId xmlns:a16="http://schemas.microsoft.com/office/drawing/2014/main" id="{0EACA5CF-55A1-B94B-A659-08B658FA4966}"/>
-                </a:ext>
-              </a:extLst>
-            </p:cNvPr>
-            <p:cNvCxnSpPr>
-              <a:cxnSpLocks/>
-            </p:cNvCxnSpPr>
-            <p:nvPr/>
-          </p:nvCxnSpPr>
-          <p:spPr>
-            <a:xfrm>
-              <a:off x="3969756" y="2704968"/>
-              <a:ext cx="1695563" cy="664190"/>
-            </a:xfrm>
-            <a:prstGeom prst="line">
-              <a:avLst/>
-            </a:prstGeom>
-            <a:ln w="63500">
-              <a:solidFill>
-                <a:srgbClr val="FFC000"/>
-              </a:solidFill>
-              <a:tailEnd type="triangle"/>
-            </a:ln>
-          </p:spPr>
-          <p:style>
-            <a:lnRef idx="1">
-              <a:schemeClr val="accent1"/>
-            </a:lnRef>
-            <a:fillRef idx="0">
-              <a:schemeClr val="accent1"/>
-            </a:fillRef>
-            <a:effectRef idx="0">
-              <a:schemeClr val="accent1"/>
-            </a:effectRef>
-            <a:fontRef idx="minor">
-              <a:schemeClr val="tx1"/>
-            </a:fontRef>
-          </p:style>
-        </p:cxnSp>
-      </p:grpSp>
-      <p:sp>
-        <p:nvSpPr>
-          <p:cNvPr id="10" name="TextBox 9">
-            <a:extLst>
-              <a:ext uri="{FF2B5EF4-FFF2-40B4-BE49-F238E27FC236}">
-                <a16:creationId xmlns:a16="http://schemas.microsoft.com/office/drawing/2014/main" id="{2C4D51AB-942B-FC45-BC1E-A73EAE9C61BD}"/>
-              </a:ext>
-            </a:extLst>
-          </p:cNvPr>
-          <p:cNvSpPr txBox="1"/>
-          <p:nvPr/>
-        </p:nvSpPr>
-        <p:spPr>
-          <a:xfrm>
-            <a:off x="0" y="46701"/>
-            <a:ext cx="11527184" cy="461665"/>
-          </a:xfrm>
-          <a:prstGeom prst="rect">
-            <a:avLst/>
-          </a:prstGeom>
-          <a:noFill/>
-        </p:spPr>
-        <p:txBody>
-          <a:bodyPr wrap="square" rtlCol="0">
-            <a:spAutoFit/>
-          </a:bodyPr>
-          <a:lstStyle/>
-          <a:p>
-            <a:r>
-              <a:rPr lang="en-US" sz="2400" b="1" dirty="0"/>
-              <a:t>Interpreting the behavior of U in the volume direction</a:t>
-            </a:r>
-          </a:p>
-        </p:txBody>
-      </p:sp>
-      <p:sp>
-        <p:nvSpPr>
-          <p:cNvPr id="16" name="TextBox 15">
-            <a:extLst>
-              <a:ext uri="{FF2B5EF4-FFF2-40B4-BE49-F238E27FC236}">
-                <a16:creationId xmlns:a16="http://schemas.microsoft.com/office/drawing/2014/main" id="{7413D6B4-0383-DE45-8945-89D9D224B4B5}"/>
-              </a:ext>
-            </a:extLst>
-          </p:cNvPr>
-          <p:cNvSpPr txBox="1"/>
-          <p:nvPr/>
-        </p:nvSpPr>
-        <p:spPr>
-          <a:xfrm>
-            <a:off x="8176829" y="1393171"/>
-            <a:ext cx="3325792" cy="830997"/>
-          </a:xfrm>
-          <a:prstGeom prst="rect">
-            <a:avLst/>
-          </a:prstGeom>
-          <a:noFill/>
-        </p:spPr>
-        <p:txBody>
-          <a:bodyPr wrap="square" rtlCol="0">
-            <a:spAutoFit/>
-          </a:bodyPr>
-          <a:lstStyle/>
-          <a:p>
-            <a:r>
-              <a:rPr lang="en-US" sz="2400" dirty="0"/>
-              <a:t>Why does U </a:t>
-            </a:r>
-            <a:r>
-              <a:rPr lang="en-US" sz="2400" i="1" dirty="0"/>
-              <a:t>dip down </a:t>
-            </a:r>
-            <a:r>
-              <a:rPr lang="en-US" sz="2400" dirty="0"/>
-              <a:t>at small volumes?</a:t>
-            </a:r>
-          </a:p>
-        </p:txBody>
-      </p:sp>
-      <p:cxnSp>
-        <p:nvCxnSpPr>
-          <p:cNvPr id="22" name="Straight Arrow Connector 21">
-            <a:extLst>
-              <a:ext uri="{FF2B5EF4-FFF2-40B4-BE49-F238E27FC236}">
-                <a16:creationId xmlns:a16="http://schemas.microsoft.com/office/drawing/2014/main" id="{D0DA4D14-C55A-B840-9FB7-EF4365C974FE}"/>
-              </a:ext>
-            </a:extLst>
-          </p:cNvPr>
-          <p:cNvCxnSpPr>
-            <a:cxnSpLocks/>
-          </p:cNvCxnSpPr>
-          <p:nvPr/>
-        </p:nvCxnSpPr>
-        <p:spPr>
-          <a:xfrm flipH="1">
-            <a:off x="7396045" y="1755473"/>
-            <a:ext cx="693067" cy="0"/>
-          </a:xfrm>
-          <a:prstGeom prst="straightConnector1">
-            <a:avLst/>
-          </a:prstGeom>
-          <a:ln w="63500">
-            <a:solidFill>
-              <a:schemeClr val="tx1"/>
-            </a:solidFill>
-            <a:tailEnd type="triangle"/>
-          </a:ln>
-        </p:spPr>
-        <p:style>
-          <a:lnRef idx="1">
-            <a:schemeClr val="accent1"/>
-          </a:lnRef>
-          <a:fillRef idx="0">
-            <a:schemeClr val="accent1"/>
-          </a:fillRef>
-          <a:effectRef idx="0">
-            <a:schemeClr val="accent1"/>
-          </a:effectRef>
-          <a:fontRef idx="minor">
-            <a:schemeClr val="tx1"/>
-          </a:fontRef>
-        </p:style>
-      </p:cxnSp>
-      <p:grpSp>
-        <p:nvGrpSpPr>
-          <p:cNvPr id="7" name="Group 6">
-            <a:extLst>
-              <a:ext uri="{FF2B5EF4-FFF2-40B4-BE49-F238E27FC236}">
-                <a16:creationId xmlns:a16="http://schemas.microsoft.com/office/drawing/2014/main" id="{9466A3D7-C8DD-CA4C-8B0B-20FFC4D7B235}"/>
-              </a:ext>
-            </a:extLst>
-          </p:cNvPr>
-          <p:cNvGrpSpPr/>
-          <p:nvPr/>
-        </p:nvGrpSpPr>
-        <p:grpSpPr>
-          <a:xfrm>
-            <a:off x="6520970" y="3640751"/>
-            <a:ext cx="5676132" cy="2934825"/>
-            <a:chOff x="6520970" y="3640751"/>
-            <a:chExt cx="5676132" cy="2934825"/>
-          </a:xfrm>
-        </p:grpSpPr>
-        <p:cxnSp>
-          <p:nvCxnSpPr>
-            <p:cNvPr id="26" name="Straight Connector 25">
-              <a:extLst>
-                <a:ext uri="{FF2B5EF4-FFF2-40B4-BE49-F238E27FC236}">
-                  <a16:creationId xmlns:a16="http://schemas.microsoft.com/office/drawing/2014/main" id="{D8C8D479-9981-994D-86CD-10931D3582C1}"/>
-                </a:ext>
-              </a:extLst>
-            </p:cNvPr>
-            <p:cNvCxnSpPr>
-              <a:cxnSpLocks/>
-            </p:cNvCxnSpPr>
-            <p:nvPr/>
-          </p:nvCxnSpPr>
-          <p:spPr>
-            <a:xfrm>
-              <a:off x="6894796" y="3640751"/>
-              <a:ext cx="1695563" cy="664190"/>
-            </a:xfrm>
-            <a:prstGeom prst="line">
-              <a:avLst/>
-            </a:prstGeom>
-            <a:ln w="63500">
-              <a:solidFill>
-                <a:srgbClr val="FFC000"/>
-              </a:solidFill>
-              <a:tailEnd type="triangle"/>
-            </a:ln>
-          </p:spPr>
-          <p:style>
-            <a:lnRef idx="1">
-              <a:schemeClr val="accent1"/>
-            </a:lnRef>
-            <a:fillRef idx="0">
-              <a:schemeClr val="accent1"/>
-            </a:fillRef>
-            <a:effectRef idx="0">
-              <a:schemeClr val="accent1"/>
-            </a:effectRef>
-            <a:fontRef idx="minor">
-              <a:schemeClr val="tx1"/>
-            </a:fontRef>
-          </p:style>
-        </p:cxnSp>
-        <mc:AlternateContent xmlns:mc="http://schemas.openxmlformats.org/markup-compatibility/2006" xmlns:a14="http://schemas.microsoft.com/office/drawing/2010/main">
-          <mc:Choice Requires="a14">
-            <p:sp>
-              <p:nvSpPr>
-                <p:cNvPr id="28" name="TextBox 27">
-                  <a:extLst>
-                    <a:ext uri="{FF2B5EF4-FFF2-40B4-BE49-F238E27FC236}">
-                      <a16:creationId xmlns:a16="http://schemas.microsoft.com/office/drawing/2014/main" id="{69826313-E39E-994A-A4B5-2246873973FB}"/>
-                    </a:ext>
-                  </a:extLst>
-                </p:cNvPr>
-                <p:cNvSpPr txBox="1"/>
-                <p:nvPr/>
-              </p:nvSpPr>
-              <p:spPr>
-                <a:xfrm>
-                  <a:off x="6520970" y="4267252"/>
-                  <a:ext cx="5676132" cy="2308324"/>
-                </a:xfrm>
-                <a:prstGeom prst="rect">
-                  <a:avLst/>
-                </a:prstGeom>
-                <a:noFill/>
-              </p:spPr>
-              <p:txBody>
-                <a:bodyPr wrap="square" rtlCol="0">
-                  <a:spAutoFit/>
-                </a:bodyPr>
-                <a:lstStyle/>
-                <a:p>
-                  <a:r>
-                    <a:rPr lang="en-US" sz="2400" dirty="0"/>
-                    <a:t>Intermolecular distances (d) are getting </a:t>
-                  </a:r>
-                  <a:r>
-                    <a:rPr lang="en-US" sz="2400" b="1" dirty="0"/>
-                    <a:t>smaller. </a:t>
-                  </a:r>
-                  <a:r>
-                    <a:rPr lang="en-US" sz="2400" dirty="0"/>
-                    <a:t>So</a:t>
-                  </a:r>
-                  <a:r>
-                    <a:rPr lang="en-US" sz="2400" b="1" dirty="0"/>
-                    <a:t> </a:t>
-                  </a:r>
-                  <a:r>
-                    <a:rPr lang="en-US" sz="2400" dirty="0"/>
-                    <a:t>lots of interactions are in the </a:t>
-                  </a:r>
-                  <a:r>
-                    <a:rPr lang="en-US" sz="2400" b="1" dirty="0"/>
-                    <a:t>region of negative intermolecular potential energy</a:t>
-                  </a:r>
-                  <a:r>
-                    <a:rPr lang="en-US" sz="2400" dirty="0"/>
-                    <a:t>. That means </a:t>
-                  </a:r>
-                  <a14:m>
-                    <m:oMath xmlns:m="http://schemas.openxmlformats.org/officeDocument/2006/math">
-                      <m:sSub>
-                        <m:sSubPr>
-                          <m:ctrlPr>
-                            <a:rPr lang="en-US" sz="2400" i="1">
-                              <a:latin typeface="Cambria Math" panose="02040503050406030204" pitchFamily="18" charset="0"/>
-                            </a:rPr>
-                          </m:ctrlPr>
-                        </m:sSubPr>
-                        <m:e>
-                          <m:r>
-                            <a:rPr lang="en-US" sz="2400" i="1">
-                              <a:latin typeface="Cambria Math" panose="02040503050406030204" pitchFamily="18" charset="0"/>
-                            </a:rPr>
-                            <m:t>𝑓</m:t>
-                          </m:r>
-                        </m:e>
-                        <m:sub>
-                          <m:r>
-                            <a:rPr lang="en-US" sz="2400" i="1">
-                              <a:latin typeface="Cambria Math" panose="02040503050406030204" pitchFamily="18" charset="0"/>
-                            </a:rPr>
-                            <m:t>𝑖𝑛𝑡𝑒𝑟𝑚𝑜𝑙</m:t>
-                          </m:r>
-                        </m:sub>
-                      </m:sSub>
-                      <m:d>
-                        <m:dPr>
-                          <m:ctrlPr>
-                            <a:rPr lang="en-US" sz="2400" i="1">
-                              <a:latin typeface="Cambria Math" panose="02040503050406030204" pitchFamily="18" charset="0"/>
-                            </a:rPr>
-                          </m:ctrlPr>
-                        </m:dPr>
-                        <m:e>
-                          <m:r>
-                            <a:rPr lang="en-US" sz="2400" i="1">
-                              <a:latin typeface="Cambria Math" panose="02040503050406030204" pitchFamily="18" charset="0"/>
-                            </a:rPr>
-                            <m:t>𝑇</m:t>
-                          </m:r>
-                          <m:r>
-                            <a:rPr lang="en-US" sz="2400" i="1">
-                              <a:latin typeface="Cambria Math" panose="02040503050406030204" pitchFamily="18" charset="0"/>
-                            </a:rPr>
-                            <m:t>,</m:t>
-                          </m:r>
-                          <m:r>
-                            <a:rPr lang="en-US" sz="2400" i="1">
-                              <a:latin typeface="Cambria Math" panose="02040503050406030204" pitchFamily="18" charset="0"/>
-                            </a:rPr>
-                            <m:t>𝑉</m:t>
-                          </m:r>
-                        </m:e>
-                      </m:d>
-                    </m:oMath>
-                  </a14:m>
-                  <a:r>
-                    <a:rPr lang="en-US" sz="2400" dirty="0"/>
-                    <a:t> (the average of these interactions) must also be zero.</a:t>
-                  </a:r>
-                </a:p>
-              </p:txBody>
-            </p:sp>
-          </mc:Choice>
-          <mc:Fallback xmlns="">
-            <p:sp>
-              <p:nvSpPr>
-                <p:cNvPr id="28" name="TextBox 27">
-                  <a:extLst>
-                    <a:ext uri="{FF2B5EF4-FFF2-40B4-BE49-F238E27FC236}">
-                      <a16:creationId xmlns:a16="http://schemas.microsoft.com/office/drawing/2014/main" id="{69826313-E39E-994A-A4B5-2246873973FB}"/>
-                    </a:ext>
-                  </a:extLst>
-                </p:cNvPr>
-                <p:cNvSpPr txBox="1">
-                  <a:spLocks noRot="1" noChangeAspect="1" noMove="1" noResize="1" noEditPoints="1" noAdjustHandles="1" noChangeArrowheads="1" noChangeShapeType="1" noTextEdit="1"/>
-                </p:cNvSpPr>
-                <p:nvPr/>
-              </p:nvSpPr>
-              <p:spPr>
-                <a:xfrm>
-                  <a:off x="6520970" y="4267252"/>
-                  <a:ext cx="5676132" cy="2308324"/>
-                </a:xfrm>
-                <a:prstGeom prst="rect">
-                  <a:avLst/>
-                </a:prstGeom>
-                <a:blipFill>
-                  <a:blip r:embed="rId5"/>
-                  <a:stretch>
-                    <a:fillRect l="-1786" t="-2198" r="-1786" b="-4945"/>
-                  </a:stretch>
-                </a:blipFill>
-              </p:spPr>
-              <p:txBody>
-                <a:bodyPr/>
-                <a:lstStyle/>
-                <a:p>
-                  <a:r>
-                    <a:rPr lang="en-US">
-                      <a:noFill/>
-                    </a:rPr>
-                    <a:t> </a:t>
-                  </a:r>
-                </a:p>
-              </p:txBody>
-            </p:sp>
-          </mc:Fallback>
-        </mc:AlternateContent>
-      </p:grpSp>
-      <p:grpSp>
-        <p:nvGrpSpPr>
-          <p:cNvPr id="14" name="Group 13">
-            <a:extLst>
-              <a:ext uri="{FF2B5EF4-FFF2-40B4-BE49-F238E27FC236}">
-                <a16:creationId xmlns:a16="http://schemas.microsoft.com/office/drawing/2014/main" id="{277E7CD5-F3DD-FF46-BF7E-280914ED1E50}"/>
-              </a:ext>
-            </a:extLst>
-          </p:cNvPr>
-          <p:cNvGrpSpPr/>
-          <p:nvPr/>
-        </p:nvGrpSpPr>
-        <p:grpSpPr>
-          <a:xfrm>
-            <a:off x="222957" y="2765900"/>
-            <a:ext cx="6567168" cy="3966205"/>
-            <a:chOff x="254858" y="2525410"/>
-            <a:chExt cx="6567168" cy="3966205"/>
-          </a:xfrm>
-        </p:grpSpPr>
-        <p:grpSp>
-          <p:nvGrpSpPr>
-            <p:cNvPr id="15" name="Group 14">
-              <a:extLst>
-                <a:ext uri="{FF2B5EF4-FFF2-40B4-BE49-F238E27FC236}">
-                  <a16:creationId xmlns:a16="http://schemas.microsoft.com/office/drawing/2014/main" id="{D8A93D98-AA3C-824B-85C1-996B4BC86082}"/>
-                </a:ext>
-              </a:extLst>
-            </p:cNvPr>
-            <p:cNvGrpSpPr/>
-            <p:nvPr/>
-          </p:nvGrpSpPr>
-          <p:grpSpPr>
-            <a:xfrm>
-              <a:off x="254858" y="2525410"/>
-              <a:ext cx="6567168" cy="3966205"/>
-              <a:chOff x="879891" y="811602"/>
-              <a:chExt cx="6567168" cy="3966205"/>
-            </a:xfrm>
-          </p:grpSpPr>
-          <p:cxnSp>
-            <p:nvCxnSpPr>
-              <p:cNvPr id="18" name="Straight Arrow Connector 17">
-                <a:extLst>
-                  <a:ext uri="{FF2B5EF4-FFF2-40B4-BE49-F238E27FC236}">
-                    <a16:creationId xmlns:a16="http://schemas.microsoft.com/office/drawing/2014/main" id="{DA086CD7-2A4C-E949-BF9F-AA3EDFBC3020}"/>
-                  </a:ext>
-                </a:extLst>
-              </p:cNvPr>
-              <p:cNvCxnSpPr>
-                <a:cxnSpLocks/>
-              </p:cNvCxnSpPr>
-              <p:nvPr/>
-            </p:nvCxnSpPr>
-            <p:spPr>
-              <a:xfrm flipH="1">
-                <a:off x="4132146" y="2737315"/>
-                <a:ext cx="989088" cy="756178"/>
-              </a:xfrm>
-              <a:prstGeom prst="straightConnector1">
-                <a:avLst/>
-              </a:prstGeom>
-              <a:ln w="63500">
-                <a:tailEnd type="triangle"/>
-              </a:ln>
-            </p:spPr>
-            <p:style>
-              <a:lnRef idx="1">
-                <a:schemeClr val="accent1"/>
-              </a:lnRef>
-              <a:fillRef idx="0">
-                <a:schemeClr val="accent1"/>
-              </a:fillRef>
-              <a:effectRef idx="0">
-                <a:schemeClr val="accent1"/>
-              </a:effectRef>
-              <a:fontRef idx="minor">
-                <a:schemeClr val="tx1"/>
-              </a:fontRef>
-            </p:style>
-          </p:cxnSp>
-          <p:sp>
-            <p:nvSpPr>
-              <p:cNvPr id="19" name="TextBox 18">
-                <a:extLst>
-                  <a:ext uri="{FF2B5EF4-FFF2-40B4-BE49-F238E27FC236}">
-                    <a16:creationId xmlns:a16="http://schemas.microsoft.com/office/drawing/2014/main" id="{0D40B587-416E-8443-BC95-320D5F28463B}"/>
-                  </a:ext>
-                </a:extLst>
-              </p:cNvPr>
-              <p:cNvSpPr txBox="1"/>
-              <p:nvPr/>
-            </p:nvSpPr>
-            <p:spPr>
-              <a:xfrm>
-                <a:off x="1354688" y="1321002"/>
-                <a:ext cx="2646939" cy="461665"/>
-              </a:xfrm>
-              <a:prstGeom prst="rect">
-                <a:avLst/>
-              </a:prstGeom>
-              <a:noFill/>
-            </p:spPr>
-            <p:txBody>
-              <a:bodyPr wrap="square" rtlCol="0">
-                <a:spAutoFit/>
-              </a:bodyPr>
-              <a:lstStyle/>
-              <a:p>
-                <a:r>
-                  <a:rPr lang="en-US" sz="2400" dirty="0"/>
-                  <a:t>Potential Energy</a:t>
-                </a:r>
-              </a:p>
-            </p:txBody>
-          </p:sp>
-          <p:sp>
-            <p:nvSpPr>
-              <p:cNvPr id="20" name="TextBox 19">
-                <a:extLst>
-                  <a:ext uri="{FF2B5EF4-FFF2-40B4-BE49-F238E27FC236}">
-                    <a16:creationId xmlns:a16="http://schemas.microsoft.com/office/drawing/2014/main" id="{B11CB237-A90C-CD45-85DE-12145CE6D51B}"/>
-                  </a:ext>
-                </a:extLst>
-              </p:cNvPr>
-              <p:cNvSpPr txBox="1"/>
-              <p:nvPr/>
-            </p:nvSpPr>
-            <p:spPr>
-              <a:xfrm>
-                <a:off x="5114148" y="2275650"/>
-                <a:ext cx="744201" cy="461665"/>
-              </a:xfrm>
-              <a:prstGeom prst="rect">
-                <a:avLst/>
-              </a:prstGeom>
-              <a:noFill/>
-            </p:spPr>
-            <p:txBody>
-              <a:bodyPr wrap="square" rtlCol="0">
-                <a:spAutoFit/>
-              </a:bodyPr>
-              <a:lstStyle/>
-              <a:p>
-                <a:r>
-                  <a:rPr lang="en-US" sz="2400" dirty="0"/>
-                  <a:t>Real</a:t>
-                </a:r>
-              </a:p>
-            </p:txBody>
-          </p:sp>
-          <p:grpSp>
-            <p:nvGrpSpPr>
-              <p:cNvPr id="21" name="Group 20">
-                <a:extLst>
-                  <a:ext uri="{FF2B5EF4-FFF2-40B4-BE49-F238E27FC236}">
-                    <a16:creationId xmlns:a16="http://schemas.microsoft.com/office/drawing/2014/main" id="{BD2440D6-BA1D-BE48-8596-583E33BA5C31}"/>
-                  </a:ext>
-                </a:extLst>
-              </p:cNvPr>
-              <p:cNvGrpSpPr/>
-              <p:nvPr/>
-            </p:nvGrpSpPr>
-            <p:grpSpPr>
-              <a:xfrm>
-                <a:off x="879891" y="811602"/>
-                <a:ext cx="6567168" cy="3966205"/>
-                <a:chOff x="879891" y="811602"/>
-                <a:chExt cx="6567168" cy="3966205"/>
-              </a:xfrm>
-            </p:grpSpPr>
-            <p:sp>
-              <p:nvSpPr>
-                <p:cNvPr id="23" name="TextBox 22">
-                  <a:extLst>
-                    <a:ext uri="{FF2B5EF4-FFF2-40B4-BE49-F238E27FC236}">
-                      <a16:creationId xmlns:a16="http://schemas.microsoft.com/office/drawing/2014/main" id="{B2759564-A9D9-264E-BC30-0F1FB2DB5B4A}"/>
-                    </a:ext>
-                  </a:extLst>
-                </p:cNvPr>
-                <p:cNvSpPr txBox="1"/>
-                <p:nvPr/>
-              </p:nvSpPr>
-              <p:spPr>
-                <a:xfrm>
-                  <a:off x="5428242" y="3911190"/>
-                  <a:ext cx="1143171" cy="362727"/>
-                </a:xfrm>
-                <a:prstGeom prst="rect">
-                  <a:avLst/>
-                </a:prstGeom>
-                <a:noFill/>
-              </p:spPr>
-              <p:txBody>
-                <a:bodyPr wrap="square" rtlCol="0">
-                  <a:spAutoFit/>
-                </a:bodyPr>
-                <a:lstStyle/>
-                <a:p>
-                  <a:r>
-                    <a:rPr lang="en-US" sz="2400" dirty="0"/>
-                    <a:t>d</a:t>
-                  </a:r>
-                </a:p>
-              </p:txBody>
-            </p:sp>
-            <p:grpSp>
-              <p:nvGrpSpPr>
-                <p:cNvPr id="24" name="Group 23">
-                  <a:extLst>
-                    <a:ext uri="{FF2B5EF4-FFF2-40B4-BE49-F238E27FC236}">
-                      <a16:creationId xmlns:a16="http://schemas.microsoft.com/office/drawing/2014/main" id="{6E1C2565-4EE9-1E43-8D1A-32147FC25082}"/>
-                    </a:ext>
-                  </a:extLst>
-                </p:cNvPr>
-                <p:cNvGrpSpPr/>
-                <p:nvPr/>
-              </p:nvGrpSpPr>
-              <p:grpSpPr>
-                <a:xfrm>
-                  <a:off x="879891" y="811602"/>
-                  <a:ext cx="6567168" cy="3966205"/>
-                  <a:chOff x="879891" y="811602"/>
-                  <a:chExt cx="6567168" cy="3966205"/>
-                </a:xfrm>
-              </p:grpSpPr>
-              <p:grpSp>
-                <p:nvGrpSpPr>
-                  <p:cNvPr id="25" name="Group 24">
-                    <a:extLst>
-                      <a:ext uri="{FF2B5EF4-FFF2-40B4-BE49-F238E27FC236}">
-                        <a16:creationId xmlns:a16="http://schemas.microsoft.com/office/drawing/2014/main" id="{296C636E-3615-6E42-BE01-237F85B7B227}"/>
-                      </a:ext>
-                    </a:extLst>
-                  </p:cNvPr>
-                  <p:cNvGrpSpPr/>
-                  <p:nvPr/>
-                </p:nvGrpSpPr>
-                <p:grpSpPr>
-                  <a:xfrm>
-                    <a:off x="1770927" y="3994133"/>
-                    <a:ext cx="5676132" cy="783674"/>
-                    <a:chOff x="6961854" y="5879512"/>
-                    <a:chExt cx="5676132" cy="783674"/>
-                  </a:xfrm>
-                </p:grpSpPr>
-                <p:sp>
-                  <p:nvSpPr>
-                    <p:cNvPr id="34" name="Right Brace 33">
-                      <a:extLst>
-                        <a:ext uri="{FF2B5EF4-FFF2-40B4-BE49-F238E27FC236}">
-                          <a16:creationId xmlns:a16="http://schemas.microsoft.com/office/drawing/2014/main" id="{CC73562A-7042-8D42-A8AD-F493F1A459F1}"/>
-                        </a:ext>
-                      </a:extLst>
-                    </p:cNvPr>
-                    <p:cNvSpPr/>
-                    <p:nvPr/>
-                  </p:nvSpPr>
-                  <p:spPr>
-                    <a:xfrm rot="16200000" flipH="1">
-                      <a:off x="8877304" y="5297973"/>
-                      <a:ext cx="266538" cy="1429615"/>
-                    </a:xfrm>
-                    <a:prstGeom prst="rightBrace">
-                      <a:avLst/>
-                    </a:prstGeom>
-                    <a:ln w="38100"/>
-                  </p:spPr>
-                  <p:style>
-                    <a:lnRef idx="1">
-                      <a:schemeClr val="accent1"/>
-                    </a:lnRef>
-                    <a:fillRef idx="0">
-                      <a:schemeClr val="accent1"/>
-                    </a:fillRef>
-                    <a:effectRef idx="0">
-                      <a:schemeClr val="accent1"/>
-                    </a:effectRef>
-                    <a:fontRef idx="minor">
-                      <a:schemeClr val="tx1"/>
-                    </a:fontRef>
-                  </p:style>
-                  <p:txBody>
-                    <a:bodyPr rtlCol="0" anchor="ctr"/>
-                    <a:lstStyle/>
-                    <a:p>
-                      <a:pPr algn="ctr"/>
-                      <a:endParaRPr lang="en-US"/>
-                    </a:p>
-                  </p:txBody>
-                </p:sp>
-                <p:sp>
-                  <p:nvSpPr>
-                    <p:cNvPr id="35" name="Rectangle 34">
-                      <a:extLst>
-                        <a:ext uri="{FF2B5EF4-FFF2-40B4-BE49-F238E27FC236}">
-                          <a16:creationId xmlns:a16="http://schemas.microsoft.com/office/drawing/2014/main" id="{A2C67660-D4E5-BC4D-93B3-F181D118A0C1}"/>
-                        </a:ext>
-                      </a:extLst>
-                    </p:cNvPr>
-                    <p:cNvSpPr/>
-                    <p:nvPr/>
-                  </p:nvSpPr>
-                  <p:spPr>
-                    <a:xfrm>
-                      <a:off x="6961854" y="6293854"/>
-                      <a:ext cx="5676132" cy="369332"/>
-                    </a:xfrm>
-                    <a:prstGeom prst="rect">
-                      <a:avLst/>
-                    </a:prstGeom>
-                  </p:spPr>
-                  <p:txBody>
-                    <a:bodyPr wrap="square">
-                      <a:spAutoFit/>
-                    </a:bodyPr>
-                    <a:lstStyle/>
-                    <a:p>
-                      <a:r>
-                        <a:rPr lang="en-US" dirty="0"/>
-                        <a:t>Region of negative intermolecular potential energy</a:t>
-                      </a:r>
-                    </a:p>
-                  </p:txBody>
-                </p:sp>
-              </p:grpSp>
-              <p:pic>
-                <p:nvPicPr>
-                  <p:cNvPr id="27" name="Picture 2" descr="https://upload.wikimedia.org/wikipedia/commons/thumb/5/51/12-6-Lennard-Jones-Potential.svg/512px-12-6-Lennard-Jones-Potential.svg.png">
-                    <a:extLst>
-                      <a:ext uri="{FF2B5EF4-FFF2-40B4-BE49-F238E27FC236}">
-                        <a16:creationId xmlns:a16="http://schemas.microsoft.com/office/drawing/2014/main" id="{CE42554F-F65B-6342-A3D7-519A4B03F9F6}"/>
-                      </a:ext>
-                    </a:extLst>
-                  </p:cNvPr>
-                  <p:cNvPicPr>
-                    <a:picLocks noChangeAspect="1" noChangeArrowheads="1"/>
-                  </p:cNvPicPr>
-                  <p:nvPr/>
-                </p:nvPicPr>
-                <p:blipFill rotWithShape="1">
-                  <a:blip r:embed="rId6">
-                    <a:extLst>
-                      <a:ext uri="{28A0092B-C50C-407E-A947-70E740481C1C}">
-                        <a14:useLocalDpi xmlns:a14="http://schemas.microsoft.com/office/drawing/2010/main" val="0"/>
-                      </a:ext>
-                    </a:extLst>
-                  </a:blip>
-                  <a:srcRect b="7495"/>
-                  <a:stretch/>
-                </p:blipFill>
-                <p:spPr bwMode="auto">
-                  <a:xfrm>
-                    <a:off x="879891" y="811602"/>
-                    <a:ext cx="5023764" cy="3198520"/>
-                  </a:xfrm>
-                  <a:prstGeom prst="rect">
-                    <a:avLst/>
-                  </a:prstGeom>
-                  <a:noFill/>
-                  <a:extLst>
-                    <a:ext uri="{909E8E84-426E-40DD-AFC4-6F175D3DCCD1}">
-                      <a14:hiddenFill xmlns:a14="http://schemas.microsoft.com/office/drawing/2010/main">
-                        <a:solidFill>
-                          <a:srgbClr val="FFFFFF"/>
-                        </a:solidFill>
-                      </a14:hiddenFill>
-                    </a:ext>
-                  </a:extLst>
-                </p:spPr>
-              </p:pic>
-            </p:grpSp>
-          </p:grpSp>
-        </p:grpSp>
-        <p:cxnSp>
-          <p:nvCxnSpPr>
-            <p:cNvPr id="17" name="Straight Connector 16">
-              <a:extLst>
-                <a:ext uri="{FF2B5EF4-FFF2-40B4-BE49-F238E27FC236}">
-                  <a16:creationId xmlns:a16="http://schemas.microsoft.com/office/drawing/2014/main" id="{2B03C0BA-FD30-CF4E-BD19-3F3002C1553B}"/>
-                </a:ext>
-              </a:extLst>
-            </p:cNvPr>
-            <p:cNvCxnSpPr>
-              <a:cxnSpLocks/>
-            </p:cNvCxnSpPr>
-            <p:nvPr/>
-          </p:nvCxnSpPr>
-          <p:spPr>
-            <a:xfrm flipV="1">
-              <a:off x="629136" y="5702360"/>
-              <a:ext cx="4604180" cy="1"/>
-            </a:xfrm>
-            <a:prstGeom prst="line">
-              <a:avLst/>
-            </a:prstGeom>
-            <a:ln w="63500">
-              <a:solidFill>
-                <a:srgbClr val="FFC000"/>
-              </a:solidFill>
-              <a:headEnd type="triangle"/>
-              <a:tailEnd type="none"/>
-            </a:ln>
-          </p:spPr>
-          <p:style>
-            <a:lnRef idx="1">
-              <a:schemeClr val="accent1"/>
-            </a:lnRef>
-            <a:fillRef idx="0">
-              <a:schemeClr val="accent1"/>
-            </a:fillRef>
-            <a:effectRef idx="0">
-              <a:schemeClr val="accent1"/>
-            </a:effectRef>
-            <a:fontRef idx="minor">
-              <a:schemeClr val="tx1"/>
-            </a:fontRef>
-          </p:style>
-        </p:cxnSp>
-      </p:grpSp>
-    </p:spTree>
-    <p:extLst>
-      <p:ext uri="{BB962C8B-B14F-4D97-AF65-F5344CB8AC3E}">
-        <p14:creationId xmlns:p14="http://schemas.microsoft.com/office/powerpoint/2010/main" val="2189993132"/>
-      </p:ext>
-    </p:extLst>
-  </p:cSld>
-  <p:clrMapOvr>
-    <a:masterClrMapping/>
-  </p:clrMapOvr>
-</p:sld>
-</file>
-
-<file path=ppt/slides/slide13.xml><?xml version="1.0" encoding="utf-8"?>
-<p:sld xmlns:a="http://schemas.openxmlformats.org/drawingml/2006/main" xmlns:r="http://schemas.openxmlformats.org/officeDocument/2006/relationships" xmlns:p="http://schemas.openxmlformats.org/presentationml/2006/main">
-  <p:cSld>
-    <p:spTree>
-      <p:nvGrpSpPr>
-        <p:cNvPr id="1" name=""/>
-        <p:cNvGrpSpPr/>
-        <p:nvPr/>
-      </p:nvGrpSpPr>
-      <p:grpSpPr>
-        <a:xfrm>
-          <a:off x="0" y="0"/>
-          <a:ext cx="0" cy="0"/>
-          <a:chOff x="0" y="0"/>
-          <a:chExt cx="0" cy="0"/>
-        </a:xfrm>
-      </p:grpSpPr>
-      <p:grpSp>
-        <p:nvGrpSpPr>
           <p:cNvPr id="66" name="Group 65">
             <a:extLst>
               <a:ext uri="{FF2B5EF4-FFF2-40B4-BE49-F238E27FC236}">
@@ -8362,103 +7191,7 @@
 </p:sld>
 </file>
 
-<file path=ppt/slides/slide14.xml><?xml version="1.0" encoding="utf-8"?>
-<p:sld xmlns:a="http://schemas.openxmlformats.org/drawingml/2006/main" xmlns:r="http://schemas.openxmlformats.org/officeDocument/2006/relationships" xmlns:p="http://schemas.openxmlformats.org/presentationml/2006/main">
-  <p:cSld>
-    <p:spTree>
-      <p:nvGrpSpPr>
-        <p:cNvPr id="1" name=""/>
-        <p:cNvGrpSpPr/>
-        <p:nvPr/>
-      </p:nvGrpSpPr>
-      <p:grpSpPr>
-        <a:xfrm>
-          <a:off x="0" y="0"/>
-          <a:ext cx="0" cy="0"/>
-          <a:chOff x="0" y="0"/>
-          <a:chExt cx="0" cy="0"/>
-        </a:xfrm>
-      </p:grpSpPr>
-      <p:pic>
-        <p:nvPicPr>
-          <p:cNvPr id="4" name="Picture 3">
-            <a:extLst>
-              <a:ext uri="{FF2B5EF4-FFF2-40B4-BE49-F238E27FC236}">
-                <a16:creationId xmlns:a16="http://schemas.microsoft.com/office/drawing/2014/main" id="{FC0C6B55-1BA2-2848-B4CF-722335DB2B6A}"/>
-              </a:ext>
-            </a:extLst>
-          </p:cNvPr>
-          <p:cNvPicPr>
-            <a:picLocks noChangeAspect="1"/>
-          </p:cNvPicPr>
-          <p:nvPr/>
-        </p:nvPicPr>
-        <p:blipFill>
-          <a:blip r:embed="rId2"/>
-          <a:stretch>
-            <a:fillRect/>
-          </a:stretch>
-        </p:blipFill>
-        <p:spPr>
-          <a:xfrm>
-            <a:off x="972273" y="1346683"/>
-            <a:ext cx="10011699" cy="3177964"/>
-          </a:xfrm>
-          <a:prstGeom prst="rect">
-            <a:avLst/>
-          </a:prstGeom>
-        </p:spPr>
-      </p:pic>
-      <p:sp>
-        <p:nvSpPr>
-          <p:cNvPr id="3" name="TextBox 2">
-            <a:extLst>
-              <a:ext uri="{FF2B5EF4-FFF2-40B4-BE49-F238E27FC236}">
-                <a16:creationId xmlns:a16="http://schemas.microsoft.com/office/drawing/2014/main" id="{359C710D-50C9-244A-B44B-CCA177FCD4C0}"/>
-              </a:ext>
-            </a:extLst>
-          </p:cNvPr>
-          <p:cNvSpPr txBox="1"/>
-          <p:nvPr/>
-        </p:nvSpPr>
-        <p:spPr>
-          <a:xfrm>
-            <a:off x="133148" y="92044"/>
-            <a:ext cx="11395237" cy="461665"/>
-          </a:xfrm>
-          <a:prstGeom prst="rect">
-            <a:avLst/>
-          </a:prstGeom>
-          <a:noFill/>
-        </p:spPr>
-        <p:txBody>
-          <a:bodyPr wrap="square" rtlCol="0">
-            <a:spAutoFit/>
-          </a:bodyPr>
-          <a:lstStyle/>
-          <a:p>
-            <a:r>
-              <a:rPr lang="en-US" sz="2400" b="1" dirty="0"/>
-              <a:t>Key take-homes</a:t>
-            </a:r>
-            <a:endParaRPr lang="en-US" sz="2400" dirty="0"/>
-          </a:p>
-        </p:txBody>
-      </p:sp>
-    </p:spTree>
-    <p:extLst>
-      <p:ext uri="{BB962C8B-B14F-4D97-AF65-F5344CB8AC3E}">
-        <p14:creationId xmlns:p14="http://schemas.microsoft.com/office/powerpoint/2010/main" val="3093378270"/>
-      </p:ext>
-    </p:extLst>
-  </p:cSld>
-  <p:clrMapOvr>
-    <a:masterClrMapping/>
-  </p:clrMapOvr>
-</p:sld>
-</file>
-
-<file path=ppt/slides/slide15.xml><?xml version="1.0" encoding="utf-8"?>
+<file path=ppt/slides/slide13.xml><?xml version="1.0" encoding="utf-8"?>
 <p:sld xmlns:a="http://schemas.openxmlformats.org/drawingml/2006/main" xmlns:r="http://schemas.openxmlformats.org/officeDocument/2006/relationships" xmlns:p="http://schemas.openxmlformats.org/presentationml/2006/main">
   <p:cSld>
     <p:spTree>
@@ -9497,41 +8230,171 @@
           </p:sp>
         </mc:Fallback>
       </mc:AlternateContent>
-      <p:sp>
-        <p:nvSpPr>
-          <p:cNvPr id="24" name="TextBox 23">
-            <a:extLst>
-              <a:ext uri="{FF2B5EF4-FFF2-40B4-BE49-F238E27FC236}">
-                <a16:creationId xmlns:a16="http://schemas.microsoft.com/office/drawing/2014/main" id="{9A4040F3-E14E-8A4D-8DE1-6883DEAF7A91}"/>
-              </a:ext>
-            </a:extLst>
-          </p:cNvPr>
-          <p:cNvSpPr txBox="1"/>
-          <p:nvPr/>
-        </p:nvSpPr>
-        <p:spPr>
-          <a:xfrm>
-            <a:off x="0" y="12700"/>
-            <a:ext cx="5814890" cy="461665"/>
-          </a:xfrm>
-          <a:prstGeom prst="rect">
-            <a:avLst/>
-          </a:prstGeom>
-          <a:noFill/>
-        </p:spPr>
-        <p:txBody>
-          <a:bodyPr wrap="square" rtlCol="0">
-            <a:spAutoFit/>
-          </a:bodyPr>
-          <a:lstStyle/>
-          <a:p>
-            <a:r>
-              <a:rPr lang="en-US" sz="2400" b="1" dirty="0"/>
-              <a:t>Differential calculus gets us this direction</a:t>
-            </a:r>
-          </a:p>
-        </p:txBody>
-      </p:sp>
+      <mc:AlternateContent xmlns:mc="http://schemas.openxmlformats.org/markup-compatibility/2006" xmlns:a14="http://schemas.microsoft.com/office/drawing/2010/main">
+        <mc:Choice Requires="a14">
+          <p:sp>
+            <p:nvSpPr>
+              <p:cNvPr id="24" name="TextBox 23">
+                <a:extLst>
+                  <a:ext uri="{FF2B5EF4-FFF2-40B4-BE49-F238E27FC236}">
+                    <a16:creationId xmlns:a16="http://schemas.microsoft.com/office/drawing/2014/main" id="{9A4040F3-E14E-8A4D-8DE1-6883DEAF7A91}"/>
+                  </a:ext>
+                </a:extLst>
+              </p:cNvPr>
+              <p:cNvSpPr txBox="1"/>
+              <p:nvPr/>
+            </p:nvSpPr>
+            <p:spPr>
+              <a:xfrm>
+                <a:off x="0" y="12700"/>
+                <a:ext cx="5814890" cy="461665"/>
+              </a:xfrm>
+              <a:prstGeom prst="rect">
+                <a:avLst/>
+              </a:prstGeom>
+              <a:noFill/>
+            </p:spPr>
+            <p:txBody>
+              <a:bodyPr wrap="square" rtlCol="0">
+                <a:spAutoFit/>
+              </a:bodyPr>
+              <a:lstStyle/>
+              <a:p>
+                <a:r>
+                  <a:rPr lang="en-US" sz="2400" b="1" dirty="0"/>
+                  <a:t>Differential calculus gets us </a:t>
+                </a:r>
+                <a14:m>
+                  <m:oMath xmlns:m="http://schemas.openxmlformats.org/officeDocument/2006/math">
+                    <m:sSub>
+                      <m:sSubPr>
+                        <m:ctrlPr>
+                          <a:rPr lang="en-US" sz="2400" b="0" i="1" smtClean="0">
+                            <a:solidFill>
+                              <a:srgbClr val="7030A0"/>
+                            </a:solidFill>
+                            <a:latin typeface="Cambria Math" panose="02040503050406030204" pitchFamily="18" charset="0"/>
+                          </a:rPr>
+                        </m:ctrlPr>
+                      </m:sSubPr>
+                      <m:e>
+                        <m:r>
+                          <a:rPr lang="en-US" sz="2400" b="0" i="1" smtClean="0">
+                            <a:solidFill>
+                              <a:srgbClr val="7030A0"/>
+                            </a:solidFill>
+                            <a:latin typeface="Cambria Math" panose="02040503050406030204" pitchFamily="18" charset="0"/>
+                          </a:rPr>
+                          <m:t>𝐶</m:t>
+                        </m:r>
+                      </m:e>
+                      <m:sub>
+                        <m:r>
+                          <a:rPr lang="en-US" sz="2400" b="0" i="1" smtClean="0">
+                            <a:solidFill>
+                              <a:srgbClr val="7030A0"/>
+                            </a:solidFill>
+                            <a:latin typeface="Cambria Math" panose="02040503050406030204" pitchFamily="18" charset="0"/>
+                          </a:rPr>
+                          <m:t>𝑉</m:t>
+                        </m:r>
+                      </m:sub>
+                    </m:sSub>
+                  </m:oMath>
+                </a14:m>
+                <a:r>
+                  <a:rPr lang="en-US" sz="2400" b="1" dirty="0"/>
+                  <a:t> and </a:t>
+                </a:r>
+                <a14:m>
+                  <m:oMath xmlns:m="http://schemas.openxmlformats.org/officeDocument/2006/math">
+                    <m:sSub>
+                      <m:sSubPr>
+                        <m:ctrlPr>
+                          <a:rPr lang="en-US" sz="2400" i="1">
+                            <a:solidFill>
+                              <a:srgbClr val="7030A0"/>
+                            </a:solidFill>
+                            <a:latin typeface="Cambria Math" panose="02040503050406030204" pitchFamily="18" charset="0"/>
+                          </a:rPr>
+                        </m:ctrlPr>
+                      </m:sSubPr>
+                      <m:e>
+                        <m:r>
+                          <a:rPr lang="en-US" sz="2400" i="1">
+                            <a:solidFill>
+                              <a:srgbClr val="7030A0"/>
+                            </a:solidFill>
+                            <a:latin typeface="Cambria Math" panose="02040503050406030204" pitchFamily="18" charset="0"/>
+                            <a:ea typeface="Cambria Math" panose="02040503050406030204" pitchFamily="18" charset="0"/>
+                          </a:rPr>
+                          <m:t>𝜋</m:t>
+                        </m:r>
+                      </m:e>
+                      <m:sub>
+                        <m:r>
+                          <a:rPr lang="en-US" sz="2400" i="1">
+                            <a:solidFill>
+                              <a:srgbClr val="7030A0"/>
+                            </a:solidFill>
+                            <a:latin typeface="Cambria Math" panose="02040503050406030204" pitchFamily="18" charset="0"/>
+                          </a:rPr>
+                          <m:t>𝑇</m:t>
+                        </m:r>
+                      </m:sub>
+                    </m:sSub>
+                  </m:oMath>
+                </a14:m>
+                <a:endParaRPr lang="en-US" sz="2400" b="1" dirty="0"/>
+              </a:p>
+            </p:txBody>
+          </p:sp>
+        </mc:Choice>
+        <mc:Fallback xmlns="">
+          <p:sp>
+            <p:nvSpPr>
+              <p:cNvPr id="24" name="TextBox 23">
+                <a:extLst>
+                  <a:ext uri="{FF2B5EF4-FFF2-40B4-BE49-F238E27FC236}">
+                    <a16:creationId xmlns:a16="http://schemas.microsoft.com/office/drawing/2014/main" id="{9A4040F3-E14E-8A4D-8DE1-6883DEAF7A91}"/>
+                  </a:ext>
+                </a:extLst>
+              </p:cNvPr>
+              <p:cNvSpPr txBox="1">
+                <a:spLocks noRot="1" noChangeAspect="1" noMove="1" noResize="1" noEditPoints="1" noAdjustHandles="1" noChangeArrowheads="1" noChangeShapeType="1" noTextEdit="1"/>
+              </p:cNvSpPr>
+              <p:nvPr/>
+            </p:nvSpPr>
+            <p:spPr>
+              <a:xfrm>
+                <a:off x="0" y="12700"/>
+                <a:ext cx="5814890" cy="461665"/>
+              </a:xfrm>
+              <a:prstGeom prst="rect">
+                <a:avLst/>
+              </a:prstGeom>
+              <a:blipFill>
+                <a:blip r:embed="rId10"/>
+                <a:stretch>
+                  <a:fillRect l="-1747" t="-5263" b="-28947"/>
+                </a:stretch>
+              </a:blipFill>
+            </p:spPr>
+            <p:txBody>
+              <a:bodyPr/>
+              <a:lstStyle/>
+              <a:p>
+                <a:r>
+                  <a:rPr lang="en-US">
+                    <a:noFill/>
+                  </a:rPr>
+                  <a:t> </a:t>
+                </a:r>
+              </a:p>
+            </p:txBody>
+          </p:sp>
+        </mc:Fallback>
+      </mc:AlternateContent>
     </p:spTree>
     <p:extLst>
       <p:ext uri="{BB962C8B-B14F-4D97-AF65-F5344CB8AC3E}">
@@ -9545,7 +8408,7 @@
 </p:sld>
 </file>
 
-<file path=ppt/slides/slide16.xml><?xml version="1.0" encoding="utf-8"?>
+<file path=ppt/slides/slide14.xml><?xml version="1.0" encoding="utf-8"?>
 <p:sld xmlns:a="http://schemas.openxmlformats.org/drawingml/2006/main" xmlns:r="http://schemas.openxmlformats.org/officeDocument/2006/relationships" xmlns:p="http://schemas.openxmlformats.org/presentationml/2006/main">
   <p:cSld>
     <p:spTree>
@@ -9562,41 +8425,174 @@
           <a:chExt cx="0" cy="0"/>
         </a:xfrm>
       </p:grpSpPr>
-      <p:sp>
-        <p:nvSpPr>
-          <p:cNvPr id="6" name="TextBox 5">
-            <a:extLst>
-              <a:ext uri="{FF2B5EF4-FFF2-40B4-BE49-F238E27FC236}">
-                <a16:creationId xmlns:a16="http://schemas.microsoft.com/office/drawing/2014/main" id="{D1240985-E633-3C40-AC86-4D9A3B1FD2D2}"/>
-              </a:ext>
-            </a:extLst>
-          </p:cNvPr>
-          <p:cNvSpPr txBox="1"/>
-          <p:nvPr/>
-        </p:nvSpPr>
-        <p:spPr>
-          <a:xfrm>
-            <a:off x="0" y="46701"/>
-            <a:ext cx="11527184" cy="461665"/>
-          </a:xfrm>
-          <a:prstGeom prst="rect">
-            <a:avLst/>
-          </a:prstGeom>
-          <a:noFill/>
-        </p:spPr>
-        <p:txBody>
-          <a:bodyPr wrap="square" rtlCol="0">
-            <a:spAutoFit/>
-          </a:bodyPr>
-          <a:lstStyle/>
-          <a:p>
-            <a:r>
-              <a:rPr lang="en-US" sz="2400" b="1" dirty="0"/>
-              <a:t>When to use numerical or analytical methods of differential calculus </a:t>
-            </a:r>
-          </a:p>
-        </p:txBody>
-      </p:sp>
+      <mc:AlternateContent xmlns:mc="http://schemas.openxmlformats.org/markup-compatibility/2006" xmlns:a14="http://schemas.microsoft.com/office/drawing/2010/main">
+        <mc:Choice Requires="a14">
+          <p:sp>
+            <p:nvSpPr>
+              <p:cNvPr id="6" name="TextBox 5">
+                <a:extLst>
+                  <a:ext uri="{FF2B5EF4-FFF2-40B4-BE49-F238E27FC236}">
+                    <a16:creationId xmlns:a16="http://schemas.microsoft.com/office/drawing/2014/main" id="{D1240985-E633-3C40-AC86-4D9A3B1FD2D2}"/>
+                  </a:ext>
+                </a:extLst>
+              </p:cNvPr>
+              <p:cNvSpPr txBox="1"/>
+              <p:nvPr/>
+            </p:nvSpPr>
+            <p:spPr>
+              <a:xfrm>
+                <a:off x="0" y="46701"/>
+                <a:ext cx="11527184" cy="461665"/>
+              </a:xfrm>
+              <a:prstGeom prst="rect">
+                <a:avLst/>
+              </a:prstGeom>
+              <a:noFill/>
+            </p:spPr>
+            <p:txBody>
+              <a:bodyPr wrap="square" rtlCol="0">
+                <a:spAutoFit/>
+              </a:bodyPr>
+              <a:lstStyle/>
+              <a:p>
+                <a:r>
+                  <a:rPr lang="en-US" sz="2400" b="1" dirty="0"/>
+                  <a:t>When to use numerical or analytical methods to get </a:t>
+                </a:r>
+                <a14:m>
+                  <m:oMath xmlns:m="http://schemas.openxmlformats.org/officeDocument/2006/math">
+                    <m:sSub>
+                      <m:sSubPr>
+                        <m:ctrlPr>
+                          <a:rPr lang="en-US" sz="2400" b="0" i="1" smtClean="0">
+                            <a:solidFill>
+                              <a:srgbClr val="7030A0"/>
+                            </a:solidFill>
+                            <a:latin typeface="Cambria Math" panose="02040503050406030204" pitchFamily="18" charset="0"/>
+                          </a:rPr>
+                        </m:ctrlPr>
+                      </m:sSubPr>
+                      <m:e>
+                        <m:r>
+                          <a:rPr lang="en-US" sz="2400" b="0" i="1" smtClean="0">
+                            <a:solidFill>
+                              <a:srgbClr val="7030A0"/>
+                            </a:solidFill>
+                            <a:latin typeface="Cambria Math" panose="02040503050406030204" pitchFamily="18" charset="0"/>
+                          </a:rPr>
+                          <m:t>𝐶</m:t>
+                        </m:r>
+                      </m:e>
+                      <m:sub>
+                        <m:r>
+                          <a:rPr lang="en-US" sz="2400" b="0" i="1" smtClean="0">
+                            <a:solidFill>
+                              <a:srgbClr val="7030A0"/>
+                            </a:solidFill>
+                            <a:latin typeface="Cambria Math" panose="02040503050406030204" pitchFamily="18" charset="0"/>
+                          </a:rPr>
+                          <m:t>𝑉</m:t>
+                        </m:r>
+                      </m:sub>
+                    </m:sSub>
+                  </m:oMath>
+                </a14:m>
+                <a:r>
+                  <a:rPr lang="en-US" sz="2400" b="1" dirty="0"/>
+                  <a:t> and </a:t>
+                </a:r>
+                <a14:m>
+                  <m:oMath xmlns:m="http://schemas.openxmlformats.org/officeDocument/2006/math">
+                    <m:sSub>
+                      <m:sSubPr>
+                        <m:ctrlPr>
+                          <a:rPr lang="en-US" sz="2400" i="1">
+                            <a:solidFill>
+                              <a:srgbClr val="7030A0"/>
+                            </a:solidFill>
+                            <a:latin typeface="Cambria Math" panose="02040503050406030204" pitchFamily="18" charset="0"/>
+                          </a:rPr>
+                        </m:ctrlPr>
+                      </m:sSubPr>
+                      <m:e>
+                        <m:r>
+                          <a:rPr lang="en-US" sz="2400" i="1">
+                            <a:solidFill>
+                              <a:srgbClr val="7030A0"/>
+                            </a:solidFill>
+                            <a:latin typeface="Cambria Math" panose="02040503050406030204" pitchFamily="18" charset="0"/>
+                            <a:ea typeface="Cambria Math" panose="02040503050406030204" pitchFamily="18" charset="0"/>
+                          </a:rPr>
+                          <m:t>𝜋</m:t>
+                        </m:r>
+                      </m:e>
+                      <m:sub>
+                        <m:r>
+                          <a:rPr lang="en-US" sz="2400" i="1">
+                            <a:solidFill>
+                              <a:srgbClr val="7030A0"/>
+                            </a:solidFill>
+                            <a:latin typeface="Cambria Math" panose="02040503050406030204" pitchFamily="18" charset="0"/>
+                          </a:rPr>
+                          <m:t>𝑇</m:t>
+                        </m:r>
+                      </m:sub>
+                    </m:sSub>
+                  </m:oMath>
+                </a14:m>
+                <a:r>
+                  <a:rPr lang="en-US" sz="2400" b="1" dirty="0"/>
+                  <a:t>  </a:t>
+                </a:r>
+              </a:p>
+            </p:txBody>
+          </p:sp>
+        </mc:Choice>
+        <mc:Fallback xmlns="">
+          <p:sp>
+            <p:nvSpPr>
+              <p:cNvPr id="6" name="TextBox 5">
+                <a:extLst>
+                  <a:ext uri="{FF2B5EF4-FFF2-40B4-BE49-F238E27FC236}">
+                    <a16:creationId xmlns:a16="http://schemas.microsoft.com/office/drawing/2014/main" id="{D1240985-E633-3C40-AC86-4D9A3B1FD2D2}"/>
+                  </a:ext>
+                </a:extLst>
+              </p:cNvPr>
+              <p:cNvSpPr txBox="1">
+                <a:spLocks noRot="1" noChangeAspect="1" noMove="1" noResize="1" noEditPoints="1" noAdjustHandles="1" noChangeArrowheads="1" noChangeShapeType="1" noTextEdit="1"/>
+              </p:cNvSpPr>
+              <p:nvPr/>
+            </p:nvSpPr>
+            <p:spPr>
+              <a:xfrm>
+                <a:off x="0" y="46701"/>
+                <a:ext cx="11527184" cy="461665"/>
+              </a:xfrm>
+              <a:prstGeom prst="rect">
+                <a:avLst/>
+              </a:prstGeom>
+              <a:blipFill>
+                <a:blip r:embed="rId2"/>
+                <a:stretch>
+                  <a:fillRect l="-881" t="-8108" b="-29730"/>
+                </a:stretch>
+              </a:blipFill>
+            </p:spPr>
+            <p:txBody>
+              <a:bodyPr/>
+              <a:lstStyle/>
+              <a:p>
+                <a:r>
+                  <a:rPr lang="en-US">
+                    <a:noFill/>
+                  </a:rPr>
+                  <a:t> </a:t>
+                </a:r>
+              </a:p>
+            </p:txBody>
+          </p:sp>
+        </mc:Fallback>
+      </mc:AlternateContent>
       <mc:AlternateContent xmlns:mc="http://schemas.openxmlformats.org/markup-compatibility/2006" xmlns:a14="http://schemas.microsoft.com/office/drawing/2010/main">
         <mc:Choice Requires="a14">
           <p:sp>
@@ -9894,7 +8890,7 @@
                       <m:sSub>
                         <m:sSubPr>
                           <m:ctrlPr>
-                            <a:rPr lang="en-US" sz="2400" i="1">
+                            <a:rPr lang="en-US" sz="2400" b="0" i="1" smtClean="0">
                               <a:solidFill>
                                 <a:srgbClr val="7030A0"/>
                               </a:solidFill>
@@ -9904,7 +8900,7 @@
                         </m:sSubPr>
                         <m:e>
                           <m:r>
-                            <a:rPr lang="en-US" sz="2400" b="0" i="1">
+                            <a:rPr lang="en-US" sz="2400" i="1" smtClean="0">
                               <a:solidFill>
                                 <a:srgbClr val="7030A0"/>
                               </a:solidFill>
@@ -9915,17 +8911,74 @@
                         </m:e>
                         <m:sub>
                           <m:r>
-                            <m:rPr>
-                              <m:lit/>
-                              <m:nor/>
-                            </m:rPr>
-                            <a:rPr lang="en-US" sz="2400" b="0" i="0" smtClean="0">
+                            <a:rPr lang="en-US" sz="2400" b="0" i="1" smtClean="0">
                               <a:solidFill>
                                 <a:srgbClr val="7030A0"/>
                               </a:solidFill>
                               <a:latin typeface="Cambria Math" panose="02040503050406030204" pitchFamily="18" charset="0"/>
                             </a:rPr>
-                            <m:t>rot</m:t>
+                            <m:t>𝑟𝑜𝑡</m:t>
+                          </m:r>
+                        </m:sub>
+                      </m:sSub>
+                      <m:r>
+                        <a:rPr lang="en-US" sz="2400" b="0" i="1">
+                          <a:solidFill>
+                            <a:srgbClr val="7030A0"/>
+                          </a:solidFill>
+                          <a:latin typeface="Cambria Math" panose="02040503050406030204" pitchFamily="18" charset="0"/>
+                        </a:rPr>
+                        <m:t>(</m:t>
+                      </m:r>
+                      <m:r>
+                        <a:rPr lang="en-US" sz="2400" b="0" i="1">
+                          <a:solidFill>
+                            <a:srgbClr val="7030A0"/>
+                          </a:solidFill>
+                          <a:latin typeface="Cambria Math" panose="02040503050406030204" pitchFamily="18" charset="0"/>
+                        </a:rPr>
+                        <m:t>𝑇</m:t>
+                      </m:r>
+                      <m:r>
+                        <a:rPr lang="en-US" sz="2400" b="0" i="1">
+                          <a:solidFill>
+                            <a:srgbClr val="7030A0"/>
+                          </a:solidFill>
+                          <a:latin typeface="Cambria Math" panose="02040503050406030204" pitchFamily="18" charset="0"/>
+                        </a:rPr>
+                        <m:t>)+</m:t>
+                      </m:r>
+                      <m:sSub>
+                        <m:sSubPr>
+                          <m:ctrlPr>
+                            <a:rPr lang="en-US" sz="2400" b="0" i="1" smtClean="0">
+                              <a:solidFill>
+                                <a:srgbClr val="7030A0"/>
+                              </a:solidFill>
+                              <a:latin typeface="Cambria Math" panose="02040503050406030204" pitchFamily="18" charset="0"/>
+                            </a:rPr>
+                          </m:ctrlPr>
+                        </m:sSubPr>
+                        <m:e>
+                          <m:r>
+                            <a:rPr lang="en-US" sz="2400" i="1" smtClean="0">
+                              <a:solidFill>
+                                <a:srgbClr val="7030A0"/>
+                              </a:solidFill>
+                              <a:latin typeface="Cambria Math" panose="02040503050406030204" pitchFamily="18" charset="0"/>
+                            </a:rPr>
+                            <m:t>𝑓</m:t>
+                          </m:r>
+                        </m:e>
+                        <m:sub>
+                          <m:r>
+                            <a:rPr lang="en-US" sz="2400" b="0" i="1" smtClean="0">
+                              <a:solidFill>
+                                <a:srgbClr val="7030A0"/>
+                              </a:solidFill>
+                              <a:latin typeface="Cambria Math" panose="02040503050406030204" pitchFamily="18" charset="0"/>
+                            </a:rPr>
+                            <m:t>𝑣𝑖𝑏</m:t>
                           </m:r>
                         </m:sub>
                       </m:sSub>
@@ -9969,7 +9022,7 @@
                         </m:sSubPr>
                         <m:e>
                           <m:r>
-                            <a:rPr lang="en-US" sz="2400" b="0" i="1">
+                            <a:rPr lang="en-US" sz="2400" i="1">
                               <a:solidFill>
                                 <a:srgbClr val="7030A0"/>
                               </a:solidFill>
@@ -9980,80 +9033,13 @@
                         </m:e>
                         <m:sub>
                           <m:r>
-                            <m:rPr>
-                              <m:lit/>
-                              <m:nor/>
-                            </m:rPr>
-                            <a:rPr lang="en-US" sz="2400">
-                              <a:solidFill>
-                                <a:srgbClr val="7030A0"/>
-                              </a:solidFill>
-                            </a:rPr>
-                            <m:t>vib</m:t>
-                          </m:r>
-                        </m:sub>
-                      </m:sSub>
-                      <m:r>
-                        <a:rPr lang="en-US" sz="2400" b="0" i="1">
-                          <a:solidFill>
-                            <a:srgbClr val="7030A0"/>
-                          </a:solidFill>
-                          <a:latin typeface="Cambria Math" panose="02040503050406030204" pitchFamily="18" charset="0"/>
-                        </a:rPr>
-                        <m:t>(</m:t>
-                      </m:r>
-                      <m:r>
-                        <a:rPr lang="en-US" sz="2400" b="0" i="1">
-                          <a:solidFill>
-                            <a:srgbClr val="7030A0"/>
-                          </a:solidFill>
-                          <a:latin typeface="Cambria Math" panose="02040503050406030204" pitchFamily="18" charset="0"/>
-                        </a:rPr>
-                        <m:t>𝑇</m:t>
-                      </m:r>
-                      <m:r>
-                        <a:rPr lang="en-US" sz="2400" b="0" i="1">
-                          <a:solidFill>
-                            <a:srgbClr val="7030A0"/>
-                          </a:solidFill>
-                          <a:latin typeface="Cambria Math" panose="02040503050406030204" pitchFamily="18" charset="0"/>
-                        </a:rPr>
-                        <m:t>)+</m:t>
-                      </m:r>
-                      <m:sSub>
-                        <m:sSubPr>
-                          <m:ctrlPr>
                             <a:rPr lang="en-US" sz="2400" i="1">
                               <a:solidFill>
                                 <a:srgbClr val="7030A0"/>
                               </a:solidFill>
                               <a:latin typeface="Cambria Math" panose="02040503050406030204" pitchFamily="18" charset="0"/>
                             </a:rPr>
-                          </m:ctrlPr>
-                        </m:sSubPr>
-                        <m:e>
-                          <m:r>
-                            <a:rPr lang="en-US" sz="2400" b="0" i="1">
-                              <a:solidFill>
-                                <a:srgbClr val="7030A0"/>
-                              </a:solidFill>
-                              <a:latin typeface="Cambria Math" panose="02040503050406030204" pitchFamily="18" charset="0"/>
-                            </a:rPr>
-                            <m:t>𝑓</m:t>
-                          </m:r>
-                        </m:e>
-                        <m:sub>
-                          <m:r>
-                            <m:rPr>
-                              <m:lit/>
-                              <m:nor/>
-                            </m:rPr>
-                            <a:rPr lang="en-US" sz="2400">
-                              <a:solidFill>
-                                <a:srgbClr val="7030A0"/>
-                              </a:solidFill>
-                            </a:rPr>
-                            <m:t>intermol</m:t>
+                            <m:t>𝑖𝑛𝑡𝑒𝑟𝑚𝑜𝑙</m:t>
                           </m:r>
                         </m:sub>
                       </m:sSub>
@@ -10354,7 +9340,7 @@
                 <a:avLst/>
               </a:prstGeom>
               <a:blipFill>
-                <a:blip r:embed="rId2"/>
+                <a:blip r:embed="rId3"/>
                 <a:stretch>
                   <a:fillRect l="-932" t="-783" b="-1567"/>
                 </a:stretch>
@@ -10388,7 +9374,7 @@
 </p:sld>
 </file>
 
-<file path=ppt/slides/slide17.xml><?xml version="1.0" encoding="utf-8"?>
+<file path=ppt/slides/slide15.xml><?xml version="1.0" encoding="utf-8"?>
 <p:sld xmlns:a="http://schemas.openxmlformats.org/drawingml/2006/main" xmlns:r="http://schemas.openxmlformats.org/officeDocument/2006/relationships" xmlns:p="http://schemas.openxmlformats.org/presentationml/2006/main">
   <p:cSld>
     <p:spTree>
@@ -10435,1593 +9421,15 @@
           <a:p>
             <a:r>
               <a:rPr lang="en-US" sz="2400" b="1" dirty="0"/>
-              <a:t>Problems to do on the board (submitting as CGI </a:t>
-            </a:r>
-            <a:r>
-              <a:rPr lang="en-US" sz="2400" b="1" dirty="0" err="1"/>
-              <a:t>AnalyticalU</a:t>
-            </a:r>
-            <a:r>
-              <a:rPr lang="en-US" sz="2400" b="1" dirty="0"/>
-              <a:t>)</a:t>
+              <a:t>Now might be a good time to finish the work we started Thursday</a:t>
             </a:r>
           </a:p>
         </p:txBody>
       </p:sp>
-      <mc:AlternateContent xmlns:mc="http://schemas.openxmlformats.org/markup-compatibility/2006">
-        <mc:Choice xmlns:a14="http://schemas.microsoft.com/office/drawing/2010/main" Requires="a14">
-          <p:sp>
-            <p:nvSpPr>
-              <p:cNvPr id="10" name="TextBox 9">
-                <a:extLst>
-                  <a:ext uri="{FF2B5EF4-FFF2-40B4-BE49-F238E27FC236}">
-                    <a16:creationId xmlns:a16="http://schemas.microsoft.com/office/drawing/2014/main" id="{09A8E12A-B6B3-9D43-B54E-00541A43BA46}"/>
-                  </a:ext>
-                </a:extLst>
-              </p:cNvPr>
-              <p:cNvSpPr txBox="1"/>
-              <p:nvPr/>
-            </p:nvSpPr>
-            <p:spPr>
-              <a:xfrm>
-                <a:off x="127375" y="580495"/>
-                <a:ext cx="11957050" cy="5612370"/>
-              </a:xfrm>
-              <a:prstGeom prst="rect">
-                <a:avLst/>
-              </a:prstGeom>
-              <a:noFill/>
-            </p:spPr>
-            <p:txBody>
-              <a:bodyPr wrap="square" rtlCol="0">
-                <a:spAutoFit/>
-              </a:bodyPr>
-              <a:lstStyle/>
-              <a:p>
-                <a:pPr algn="ctr"/>
-                <a14:m>
-                  <m:oMath xmlns:m="http://schemas.openxmlformats.org/officeDocument/2006/math">
-                    <m:r>
-                      <a:rPr lang="en-US" sz="2200" b="1" i="1" smtClean="0">
-                        <a:solidFill>
-                          <a:srgbClr val="7030A0"/>
-                        </a:solidFill>
-                        <a:latin typeface="Cambria Math" panose="02040503050406030204" pitchFamily="18" charset="0"/>
-                      </a:rPr>
-                      <m:t>𝑼</m:t>
-                    </m:r>
-                    <m:d>
-                      <m:dPr>
-                        <m:ctrlPr>
-                          <a:rPr lang="en-US" sz="2200" b="1" i="1" smtClean="0">
-                            <a:solidFill>
-                              <a:srgbClr val="7030A0"/>
-                            </a:solidFill>
-                            <a:latin typeface="Cambria Math" panose="02040503050406030204" pitchFamily="18" charset="0"/>
-                          </a:rPr>
-                        </m:ctrlPr>
-                      </m:dPr>
-                      <m:e>
-                        <m:r>
-                          <a:rPr lang="en-US" sz="2200" b="1" i="1" smtClean="0">
-                            <a:solidFill>
-                              <a:srgbClr val="7030A0"/>
-                            </a:solidFill>
-                            <a:latin typeface="Cambria Math" panose="02040503050406030204" pitchFamily="18" charset="0"/>
-                          </a:rPr>
-                          <m:t>𝑽</m:t>
-                        </m:r>
-                        <m:r>
-                          <a:rPr lang="en-US" sz="2200" b="1" i="1" smtClean="0">
-                            <a:solidFill>
-                              <a:srgbClr val="7030A0"/>
-                            </a:solidFill>
-                            <a:latin typeface="Cambria Math" panose="02040503050406030204" pitchFamily="18" charset="0"/>
-                          </a:rPr>
-                          <m:t>,</m:t>
-                        </m:r>
-                        <m:r>
-                          <a:rPr lang="en-US" sz="2200" b="1" i="1" smtClean="0">
-                            <a:solidFill>
-                              <a:srgbClr val="7030A0"/>
-                            </a:solidFill>
-                            <a:latin typeface="Cambria Math" panose="02040503050406030204" pitchFamily="18" charset="0"/>
-                          </a:rPr>
-                          <m:t>𝑻</m:t>
-                        </m:r>
-                      </m:e>
-                    </m:d>
-                    <m:r>
-                      <a:rPr lang="en-US" sz="2200" b="1" i="1" smtClean="0">
-                        <a:solidFill>
-                          <a:srgbClr val="7030A0"/>
-                        </a:solidFill>
-                        <a:latin typeface="Cambria Math" panose="02040503050406030204" pitchFamily="18" charset="0"/>
-                      </a:rPr>
-                      <m:t>=</m:t>
-                    </m:r>
-                    <m:d>
-                      <m:dPr>
-                        <m:begChr m:val="["/>
-                        <m:endChr m:val="]"/>
-                        <m:ctrlPr>
-                          <a:rPr lang="en-US" sz="2200" b="1" i="1" smtClean="0">
-                            <a:solidFill>
-                              <a:srgbClr val="7030A0"/>
-                            </a:solidFill>
-                            <a:latin typeface="Cambria Math" panose="02040503050406030204" pitchFamily="18" charset="0"/>
-                          </a:rPr>
-                        </m:ctrlPr>
-                      </m:dPr>
-                      <m:e>
-                        <m:f>
-                          <m:fPr>
-                            <m:ctrlPr>
-                              <a:rPr lang="en-US" sz="2200" b="1" i="1">
-                                <a:solidFill>
-                                  <a:srgbClr val="7030A0"/>
-                                </a:solidFill>
-                                <a:latin typeface="Cambria Math" panose="02040503050406030204" pitchFamily="18" charset="0"/>
-                              </a:rPr>
-                            </m:ctrlPr>
-                          </m:fPr>
-                          <m:num>
-                            <m:r>
-                              <a:rPr lang="en-US" sz="2200" b="1" i="1">
-                                <a:solidFill>
-                                  <a:srgbClr val="7030A0"/>
-                                </a:solidFill>
-                                <a:latin typeface="Cambria Math" panose="02040503050406030204" pitchFamily="18" charset="0"/>
-                              </a:rPr>
-                              <m:t>𝟑</m:t>
-                            </m:r>
-                          </m:num>
-                          <m:den>
-                            <m:r>
-                              <a:rPr lang="en-US" sz="2200" b="1" i="1">
-                                <a:solidFill>
-                                  <a:srgbClr val="7030A0"/>
-                                </a:solidFill>
-                                <a:latin typeface="Cambria Math" panose="02040503050406030204" pitchFamily="18" charset="0"/>
-                              </a:rPr>
-                              <m:t>𝟐</m:t>
-                            </m:r>
-                          </m:den>
-                        </m:f>
-                        <m:r>
-                          <a:rPr lang="en-US" sz="2200" b="1" i="1">
-                            <a:solidFill>
-                              <a:srgbClr val="7030A0"/>
-                            </a:solidFill>
-                            <a:latin typeface="Cambria Math" panose="02040503050406030204" pitchFamily="18" charset="0"/>
-                          </a:rPr>
-                          <m:t>𝑹𝑻</m:t>
-                        </m:r>
-                        <m:r>
-                          <a:rPr lang="en-US" sz="2200" b="1" i="1">
-                            <a:solidFill>
-                              <a:srgbClr val="7030A0"/>
-                            </a:solidFill>
-                            <a:latin typeface="Cambria Math" panose="02040503050406030204" pitchFamily="18" charset="0"/>
-                          </a:rPr>
-                          <m:t>+</m:t>
-                        </m:r>
-                        <m:sSub>
-                          <m:sSubPr>
-                            <m:ctrlPr>
-                              <a:rPr lang="en-US" sz="2200" b="1" i="1">
-                                <a:solidFill>
-                                  <a:srgbClr val="7030A0"/>
-                                </a:solidFill>
-                                <a:latin typeface="Cambria Math" panose="02040503050406030204" pitchFamily="18" charset="0"/>
-                              </a:rPr>
-                            </m:ctrlPr>
-                          </m:sSubPr>
-                          <m:e>
-                            <m:r>
-                              <a:rPr lang="en-US" sz="2200" b="1" i="1">
-                                <a:solidFill>
-                                  <a:srgbClr val="7030A0"/>
-                                </a:solidFill>
-                                <a:latin typeface="Cambria Math" panose="02040503050406030204" pitchFamily="18" charset="0"/>
-                              </a:rPr>
-                              <m:t>𝒇</m:t>
-                            </m:r>
-                          </m:e>
-                          <m:sub>
-                            <m:r>
-                              <m:rPr>
-                                <m:lit/>
-                                <m:nor/>
-                              </m:rPr>
-                              <a:rPr lang="en-US" sz="2200" b="1">
-                                <a:solidFill>
-                                  <a:srgbClr val="7030A0"/>
-                                </a:solidFill>
-                                <a:latin typeface="Cambria Math" panose="02040503050406030204" pitchFamily="18" charset="0"/>
-                              </a:rPr>
-                              <m:t>rot</m:t>
-                            </m:r>
-                          </m:sub>
-                        </m:sSub>
-                        <m:d>
-                          <m:dPr>
-                            <m:ctrlPr>
-                              <a:rPr lang="en-US" sz="2200" b="1" i="1">
-                                <a:solidFill>
-                                  <a:srgbClr val="7030A0"/>
-                                </a:solidFill>
-                                <a:latin typeface="Cambria Math" panose="02040503050406030204" pitchFamily="18" charset="0"/>
-                              </a:rPr>
-                            </m:ctrlPr>
-                          </m:dPr>
-                          <m:e>
-                            <m:r>
-                              <a:rPr lang="en-US" sz="2200" b="1" i="1">
-                                <a:solidFill>
-                                  <a:srgbClr val="7030A0"/>
-                                </a:solidFill>
-                                <a:latin typeface="Cambria Math" panose="02040503050406030204" pitchFamily="18" charset="0"/>
-                              </a:rPr>
-                              <m:t>𝑻</m:t>
-                            </m:r>
-                          </m:e>
-                        </m:d>
-                        <m:r>
-                          <a:rPr lang="en-US" sz="2200" b="1" i="1">
-                            <a:solidFill>
-                              <a:srgbClr val="7030A0"/>
-                            </a:solidFill>
-                            <a:latin typeface="Cambria Math" panose="02040503050406030204" pitchFamily="18" charset="0"/>
-                          </a:rPr>
-                          <m:t>+</m:t>
-                        </m:r>
-                        <m:sSub>
-                          <m:sSubPr>
-                            <m:ctrlPr>
-                              <a:rPr lang="en-US" sz="2200" b="1" i="1">
-                                <a:solidFill>
-                                  <a:srgbClr val="7030A0"/>
-                                </a:solidFill>
-                                <a:latin typeface="Cambria Math" panose="02040503050406030204" pitchFamily="18" charset="0"/>
-                              </a:rPr>
-                            </m:ctrlPr>
-                          </m:sSubPr>
-                          <m:e>
-                            <m:r>
-                              <a:rPr lang="en-US" sz="2200" b="1" i="1">
-                                <a:solidFill>
-                                  <a:srgbClr val="7030A0"/>
-                                </a:solidFill>
-                                <a:latin typeface="Cambria Math" panose="02040503050406030204" pitchFamily="18" charset="0"/>
-                              </a:rPr>
-                              <m:t>𝒇</m:t>
-                            </m:r>
-                          </m:e>
-                          <m:sub>
-                            <m:r>
-                              <m:rPr>
-                                <m:lit/>
-                                <m:nor/>
-                              </m:rPr>
-                              <a:rPr lang="en-US" sz="2200" b="1">
-                                <a:solidFill>
-                                  <a:srgbClr val="7030A0"/>
-                                </a:solidFill>
-                              </a:rPr>
-                              <m:t>vib</m:t>
-                            </m:r>
-                          </m:sub>
-                        </m:sSub>
-                        <m:d>
-                          <m:dPr>
-                            <m:ctrlPr>
-                              <a:rPr lang="en-US" sz="2200" b="1" i="1">
-                                <a:solidFill>
-                                  <a:srgbClr val="7030A0"/>
-                                </a:solidFill>
-                                <a:latin typeface="Cambria Math" panose="02040503050406030204" pitchFamily="18" charset="0"/>
-                              </a:rPr>
-                            </m:ctrlPr>
-                          </m:dPr>
-                          <m:e>
-                            <m:r>
-                              <a:rPr lang="en-US" sz="2200" b="1" i="1">
-                                <a:solidFill>
-                                  <a:srgbClr val="7030A0"/>
-                                </a:solidFill>
-                                <a:latin typeface="Cambria Math" panose="02040503050406030204" pitchFamily="18" charset="0"/>
-                              </a:rPr>
-                              <m:t>𝑻</m:t>
-                            </m:r>
-                          </m:e>
-                        </m:d>
-                        <m:r>
-                          <a:rPr lang="en-US" sz="2200" b="1" i="1">
-                            <a:solidFill>
-                              <a:srgbClr val="7030A0"/>
-                            </a:solidFill>
-                            <a:latin typeface="Cambria Math" panose="02040503050406030204" pitchFamily="18" charset="0"/>
-                          </a:rPr>
-                          <m:t>+</m:t>
-                        </m:r>
-                        <m:sSub>
-                          <m:sSubPr>
-                            <m:ctrlPr>
-                              <a:rPr lang="en-US" sz="2200" b="1" i="1">
-                                <a:solidFill>
-                                  <a:srgbClr val="7030A0"/>
-                                </a:solidFill>
-                                <a:latin typeface="Cambria Math" panose="02040503050406030204" pitchFamily="18" charset="0"/>
-                              </a:rPr>
-                            </m:ctrlPr>
-                          </m:sSubPr>
-                          <m:e>
-                            <m:r>
-                              <a:rPr lang="en-US" sz="2200" b="1" i="1">
-                                <a:solidFill>
-                                  <a:srgbClr val="7030A0"/>
-                                </a:solidFill>
-                                <a:latin typeface="Cambria Math" panose="02040503050406030204" pitchFamily="18" charset="0"/>
-                              </a:rPr>
-                              <m:t>𝒇</m:t>
-                            </m:r>
-                          </m:e>
-                          <m:sub>
-                            <m:r>
-                              <m:rPr>
-                                <m:lit/>
-                                <m:nor/>
-                              </m:rPr>
-                              <a:rPr lang="en-US" sz="2200" b="1">
-                                <a:solidFill>
-                                  <a:srgbClr val="7030A0"/>
-                                </a:solidFill>
-                              </a:rPr>
-                              <m:t>intermol</m:t>
-                            </m:r>
-                          </m:sub>
-                        </m:sSub>
-                        <m:d>
-                          <m:dPr>
-                            <m:ctrlPr>
-                              <a:rPr lang="en-US" sz="2200" b="1" i="1">
-                                <a:solidFill>
-                                  <a:srgbClr val="7030A0"/>
-                                </a:solidFill>
-                                <a:latin typeface="Cambria Math" panose="02040503050406030204" pitchFamily="18" charset="0"/>
-                              </a:rPr>
-                            </m:ctrlPr>
-                          </m:dPr>
-                          <m:e>
-                            <m:r>
-                              <a:rPr lang="en-US" sz="2200" b="1" i="1">
-                                <a:solidFill>
-                                  <a:srgbClr val="7030A0"/>
-                                </a:solidFill>
-                                <a:latin typeface="Cambria Math" panose="02040503050406030204" pitchFamily="18" charset="0"/>
-                              </a:rPr>
-                              <m:t>𝑽</m:t>
-                            </m:r>
-                            <m:r>
-                              <a:rPr lang="en-US" sz="2200" b="1" i="1">
-                                <a:solidFill>
-                                  <a:srgbClr val="7030A0"/>
-                                </a:solidFill>
-                                <a:latin typeface="Cambria Math" panose="02040503050406030204" pitchFamily="18" charset="0"/>
-                              </a:rPr>
-                              <m:t>,</m:t>
-                            </m:r>
-                            <m:r>
-                              <a:rPr lang="en-US" sz="2200" b="1" i="1">
-                                <a:solidFill>
-                                  <a:srgbClr val="7030A0"/>
-                                </a:solidFill>
-                                <a:latin typeface="Cambria Math" panose="02040503050406030204" pitchFamily="18" charset="0"/>
-                              </a:rPr>
-                              <m:t>𝑻</m:t>
-                            </m:r>
-                          </m:e>
-                        </m:d>
-                      </m:e>
-                    </m:d>
-                    <m:r>
-                      <a:rPr lang="en-US" sz="2200" b="1" i="1">
-                        <a:solidFill>
-                          <a:srgbClr val="7030A0"/>
-                        </a:solidFill>
-                        <a:latin typeface="Cambria Math" panose="02040503050406030204" pitchFamily="18" charset="0"/>
-                      </a:rPr>
-                      <m:t>×</m:t>
-                    </m:r>
-                    <m:r>
-                      <a:rPr lang="en-US" sz="2200" b="1" i="1">
-                        <a:solidFill>
-                          <a:srgbClr val="7030A0"/>
-                        </a:solidFill>
-                        <a:latin typeface="Cambria Math" panose="02040503050406030204" pitchFamily="18" charset="0"/>
-                      </a:rPr>
-                      <m:t>𝒏</m:t>
-                    </m:r>
-                  </m:oMath>
-                </a14:m>
-                <a:r>
-                  <a:rPr lang="en-US" sz="2200" b="1" dirty="0">
-                    <a:solidFill>
-                      <a:srgbClr val="7030A0"/>
-                    </a:solidFill>
-                  </a:rPr>
-                  <a:t> </a:t>
-                </a:r>
-                <a:endParaRPr lang="en-US" sz="2200" dirty="0">
-                  <a:solidFill>
-                    <a:srgbClr val="7030A0"/>
-                  </a:solidFill>
-                </a:endParaRPr>
-              </a:p>
-              <a:p>
-                <a:endParaRPr lang="en-US" sz="2200" dirty="0"/>
-              </a:p>
-              <a:p>
-                <a:r>
-                  <a:rPr lang="en-US" sz="2200" dirty="0"/>
-                  <a:t>Assume </a:t>
-                </a:r>
-                <a14:m>
-                  <m:oMath xmlns:m="http://schemas.openxmlformats.org/officeDocument/2006/math">
-                    <m:sSub>
-                      <m:sSubPr>
-                        <m:ctrlPr>
-                          <a:rPr lang="en-US" sz="2200" b="1" i="1">
-                            <a:latin typeface="Cambria Math" panose="02040503050406030204" pitchFamily="18" charset="0"/>
-                          </a:rPr>
-                        </m:ctrlPr>
-                      </m:sSubPr>
-                      <m:e>
-                        <m:r>
-                          <a:rPr lang="en-US" sz="2200" b="1" i="1">
-                            <a:latin typeface="Cambria Math" panose="02040503050406030204" pitchFamily="18" charset="0"/>
-                          </a:rPr>
-                          <m:t>𝑵</m:t>
-                        </m:r>
-                      </m:e>
-                      <m:sub>
-                        <m:r>
-                          <a:rPr lang="en-US" sz="2200" b="1" i="1">
-                            <a:latin typeface="Cambria Math" panose="02040503050406030204" pitchFamily="18" charset="0"/>
-                          </a:rPr>
-                          <m:t>𝟐</m:t>
-                        </m:r>
-                      </m:sub>
-                    </m:sSub>
-                  </m:oMath>
-                </a14:m>
-                <a:r>
-                  <a:rPr lang="en-US" sz="2200" b="1" dirty="0"/>
-                  <a:t>(g)</a:t>
-                </a:r>
-                <a:r>
-                  <a:rPr lang="en-US" sz="2200" dirty="0"/>
-                  <a:t>, classical limit, w/</a:t>
-                </a:r>
-                <a14:m>
-                  <m:oMath xmlns:m="http://schemas.openxmlformats.org/officeDocument/2006/math">
-                    <m:sSub>
-                      <m:sSubPr>
-                        <m:ctrlPr>
-                          <a:rPr lang="en-US" sz="2200" i="1">
-                            <a:latin typeface="Cambria Math" panose="02040503050406030204" pitchFamily="18" charset="0"/>
-                          </a:rPr>
-                        </m:ctrlPr>
-                      </m:sSubPr>
-                      <m:e>
-                        <m:r>
-                          <a:rPr lang="en-US" sz="2200" i="1">
-                            <a:latin typeface="Cambria Math" panose="02040503050406030204" pitchFamily="18" charset="0"/>
-                          </a:rPr>
-                          <m:t>𝑓</m:t>
-                        </m:r>
-                      </m:e>
-                      <m:sub>
-                        <m:r>
-                          <m:rPr>
-                            <m:lit/>
-                            <m:nor/>
-                          </m:rPr>
-                          <a:rPr lang="en-US" sz="2200"/>
-                          <m:t>intermol</m:t>
-                        </m:r>
-                      </m:sub>
-                    </m:sSub>
-                    <m:r>
-                      <a:rPr lang="en-US" sz="2200" i="1">
-                        <a:latin typeface="Cambria Math" panose="02040503050406030204" pitchFamily="18" charset="0"/>
-                      </a:rPr>
-                      <m:t>=−</m:t>
-                    </m:r>
-                    <m:f>
-                      <m:fPr>
-                        <m:ctrlPr>
-                          <a:rPr lang="en-US" sz="2200" i="1">
-                            <a:latin typeface="Cambria Math" panose="02040503050406030204" pitchFamily="18" charset="0"/>
-                          </a:rPr>
-                        </m:ctrlPr>
-                      </m:fPr>
-                      <m:num>
-                        <m:r>
-                          <a:rPr lang="en-US" sz="2200" i="1">
-                            <a:latin typeface="Cambria Math" panose="02040503050406030204" pitchFamily="18" charset="0"/>
-                          </a:rPr>
-                          <m:t>𝑎𝑛</m:t>
-                        </m:r>
-                      </m:num>
-                      <m:den>
-                        <m:r>
-                          <a:rPr lang="en-US" sz="2200" i="1">
-                            <a:latin typeface="Cambria Math" panose="02040503050406030204" pitchFamily="18" charset="0"/>
-                          </a:rPr>
-                          <m:t>𝑉</m:t>
-                        </m:r>
-                      </m:den>
-                    </m:f>
-                  </m:oMath>
-                </a14:m>
-                <a:r>
-                  <a:rPr lang="en-US" sz="2200" dirty="0"/>
-                  <a:t> (i.e., vdw), unless otherwise noted.</a:t>
-                </a:r>
-                <a:endParaRPr lang="en-US" sz="2200" i="1" dirty="0"/>
-              </a:p>
-              <a:p>
-                <a:endParaRPr lang="en-US" sz="2200" i="1" dirty="0">
-                  <a:solidFill>
-                    <a:srgbClr val="00B050"/>
-                  </a:solidFill>
-                  <a:latin typeface="Cambria Math" panose="02040503050406030204" pitchFamily="18" charset="0"/>
-                </a:endParaRPr>
-              </a:p>
-              <a:p>
-                <a:pPr marL="457200" indent="-457200">
-                  <a:buFont typeface="+mj-lt"/>
-                  <a:buAutoNum type="arabicPeriod"/>
-                </a:pPr>
-                <a:r>
-                  <a:rPr lang="en-US" sz="2200" dirty="0">
-                    <a:solidFill>
-                      <a:srgbClr val="7030A0"/>
-                    </a:solidFill>
-                  </a:rPr>
-                  <a:t>Use your calculus skills in combination with this equation to find algebraic expressions for </a:t>
-                </a:r>
-                <a14:m>
-                  <m:oMath xmlns:m="http://schemas.openxmlformats.org/officeDocument/2006/math">
-                    <m:sSub>
-                      <m:sSubPr>
-                        <m:ctrlPr>
-                          <a:rPr lang="en-US" sz="2200" b="1" i="1">
-                            <a:solidFill>
-                              <a:srgbClr val="7030A0"/>
-                            </a:solidFill>
-                            <a:latin typeface="Cambria Math" panose="02040503050406030204" pitchFamily="18" charset="0"/>
-                          </a:rPr>
-                        </m:ctrlPr>
-                      </m:sSubPr>
-                      <m:e>
-                        <m:r>
-                          <a:rPr lang="en-US" sz="2200" b="1" i="1">
-                            <a:solidFill>
-                              <a:srgbClr val="7030A0"/>
-                            </a:solidFill>
-                            <a:latin typeface="Cambria Math" panose="02040503050406030204" pitchFamily="18" charset="0"/>
-                          </a:rPr>
-                          <m:t>𝑪</m:t>
-                        </m:r>
-                      </m:e>
-                      <m:sub>
-                        <m:r>
-                          <a:rPr lang="en-US" sz="2200" b="1" i="1">
-                            <a:solidFill>
-                              <a:srgbClr val="7030A0"/>
-                            </a:solidFill>
-                            <a:latin typeface="Cambria Math" panose="02040503050406030204" pitchFamily="18" charset="0"/>
-                          </a:rPr>
-                          <m:t>𝑽</m:t>
-                        </m:r>
-                      </m:sub>
-                    </m:sSub>
-                  </m:oMath>
-                </a14:m>
-                <a:r>
-                  <a:rPr lang="en-US" sz="2200" i="1" dirty="0">
-                    <a:solidFill>
-                      <a:srgbClr val="7030A0"/>
-                    </a:solidFill>
-                  </a:rPr>
-                  <a:t> </a:t>
-                </a:r>
-                <a:r>
-                  <a:rPr lang="en-US" sz="2200" dirty="0">
-                    <a:solidFill>
-                      <a:srgbClr val="7030A0"/>
-                    </a:solidFill>
-                  </a:rPr>
-                  <a:t>and </a:t>
-                </a:r>
-                <a14:m>
-                  <m:oMath xmlns:m="http://schemas.openxmlformats.org/officeDocument/2006/math">
-                    <m:sSub>
-                      <m:sSubPr>
-                        <m:ctrlPr>
-                          <a:rPr lang="en-US" sz="2200" b="1" i="1">
-                            <a:solidFill>
-                              <a:srgbClr val="7030A0"/>
-                            </a:solidFill>
-                            <a:latin typeface="Cambria Math" panose="02040503050406030204" pitchFamily="18" charset="0"/>
-                          </a:rPr>
-                        </m:ctrlPr>
-                      </m:sSubPr>
-                      <m:e>
-                        <m:r>
-                          <a:rPr lang="en-US" sz="2200" b="1" i="1">
-                            <a:solidFill>
-                              <a:srgbClr val="7030A0"/>
-                            </a:solidFill>
-                            <a:latin typeface="Cambria Math" panose="02040503050406030204" pitchFamily="18" charset="0"/>
-                            <a:ea typeface="Cambria Math" panose="02040503050406030204" pitchFamily="18" charset="0"/>
-                          </a:rPr>
-                          <m:t>𝝅</m:t>
-                        </m:r>
-                      </m:e>
-                      <m:sub>
-                        <m:r>
-                          <a:rPr lang="en-US" sz="2200" b="1" i="1">
-                            <a:solidFill>
-                              <a:srgbClr val="7030A0"/>
-                            </a:solidFill>
-                            <a:latin typeface="Cambria Math" panose="02040503050406030204" pitchFamily="18" charset="0"/>
-                          </a:rPr>
-                          <m:t>𝑻</m:t>
-                        </m:r>
-                      </m:sub>
-                    </m:sSub>
-                  </m:oMath>
-                </a14:m>
-                <a:r>
-                  <a:rPr lang="en-US" sz="2200" dirty="0">
-                    <a:solidFill>
-                      <a:srgbClr val="7030A0"/>
-                    </a:solidFill>
-                  </a:rPr>
-                  <a:t>.</a:t>
-                </a:r>
-                <a:r>
-                  <a:rPr lang="en-US" sz="2200" i="1" dirty="0">
-                    <a:solidFill>
-                      <a:srgbClr val="7030A0"/>
-                    </a:solidFill>
-                  </a:rPr>
-                  <a:t> </a:t>
-                </a:r>
-                <a:r>
-                  <a:rPr lang="en-US" sz="2200" dirty="0">
-                    <a:solidFill>
-                      <a:srgbClr val="7030A0"/>
-                    </a:solidFill>
-                  </a:rPr>
-                  <a:t>To do this, you’ll need to decide on what </a:t>
-                </a:r>
-                <a14:m>
-                  <m:oMath xmlns:m="http://schemas.openxmlformats.org/officeDocument/2006/math">
-                    <m:sSub>
-                      <m:sSubPr>
-                        <m:ctrlPr>
-                          <a:rPr lang="en-US" sz="2200" i="1">
-                            <a:solidFill>
-                              <a:srgbClr val="7030A0"/>
-                            </a:solidFill>
-                            <a:latin typeface="Cambria Math" panose="02040503050406030204" pitchFamily="18" charset="0"/>
-                          </a:rPr>
-                        </m:ctrlPr>
-                      </m:sSubPr>
-                      <m:e>
-                        <m:r>
-                          <a:rPr lang="en-US" sz="2200" i="1">
-                            <a:solidFill>
-                              <a:srgbClr val="7030A0"/>
-                            </a:solidFill>
-                            <a:latin typeface="Cambria Math" panose="02040503050406030204" pitchFamily="18" charset="0"/>
-                          </a:rPr>
-                          <m:t>𝑓</m:t>
-                        </m:r>
-                      </m:e>
-                      <m:sub>
-                        <m:r>
-                          <m:rPr>
-                            <m:lit/>
-                            <m:nor/>
-                          </m:rPr>
-                          <a:rPr lang="en-US" sz="2200">
-                            <a:solidFill>
-                              <a:srgbClr val="7030A0"/>
-                            </a:solidFill>
-                            <a:latin typeface="Cambria Math" panose="02040503050406030204" pitchFamily="18" charset="0"/>
-                          </a:rPr>
-                          <m:t>rot</m:t>
-                        </m:r>
-                      </m:sub>
-                    </m:sSub>
-                    <m:r>
-                      <a:rPr lang="en-US" sz="2200" i="1">
-                        <a:solidFill>
-                          <a:srgbClr val="7030A0"/>
-                        </a:solidFill>
-                        <a:latin typeface="Cambria Math" panose="02040503050406030204" pitchFamily="18" charset="0"/>
-                      </a:rPr>
-                      <m:t>(</m:t>
-                    </m:r>
-                    <m:r>
-                      <a:rPr lang="en-US" sz="2200" i="1">
-                        <a:solidFill>
-                          <a:srgbClr val="7030A0"/>
-                        </a:solidFill>
-                        <a:latin typeface="Cambria Math" panose="02040503050406030204" pitchFamily="18" charset="0"/>
-                      </a:rPr>
-                      <m:t>𝑇</m:t>
-                    </m:r>
-                    <m:r>
-                      <a:rPr lang="en-US" sz="2200" i="1">
-                        <a:solidFill>
-                          <a:srgbClr val="7030A0"/>
-                        </a:solidFill>
-                        <a:latin typeface="Cambria Math" panose="02040503050406030204" pitchFamily="18" charset="0"/>
-                      </a:rPr>
-                      <m:t>)</m:t>
-                    </m:r>
-                  </m:oMath>
-                </a14:m>
-                <a:r>
-                  <a:rPr lang="en-US" sz="2200" dirty="0">
-                    <a:solidFill>
-                      <a:srgbClr val="7030A0"/>
-                    </a:solidFill>
-                  </a:rPr>
-                  <a:t> and </a:t>
-                </a:r>
-                <a14:m>
-                  <m:oMath xmlns:m="http://schemas.openxmlformats.org/officeDocument/2006/math">
-                    <m:sSub>
-                      <m:sSubPr>
-                        <m:ctrlPr>
-                          <a:rPr lang="en-US" sz="2200" i="1">
-                            <a:solidFill>
-                              <a:srgbClr val="7030A0"/>
-                            </a:solidFill>
-                            <a:latin typeface="Cambria Math" panose="02040503050406030204" pitchFamily="18" charset="0"/>
-                          </a:rPr>
-                        </m:ctrlPr>
-                      </m:sSubPr>
-                      <m:e>
-                        <m:r>
-                          <a:rPr lang="en-US" sz="2200" i="1">
-                            <a:solidFill>
-                              <a:srgbClr val="7030A0"/>
-                            </a:solidFill>
-                            <a:latin typeface="Cambria Math" panose="02040503050406030204" pitchFamily="18" charset="0"/>
-                          </a:rPr>
-                          <m:t>𝑓</m:t>
-                        </m:r>
-                      </m:e>
-                      <m:sub>
-                        <m:r>
-                          <m:rPr>
-                            <m:lit/>
-                            <m:nor/>
-                          </m:rPr>
-                          <a:rPr lang="en-US" sz="2200">
-                            <a:solidFill>
-                              <a:srgbClr val="7030A0"/>
-                            </a:solidFill>
-                          </a:rPr>
-                          <m:t>vib</m:t>
-                        </m:r>
-                      </m:sub>
-                    </m:sSub>
-                    <m:r>
-                      <a:rPr lang="en-US" sz="2200" i="1">
-                        <a:solidFill>
-                          <a:srgbClr val="7030A0"/>
-                        </a:solidFill>
-                        <a:latin typeface="Cambria Math" panose="02040503050406030204" pitchFamily="18" charset="0"/>
-                      </a:rPr>
-                      <m:t>(</m:t>
-                    </m:r>
-                    <m:r>
-                      <a:rPr lang="en-US" sz="2200" i="1">
-                        <a:solidFill>
-                          <a:srgbClr val="7030A0"/>
-                        </a:solidFill>
-                        <a:latin typeface="Cambria Math" panose="02040503050406030204" pitchFamily="18" charset="0"/>
-                      </a:rPr>
-                      <m:t>𝑇</m:t>
-                    </m:r>
-                    <m:r>
-                      <a:rPr lang="en-US" sz="2200" i="1">
-                        <a:solidFill>
-                          <a:srgbClr val="7030A0"/>
-                        </a:solidFill>
-                        <a:latin typeface="Cambria Math" panose="02040503050406030204" pitchFamily="18" charset="0"/>
-                      </a:rPr>
-                      <m:t>)</m:t>
-                    </m:r>
-                  </m:oMath>
-                </a14:m>
-                <a:r>
-                  <a:rPr lang="en-US" sz="2200" dirty="0">
-                    <a:solidFill>
-                      <a:srgbClr val="7030A0"/>
-                    </a:solidFill>
-                  </a:rPr>
-                  <a:t> look like in the classical limit.</a:t>
-                </a:r>
-              </a:p>
-              <a:p>
-                <a:pPr marL="457200" indent="-457200">
-                  <a:buFont typeface="+mj-lt"/>
-                  <a:buAutoNum type="arabicPeriod"/>
-                </a:pPr>
-                <a:endParaRPr lang="en-US" sz="2200" i="1" dirty="0">
-                  <a:solidFill>
-                    <a:srgbClr val="7030A0"/>
-                  </a:solidFill>
-                  <a:latin typeface="Cambria Math" panose="02040503050406030204" pitchFamily="18" charset="0"/>
-                </a:endParaRPr>
-              </a:p>
-              <a:p>
-                <a:pPr marL="457200" indent="-457200">
-                  <a:buFont typeface="+mj-lt"/>
-                  <a:buAutoNum type="arabicPeriod"/>
-                </a:pPr>
-                <a:r>
-                  <a:rPr lang="en-US" sz="2200" dirty="0">
-                    <a:solidFill>
-                      <a:srgbClr val="7030A0"/>
-                    </a:solidFill>
-                  </a:rPr>
-                  <a:t>Use these expressions to calculate numerical values of </a:t>
-                </a:r>
-                <a14:m>
-                  <m:oMath xmlns:m="http://schemas.openxmlformats.org/officeDocument/2006/math">
-                    <m:sSub>
-                      <m:sSubPr>
-                        <m:ctrlPr>
-                          <a:rPr lang="en-US" sz="2200" i="1" smtClean="0">
-                            <a:solidFill>
-                              <a:srgbClr val="7030A0"/>
-                            </a:solidFill>
-                            <a:latin typeface="Cambria Math" panose="02040503050406030204" pitchFamily="18" charset="0"/>
-                          </a:rPr>
-                        </m:ctrlPr>
-                      </m:sSubPr>
-                      <m:e>
-                        <m:r>
-                          <a:rPr lang="en-US" sz="2200" b="0" i="1">
-                            <a:solidFill>
-                              <a:srgbClr val="7030A0"/>
-                            </a:solidFill>
-                            <a:latin typeface="Cambria Math" panose="02040503050406030204" pitchFamily="18" charset="0"/>
-                            <a:ea typeface="Cambria Math" panose="02040503050406030204" pitchFamily="18" charset="0"/>
-                          </a:rPr>
-                          <m:t>𝜋</m:t>
-                        </m:r>
-                      </m:e>
-                      <m:sub>
-                        <m:r>
-                          <a:rPr lang="en-US" sz="2200" b="0" i="1">
-                            <a:solidFill>
-                              <a:srgbClr val="7030A0"/>
-                            </a:solidFill>
-                            <a:latin typeface="Cambria Math" panose="02040503050406030204" pitchFamily="18" charset="0"/>
-                          </a:rPr>
-                          <m:t>𝑇</m:t>
-                        </m:r>
-                      </m:sub>
-                    </m:sSub>
-                  </m:oMath>
-                </a14:m>
-                <a:r>
-                  <a:rPr lang="en-US" sz="2200" dirty="0">
-                    <a:solidFill>
-                      <a:srgbClr val="7030A0"/>
-                    </a:solidFill>
-                  </a:rPr>
-                  <a:t> and </a:t>
-                </a:r>
-                <a14:m>
-                  <m:oMath xmlns:m="http://schemas.openxmlformats.org/officeDocument/2006/math">
-                    <m:sSub>
-                      <m:sSubPr>
-                        <m:ctrlPr>
-                          <a:rPr lang="en-US" sz="2200" i="1">
-                            <a:solidFill>
-                              <a:srgbClr val="7030A0"/>
-                            </a:solidFill>
-                            <a:latin typeface="Cambria Math" panose="02040503050406030204" pitchFamily="18" charset="0"/>
-                          </a:rPr>
-                        </m:ctrlPr>
-                      </m:sSubPr>
-                      <m:e>
-                        <m:r>
-                          <a:rPr lang="en-US" sz="2200" i="1">
-                            <a:solidFill>
-                              <a:srgbClr val="7030A0"/>
-                            </a:solidFill>
-                            <a:latin typeface="Cambria Math" panose="02040503050406030204" pitchFamily="18" charset="0"/>
-                          </a:rPr>
-                          <m:t>𝐶</m:t>
-                        </m:r>
-                      </m:e>
-                      <m:sub>
-                        <m:r>
-                          <a:rPr lang="en-US" sz="2200" i="1">
-                            <a:solidFill>
-                              <a:srgbClr val="7030A0"/>
-                            </a:solidFill>
-                            <a:latin typeface="Cambria Math" panose="02040503050406030204" pitchFamily="18" charset="0"/>
-                          </a:rPr>
-                          <m:t>𝑉</m:t>
-                        </m:r>
-                      </m:sub>
-                    </m:sSub>
-                  </m:oMath>
-                </a14:m>
-                <a:r>
-                  <a:rPr lang="en-US" sz="2200" dirty="0">
-                    <a:solidFill>
-                      <a:srgbClr val="7030A0"/>
-                    </a:solidFill>
-                  </a:rPr>
-                  <a:t>, in bar (for </a:t>
-                </a:r>
-                <a14:m>
-                  <m:oMath xmlns:m="http://schemas.openxmlformats.org/officeDocument/2006/math">
-                    <m:sSub>
-                      <m:sSubPr>
-                        <m:ctrlPr>
-                          <a:rPr lang="en-US" sz="2200" i="1">
-                            <a:solidFill>
-                              <a:srgbClr val="7030A0"/>
-                            </a:solidFill>
-                            <a:latin typeface="Cambria Math" panose="02040503050406030204" pitchFamily="18" charset="0"/>
-                          </a:rPr>
-                        </m:ctrlPr>
-                      </m:sSubPr>
-                      <m:e>
-                        <m:r>
-                          <a:rPr lang="en-US" sz="2200" i="1">
-                            <a:solidFill>
-                              <a:srgbClr val="7030A0"/>
-                            </a:solidFill>
-                            <a:latin typeface="Cambria Math" panose="02040503050406030204" pitchFamily="18" charset="0"/>
-                            <a:ea typeface="Cambria Math" panose="02040503050406030204" pitchFamily="18" charset="0"/>
-                          </a:rPr>
-                          <m:t>𝜋</m:t>
-                        </m:r>
-                      </m:e>
-                      <m:sub>
-                        <m:r>
-                          <a:rPr lang="en-US" sz="2200" i="1">
-                            <a:solidFill>
-                              <a:srgbClr val="7030A0"/>
-                            </a:solidFill>
-                            <a:latin typeface="Cambria Math" panose="02040503050406030204" pitchFamily="18" charset="0"/>
-                          </a:rPr>
-                          <m:t>𝑇</m:t>
-                        </m:r>
-                      </m:sub>
-                    </m:sSub>
-                  </m:oMath>
-                </a14:m>
-                <a:r>
-                  <a:rPr lang="en-US" sz="2200" dirty="0">
-                    <a:solidFill>
-                      <a:srgbClr val="7030A0"/>
-                    </a:solidFill>
-                  </a:rPr>
-                  <a:t>) and </a:t>
-                </a:r>
-                <a:r>
-                  <a:rPr lang="en-US" sz="2200" i="1" dirty="0">
-                    <a:solidFill>
-                      <a:srgbClr val="7030A0"/>
-                    </a:solidFill>
-                  </a:rPr>
-                  <a:t>J/mol-K</a:t>
-                </a:r>
-                <a:r>
-                  <a:rPr lang="en-US" sz="2200" dirty="0">
-                    <a:solidFill>
-                      <a:srgbClr val="7030A0"/>
-                    </a:solidFill>
-                  </a:rPr>
-                  <a:t> (for </a:t>
-                </a:r>
-                <a14:m>
-                  <m:oMath xmlns:m="http://schemas.openxmlformats.org/officeDocument/2006/math">
-                    <m:sSub>
-                      <m:sSubPr>
-                        <m:ctrlPr>
-                          <a:rPr lang="en-US" sz="2200" i="1">
-                            <a:solidFill>
-                              <a:srgbClr val="7030A0"/>
-                            </a:solidFill>
-                            <a:latin typeface="Cambria Math" panose="02040503050406030204" pitchFamily="18" charset="0"/>
-                          </a:rPr>
-                        </m:ctrlPr>
-                      </m:sSubPr>
-                      <m:e>
-                        <m:r>
-                          <a:rPr lang="en-US" sz="2200" i="1">
-                            <a:solidFill>
-                              <a:srgbClr val="7030A0"/>
-                            </a:solidFill>
-                            <a:latin typeface="Cambria Math" panose="02040503050406030204" pitchFamily="18" charset="0"/>
-                          </a:rPr>
-                          <m:t>𝐶</m:t>
-                        </m:r>
-                      </m:e>
-                      <m:sub>
-                        <m:r>
-                          <a:rPr lang="en-US" sz="2200" i="1">
-                            <a:solidFill>
-                              <a:srgbClr val="7030A0"/>
-                            </a:solidFill>
-                            <a:latin typeface="Cambria Math" panose="02040503050406030204" pitchFamily="18" charset="0"/>
-                          </a:rPr>
-                          <m:t>𝑉</m:t>
-                        </m:r>
-                      </m:sub>
-                    </m:sSub>
-                  </m:oMath>
-                </a14:m>
-                <a:r>
-                  <a:rPr lang="en-US" sz="2200" dirty="0">
-                    <a:solidFill>
-                      <a:srgbClr val="7030A0"/>
-                    </a:solidFill>
-                  </a:rPr>
-                  <a:t>), at </a:t>
-                </a:r>
-                <a14:m>
-                  <m:oMath xmlns:m="http://schemas.openxmlformats.org/officeDocument/2006/math">
-                    <m:r>
-                      <a:rPr lang="en-US" sz="2200" i="1" dirty="0" smtClean="0">
-                        <a:solidFill>
-                          <a:srgbClr val="7030A0"/>
-                        </a:solidFill>
-                        <a:latin typeface="Cambria Math" panose="02040503050406030204" pitchFamily="18" charset="0"/>
-                      </a:rPr>
-                      <m:t>3</m:t>
-                    </m:r>
-                    <m:r>
-                      <a:rPr lang="en-US" sz="2200" i="1">
-                        <a:solidFill>
-                          <a:srgbClr val="7030A0"/>
-                        </a:solidFill>
-                        <a:latin typeface="Cambria Math" panose="02040503050406030204" pitchFamily="18" charset="0"/>
-                      </a:rPr>
-                      <m:t>00 </m:t>
-                    </m:r>
-                    <m:r>
-                      <a:rPr lang="en-US" sz="2200" i="1">
-                        <a:solidFill>
-                          <a:srgbClr val="7030A0"/>
-                        </a:solidFill>
-                        <a:latin typeface="Cambria Math" panose="02040503050406030204" pitchFamily="18" charset="0"/>
-                      </a:rPr>
-                      <m:t>𝐾</m:t>
-                    </m:r>
-                  </m:oMath>
-                </a14:m>
-                <a:r>
-                  <a:rPr lang="en-US" sz="2200" dirty="0">
-                    <a:solidFill>
-                      <a:srgbClr val="7030A0"/>
-                    </a:solidFill>
-                  </a:rPr>
-                  <a:t>, when the gas is confined to a volume of </a:t>
-                </a:r>
-                <a14:m>
-                  <m:oMath xmlns:m="http://schemas.openxmlformats.org/officeDocument/2006/math">
-                    <m:r>
-                      <a:rPr lang="en-US" sz="2200" b="0" i="1" smtClean="0">
-                        <a:solidFill>
-                          <a:srgbClr val="7030A0"/>
-                        </a:solidFill>
-                        <a:latin typeface="Cambria Math" panose="02040503050406030204" pitchFamily="18" charset="0"/>
-                      </a:rPr>
-                      <m:t>2 </m:t>
-                    </m:r>
-                    <m:r>
-                      <a:rPr lang="en-US" sz="2200" b="0" i="1" smtClean="0">
-                        <a:solidFill>
-                          <a:srgbClr val="7030A0"/>
-                        </a:solidFill>
-                        <a:latin typeface="Cambria Math" panose="02040503050406030204" pitchFamily="18" charset="0"/>
-                      </a:rPr>
-                      <m:t>𝐿𝑖𝑡𝑒𝑟𝑠</m:t>
-                    </m:r>
-                  </m:oMath>
-                </a14:m>
-                <a:r>
-                  <a:rPr lang="en-US" sz="2200" dirty="0">
-                    <a:solidFill>
-                      <a:srgbClr val="7030A0"/>
-                    </a:solidFill>
-                  </a:rPr>
-                  <a:t>. See </a:t>
-                </a:r>
-                <a:r>
-                  <a:rPr lang="en-US" sz="2200" dirty="0">
-                    <a:solidFill>
-                      <a:srgbClr val="7030A0"/>
-                    </a:solidFill>
-                    <a:hlinkClick r:id="rId2">
-                      <a:extLst>
-                        <a:ext uri="{A12FA001-AC4F-418D-AE19-62706E023703}">
-                          <ahyp:hlinkClr xmlns:ahyp="http://schemas.microsoft.com/office/drawing/2018/hyperlinkcolor" val="tx"/>
-                        </a:ext>
-                      </a:extLst>
-                    </a:hlinkClick>
-                  </a:rPr>
-                  <a:t>https://en.wikipedia.org/wiki/Van_der_Waals_constants_(data_page)</a:t>
-                </a:r>
-                <a:r>
-                  <a:rPr lang="en-US" sz="2200" dirty="0">
-                    <a:solidFill>
-                      <a:srgbClr val="7030A0"/>
-                    </a:solidFill>
-                  </a:rPr>
-                  <a:t> </a:t>
-                </a:r>
-              </a:p>
-              <a:p>
-                <a:pPr marL="457200" indent="-457200">
-                  <a:buFont typeface="+mj-lt"/>
-                  <a:buAutoNum type="arabicPeriod"/>
-                </a:pPr>
-                <a:endParaRPr lang="en-US" sz="2200" dirty="0">
-                  <a:solidFill>
-                    <a:srgbClr val="7030A0"/>
-                  </a:solidFill>
-                </a:endParaRPr>
-              </a:p>
-              <a:p>
-                <a:pPr marL="457200" indent="-457200">
-                  <a:buFont typeface="+mj-lt"/>
-                  <a:buAutoNum type="arabicPeriod"/>
-                </a:pPr>
-                <a:r>
-                  <a:rPr lang="en-US" sz="2200" dirty="0">
-                    <a:solidFill>
-                      <a:srgbClr val="7030A0"/>
-                    </a:solidFill>
-                  </a:rPr>
-                  <a:t>Calculate </a:t>
-                </a:r>
-                <a14:m>
-                  <m:oMath xmlns:m="http://schemas.openxmlformats.org/officeDocument/2006/math">
-                    <m:r>
-                      <a:rPr lang="en-US" sz="2200" b="1" i="1">
-                        <a:solidFill>
-                          <a:srgbClr val="7030A0"/>
-                        </a:solidFill>
-                        <a:latin typeface="Cambria Math" panose="02040503050406030204" pitchFamily="18" charset="0"/>
-                        <a:ea typeface="Cambria Math" panose="02040503050406030204" pitchFamily="18" charset="0"/>
-                      </a:rPr>
-                      <m:t>∆</m:t>
-                    </m:r>
-                    <m:r>
-                      <a:rPr lang="en-US" sz="2200" b="1" i="1">
-                        <a:solidFill>
-                          <a:srgbClr val="7030A0"/>
-                        </a:solidFill>
-                        <a:latin typeface="Cambria Math" panose="02040503050406030204" pitchFamily="18" charset="0"/>
-                      </a:rPr>
-                      <m:t>𝑼</m:t>
-                    </m:r>
-                  </m:oMath>
-                </a14:m>
-                <a:r>
-                  <a:rPr lang="en-US" sz="2200" b="1" dirty="0">
-                    <a:solidFill>
-                      <a:srgbClr val="7030A0"/>
-                    </a:solidFill>
-                  </a:rPr>
-                  <a:t> </a:t>
-                </a:r>
-                <a:r>
-                  <a:rPr lang="en-US" sz="2200" dirty="0">
-                    <a:solidFill>
-                      <a:srgbClr val="7030A0"/>
-                    </a:solidFill>
-                  </a:rPr>
-                  <a:t>(in </a:t>
-                </a:r>
-                <a14:m>
-                  <m:oMath xmlns:m="http://schemas.openxmlformats.org/officeDocument/2006/math">
-                    <m:r>
-                      <a:rPr lang="en-US" sz="2200" i="1">
-                        <a:solidFill>
-                          <a:srgbClr val="7030A0"/>
-                        </a:solidFill>
-                        <a:latin typeface="Cambria Math" panose="02040503050406030204" pitchFamily="18" charset="0"/>
-                      </a:rPr>
-                      <m:t>𝑘𝐽</m:t>
-                    </m:r>
-                  </m:oMath>
-                </a14:m>
-                <a:r>
-                  <a:rPr lang="en-US" sz="2200" dirty="0">
-                    <a:solidFill>
-                      <a:srgbClr val="7030A0"/>
-                    </a:solidFill>
-                  </a:rPr>
-                  <a:t>) when one mole of </a:t>
-                </a:r>
-                <a14:m>
-                  <m:oMath xmlns:m="http://schemas.openxmlformats.org/officeDocument/2006/math">
-                    <m:sSub>
-                      <m:sSubPr>
-                        <m:ctrlPr>
-                          <a:rPr lang="en-US" sz="2200" i="1">
-                            <a:solidFill>
-                              <a:srgbClr val="7030A0"/>
-                            </a:solidFill>
-                            <a:latin typeface="Cambria Math" panose="02040503050406030204" pitchFamily="18" charset="0"/>
-                          </a:rPr>
-                        </m:ctrlPr>
-                      </m:sSubPr>
-                      <m:e>
-                        <m:r>
-                          <a:rPr lang="en-US" sz="2200" b="0" i="1">
-                            <a:solidFill>
-                              <a:srgbClr val="7030A0"/>
-                            </a:solidFill>
-                            <a:latin typeface="Cambria Math" panose="02040503050406030204" pitchFamily="18" charset="0"/>
-                          </a:rPr>
-                          <m:t>𝑁</m:t>
-                        </m:r>
-                      </m:e>
-                      <m:sub>
-                        <m:r>
-                          <a:rPr lang="en-US" sz="2200" b="0" i="1">
-                            <a:solidFill>
-                              <a:srgbClr val="7030A0"/>
-                            </a:solidFill>
-                            <a:latin typeface="Cambria Math" panose="02040503050406030204" pitchFamily="18" charset="0"/>
-                          </a:rPr>
-                          <m:t>2</m:t>
-                        </m:r>
-                      </m:sub>
-                    </m:sSub>
-                  </m:oMath>
-                </a14:m>
-                <a:r>
-                  <a:rPr lang="en-US" sz="2200" dirty="0">
-                    <a:solidFill>
-                      <a:srgbClr val="7030A0"/>
-                    </a:solidFill>
-                  </a:rPr>
-                  <a:t>(g) is heated from </a:t>
-                </a:r>
-                <a14:m>
-                  <m:oMath xmlns:m="http://schemas.openxmlformats.org/officeDocument/2006/math">
-                    <m:r>
-                      <a:rPr lang="en-US" sz="2200" i="1">
-                        <a:solidFill>
-                          <a:srgbClr val="7030A0"/>
-                        </a:solidFill>
-                        <a:latin typeface="Cambria Math" panose="02040503050406030204" pitchFamily="18" charset="0"/>
-                      </a:rPr>
-                      <m:t>𝑇</m:t>
-                    </m:r>
-                    <m:r>
-                      <a:rPr lang="en-US" sz="2200" i="1">
-                        <a:solidFill>
-                          <a:srgbClr val="7030A0"/>
-                        </a:solidFill>
-                        <a:latin typeface="Cambria Math" panose="02040503050406030204" pitchFamily="18" charset="0"/>
-                      </a:rPr>
-                      <m:t>=300</m:t>
-                    </m:r>
-                  </m:oMath>
-                </a14:m>
-                <a:r>
-                  <a:rPr lang="en-US" sz="2200" dirty="0">
-                    <a:solidFill>
-                      <a:srgbClr val="7030A0"/>
-                    </a:solidFill>
-                  </a:rPr>
-                  <a:t> to </a:t>
-                </a:r>
-                <a14:m>
-                  <m:oMath xmlns:m="http://schemas.openxmlformats.org/officeDocument/2006/math">
-                    <m:r>
-                      <a:rPr lang="en-US" sz="2200" i="1" dirty="0">
-                        <a:solidFill>
-                          <a:srgbClr val="7030A0"/>
-                        </a:solidFill>
-                        <a:latin typeface="Cambria Math" panose="02040503050406030204" pitchFamily="18" charset="0"/>
-                      </a:rPr>
-                      <m:t>4</m:t>
-                    </m:r>
-                    <m:r>
-                      <a:rPr lang="en-US" sz="2200" i="1">
-                        <a:solidFill>
-                          <a:srgbClr val="7030A0"/>
-                        </a:solidFill>
-                        <a:latin typeface="Cambria Math" panose="02040503050406030204" pitchFamily="18" charset="0"/>
-                      </a:rPr>
-                      <m:t>00 </m:t>
-                    </m:r>
-                    <m:r>
-                      <a:rPr lang="en-US" sz="2200" i="1">
-                        <a:solidFill>
-                          <a:srgbClr val="7030A0"/>
-                        </a:solidFill>
-                        <a:latin typeface="Cambria Math" panose="02040503050406030204" pitchFamily="18" charset="0"/>
-                      </a:rPr>
-                      <m:t>𝐾</m:t>
-                    </m:r>
-                  </m:oMath>
-                </a14:m>
-                <a:r>
-                  <a:rPr lang="en-US" sz="2200" dirty="0">
-                    <a:solidFill>
-                      <a:srgbClr val="7030A0"/>
-                    </a:solidFill>
-                  </a:rPr>
-                  <a:t>, at a fixed volume of </a:t>
-                </a:r>
-                <a14:m>
-                  <m:oMath xmlns:m="http://schemas.openxmlformats.org/officeDocument/2006/math">
-                    <m:r>
-                      <a:rPr lang="en-US" sz="2200" i="1">
-                        <a:solidFill>
-                          <a:srgbClr val="7030A0"/>
-                        </a:solidFill>
-                        <a:latin typeface="Cambria Math" panose="02040503050406030204" pitchFamily="18" charset="0"/>
-                      </a:rPr>
-                      <m:t>2 </m:t>
-                    </m:r>
-                    <m:r>
-                      <a:rPr lang="en-US" sz="2200" i="1">
-                        <a:solidFill>
-                          <a:srgbClr val="7030A0"/>
-                        </a:solidFill>
-                        <a:latin typeface="Cambria Math" panose="02040503050406030204" pitchFamily="18" charset="0"/>
-                      </a:rPr>
-                      <m:t>𝐿𝑖𝑡𝑒𝑟𝑠</m:t>
-                    </m:r>
-                  </m:oMath>
-                </a14:m>
-                <a:r>
-                  <a:rPr lang="en-US" sz="2200" dirty="0">
-                    <a:solidFill>
-                      <a:srgbClr val="7030A0"/>
-                    </a:solidFill>
-                  </a:rPr>
-                  <a:t>. To do this, you can take the difference in </a:t>
-                </a:r>
-                <a14:m>
-                  <m:oMath xmlns:m="http://schemas.openxmlformats.org/officeDocument/2006/math">
-                    <m:r>
-                      <a:rPr lang="en-US" sz="2200" i="1">
-                        <a:solidFill>
-                          <a:srgbClr val="7030A0"/>
-                        </a:solidFill>
-                        <a:latin typeface="Cambria Math" panose="02040503050406030204" pitchFamily="18" charset="0"/>
-                      </a:rPr>
-                      <m:t>𝑈</m:t>
-                    </m:r>
-                  </m:oMath>
-                </a14:m>
-                <a:r>
-                  <a:rPr lang="en-US" sz="2200" dirty="0">
-                    <a:solidFill>
-                      <a:srgbClr val="7030A0"/>
-                    </a:solidFill>
-                  </a:rPr>
-                  <a:t> evaluated at these two temperatures.</a:t>
-                </a:r>
-              </a:p>
-              <a:p>
-                <a:pPr marL="457200" indent="-457200">
-                  <a:buFont typeface="+mj-lt"/>
-                  <a:buAutoNum type="arabicPeriod"/>
-                </a:pPr>
-                <a:endParaRPr lang="en-US" sz="2200" dirty="0">
-                  <a:solidFill>
-                    <a:srgbClr val="7030A0"/>
-                  </a:solidFill>
-                </a:endParaRPr>
-              </a:p>
-              <a:p>
-                <a:pPr marL="457200" indent="-457200">
-                  <a:buFont typeface="+mj-lt"/>
-                  <a:buAutoNum type="arabicPeriod"/>
-                </a:pPr>
-                <a:r>
-                  <a:rPr lang="en-US" sz="2200" dirty="0">
-                    <a:solidFill>
-                      <a:srgbClr val="7030A0"/>
-                    </a:solidFill>
-                  </a:rPr>
-                  <a:t>Repeat #1, but instead of a vdw gas, assume a Berthelot gas (</a:t>
-                </a:r>
-                <a14:m>
-                  <m:oMath xmlns:m="http://schemas.openxmlformats.org/officeDocument/2006/math">
-                    <m:sSub>
-                      <m:sSubPr>
-                        <m:ctrlPr>
-                          <a:rPr lang="en-US" sz="2200" i="1">
-                            <a:solidFill>
-                              <a:srgbClr val="7030A0"/>
-                            </a:solidFill>
-                            <a:latin typeface="Cambria Math" panose="02040503050406030204" pitchFamily="18" charset="0"/>
-                          </a:rPr>
-                        </m:ctrlPr>
-                      </m:sSubPr>
-                      <m:e>
-                        <m:r>
-                          <a:rPr lang="en-US" sz="2200" i="1">
-                            <a:solidFill>
-                              <a:srgbClr val="7030A0"/>
-                            </a:solidFill>
-                            <a:latin typeface="Cambria Math" panose="02040503050406030204" pitchFamily="18" charset="0"/>
-                          </a:rPr>
-                          <m:t>𝑓</m:t>
-                        </m:r>
-                      </m:e>
-                      <m:sub>
-                        <m:r>
-                          <m:rPr>
-                            <m:lit/>
-                            <m:nor/>
-                          </m:rPr>
-                          <a:rPr lang="en-US" sz="2200">
-                            <a:solidFill>
-                              <a:srgbClr val="7030A0"/>
-                            </a:solidFill>
-                          </a:rPr>
-                          <m:t>intermol</m:t>
-                        </m:r>
-                      </m:sub>
-                    </m:sSub>
-                    <m:r>
-                      <a:rPr lang="en-US" sz="2200" i="1">
-                        <a:solidFill>
-                          <a:srgbClr val="7030A0"/>
-                        </a:solidFill>
-                        <a:latin typeface="Cambria Math" panose="02040503050406030204" pitchFamily="18" charset="0"/>
-                      </a:rPr>
-                      <m:t>=−</m:t>
-                    </m:r>
-                    <m:f>
-                      <m:fPr>
-                        <m:ctrlPr>
-                          <a:rPr lang="en-US" sz="2200" i="1">
-                            <a:solidFill>
-                              <a:srgbClr val="7030A0"/>
-                            </a:solidFill>
-                            <a:latin typeface="Cambria Math" panose="02040503050406030204" pitchFamily="18" charset="0"/>
-                          </a:rPr>
-                        </m:ctrlPr>
-                      </m:fPr>
-                      <m:num>
-                        <m:r>
-                          <a:rPr lang="en-US" sz="2200" i="1">
-                            <a:solidFill>
-                              <a:srgbClr val="7030A0"/>
-                            </a:solidFill>
-                            <a:latin typeface="Cambria Math" panose="02040503050406030204" pitchFamily="18" charset="0"/>
-                          </a:rPr>
-                          <m:t>2</m:t>
-                        </m:r>
-                        <m:r>
-                          <a:rPr lang="en-US" sz="2200" i="1">
-                            <a:solidFill>
-                              <a:srgbClr val="7030A0"/>
-                            </a:solidFill>
-                            <a:latin typeface="Cambria Math" panose="02040503050406030204" pitchFamily="18" charset="0"/>
-                          </a:rPr>
-                          <m:t>𝑎𝑛</m:t>
-                        </m:r>
-                      </m:num>
-                      <m:den>
-                        <m:r>
-                          <a:rPr lang="en-US" sz="2200" i="1">
-                            <a:solidFill>
-                              <a:srgbClr val="7030A0"/>
-                            </a:solidFill>
-                            <a:latin typeface="Cambria Math" panose="02040503050406030204" pitchFamily="18" charset="0"/>
-                          </a:rPr>
-                          <m:t>𝑉𝑇</m:t>
-                        </m:r>
-                      </m:den>
-                    </m:f>
-                    <m:r>
-                      <a:rPr lang="en-US" sz="2200" i="1">
-                        <a:solidFill>
-                          <a:srgbClr val="7030A0"/>
-                        </a:solidFill>
-                        <a:latin typeface="Cambria Math" panose="02040503050406030204" pitchFamily="18" charset="0"/>
-                      </a:rPr>
-                      <m:t> </m:t>
-                    </m:r>
-                  </m:oMath>
-                </a14:m>
-                <a:r>
-                  <a:rPr lang="en-US" sz="2200" dirty="0">
-                    <a:solidFill>
-                      <a:srgbClr val="7030A0"/>
-                    </a:solidFill>
-                  </a:rPr>
-                  <a:t>).</a:t>
-                </a:r>
-              </a:p>
-            </p:txBody>
-          </p:sp>
-        </mc:Choice>
-        <mc:Fallback>
-          <p:sp>
-            <p:nvSpPr>
-              <p:cNvPr id="10" name="TextBox 9">
-                <a:extLst>
-                  <a:ext uri="{FF2B5EF4-FFF2-40B4-BE49-F238E27FC236}">
-                    <a16:creationId xmlns:a16="http://schemas.microsoft.com/office/drawing/2014/main" id="{09A8E12A-B6B3-9D43-B54E-00541A43BA46}"/>
-                  </a:ext>
-                </a:extLst>
-              </p:cNvPr>
-              <p:cNvSpPr txBox="1">
-                <a:spLocks noRot="1" noChangeAspect="1" noMove="1" noResize="1" noEditPoints="1" noAdjustHandles="1" noChangeArrowheads="1" noChangeShapeType="1" noTextEdit="1"/>
-              </p:cNvSpPr>
-              <p:nvPr/>
-            </p:nvSpPr>
-            <p:spPr>
-              <a:xfrm>
-                <a:off x="127375" y="580495"/>
-                <a:ext cx="11957050" cy="5612370"/>
-              </a:xfrm>
-              <a:prstGeom prst="rect">
-                <a:avLst/>
-              </a:prstGeom>
-              <a:blipFill>
-                <a:blip r:embed="rId3"/>
-                <a:stretch>
-                  <a:fillRect l="-743" r="-849" b="-226"/>
-                </a:stretch>
-              </a:blipFill>
-            </p:spPr>
-            <p:txBody>
-              <a:bodyPr/>
-              <a:lstStyle/>
-              <a:p>
-                <a:r>
-                  <a:rPr lang="en-US">
-                    <a:noFill/>
-                  </a:rPr>
-                  <a:t> </a:t>
-                </a:r>
-              </a:p>
-            </p:txBody>
-          </p:sp>
-        </mc:Fallback>
-      </mc:AlternateContent>
     </p:spTree>
     <p:extLst>
       <p:ext uri="{BB962C8B-B14F-4D97-AF65-F5344CB8AC3E}">
-        <p14:creationId xmlns:p14="http://schemas.microsoft.com/office/powerpoint/2010/main" val="3856316964"/>
+        <p14:creationId xmlns:p14="http://schemas.microsoft.com/office/powerpoint/2010/main" val="1609175228"/>
       </p:ext>
     </p:extLst>
   </p:cSld>
@@ -12031,7 +9439,7 @@
 </p:sld>
 </file>
 
-<file path=ppt/slides/slide18.xml><?xml version="1.0" encoding="utf-8"?>
+<file path=ppt/slides/slide16.xml><?xml version="1.0" encoding="utf-8"?>
 <p:sld xmlns:a="http://schemas.openxmlformats.org/drawingml/2006/main" xmlns:r="http://schemas.openxmlformats.org/officeDocument/2006/relationships" xmlns:p="http://schemas.openxmlformats.org/presentationml/2006/main">
   <p:cSld>
     <p:spTree>
@@ -12064,8 +9472,8 @@
             </p:nvSpPr>
             <p:spPr>
               <a:xfrm>
-                <a:off x="81024" y="22595"/>
-                <a:ext cx="11447362" cy="2308324"/>
+                <a:off x="798854" y="215102"/>
+                <a:ext cx="10729531" cy="2677656"/>
               </a:xfrm>
               <a:prstGeom prst="rect">
                 <a:avLst/>
@@ -12093,7 +9501,7 @@
                 </a:pPr>
                 <a:r>
                   <a:rPr lang="en-US" sz="2400" dirty="0"/>
-                  <a:t>When to use numerical and analytical methods of differential calculus.</a:t>
+                  <a:t>I know when to use numerical and analytical methods of differential calculus.</a:t>
                 </a:r>
               </a:p>
               <a:p>
@@ -12103,7 +9511,7 @@
                 </a:pPr>
                 <a:r>
                   <a:rPr lang="en-US" sz="2400" dirty="0"/>
-                  <a:t>How to use differential calculus to derive expressions for </a:t>
+                  <a:t>I know how to derive expressions for </a:t>
                 </a:r>
                 <a14:m>
                   <m:oMath xmlns:m="http://schemas.openxmlformats.org/officeDocument/2006/math">
@@ -12170,7 +9578,7 @@
                 </a14:m>
                 <a:r>
                   <a:rPr lang="en-US" sz="2400" dirty="0"/>
-                  <a:t> from algebraic expressions for </a:t>
+                  <a:t> from </a:t>
                 </a:r>
                 <a14:m>
                   <m:oMath xmlns:m="http://schemas.openxmlformats.org/officeDocument/2006/math">
@@ -12222,6 +9630,153 @@
                   <a:buFont typeface="+mj-lt"/>
                   <a:buAutoNum type="arabicPeriod"/>
                 </a:pPr>
+                <a:r>
+                  <a:rPr lang="en-US" sz="2400" dirty="0"/>
+                  <a:t>Given a speed probability density </a:t>
+                </a:r>
+                <a14:m>
+                  <m:oMath xmlns:m="http://schemas.openxmlformats.org/officeDocument/2006/math">
+                    <m:sSub>
+                      <m:sSubPr>
+                        <m:ctrlPr>
+                          <a:rPr lang="en-US" sz="2400" i="1">
+                            <a:latin typeface="Cambria Math" panose="02040503050406030204" pitchFamily="18" charset="0"/>
+                          </a:rPr>
+                        </m:ctrlPr>
+                      </m:sSubPr>
+                      <m:e>
+                        <m:r>
+                          <a:rPr lang="en-US" sz="2400" i="1">
+                            <a:latin typeface="Cambria Math" panose="02040503050406030204" pitchFamily="18" charset="0"/>
+                          </a:rPr>
+                          <m:t>𝑓</m:t>
+                        </m:r>
+                      </m:e>
+                      <m:sub>
+                        <m:r>
+                          <a:rPr lang="en-US" sz="2400" i="1">
+                            <a:latin typeface="Cambria Math" panose="02040503050406030204" pitchFamily="18" charset="0"/>
+                          </a:rPr>
+                          <m:t>𝑀</m:t>
+                        </m:r>
+                      </m:sub>
+                    </m:sSub>
+                    <m:r>
+                      <a:rPr lang="en-US" sz="2400" i="1">
+                        <a:latin typeface="Cambria Math" panose="02040503050406030204" pitchFamily="18" charset="0"/>
+                      </a:rPr>
+                      <m:t>(</m:t>
+                    </m:r>
+                    <m:r>
+                      <a:rPr lang="en-US" sz="2400" i="1">
+                        <a:latin typeface="Cambria Math" panose="02040503050406030204" pitchFamily="18" charset="0"/>
+                      </a:rPr>
+                      <m:t>𝑇</m:t>
+                    </m:r>
+                    <m:r>
+                      <a:rPr lang="en-US" sz="2400" i="1">
+                        <a:latin typeface="Cambria Math" panose="02040503050406030204" pitchFamily="18" charset="0"/>
+                      </a:rPr>
+                      <m:t>,</m:t>
+                    </m:r>
+                    <m:r>
+                      <a:rPr lang="en-US" sz="2400" i="1">
+                        <a:latin typeface="Cambria Math" panose="02040503050406030204" pitchFamily="18" charset="0"/>
+                      </a:rPr>
+                      <m:t>𝑣</m:t>
+                    </m:r>
+                    <m:r>
+                      <a:rPr lang="en-US" sz="2400" i="1">
+                        <a:latin typeface="Cambria Math" panose="02040503050406030204" pitchFamily="18" charset="0"/>
+                        <a:ea typeface="Cambria Math" panose="02040503050406030204" pitchFamily="18" charset="0"/>
+                      </a:rPr>
+                      <m:t>)</m:t>
+                    </m:r>
+                  </m:oMath>
+                </a14:m>
+                <a:r>
+                  <a:rPr lang="en-US" sz="2400" dirty="0"/>
+                  <a:t>, I know how to derive expressions for the kinetic probability density, </a:t>
+                </a:r>
+                <a14:m>
+                  <m:oMath xmlns:m="http://schemas.openxmlformats.org/officeDocument/2006/math">
+                    <m:sSubSup>
+                      <m:sSubSupPr>
+                        <m:ctrlPr>
+                          <a:rPr lang="en-US" sz="2400" b="0" i="1" smtClean="0">
+                            <a:latin typeface="Cambria Math" panose="02040503050406030204" pitchFamily="18" charset="0"/>
+                          </a:rPr>
+                        </m:ctrlPr>
+                      </m:sSubSupPr>
+                      <m:e>
+                        <m:r>
+                          <a:rPr lang="en-US" sz="2400" b="0" i="1" smtClean="0">
+                            <a:latin typeface="Cambria Math" panose="02040503050406030204" pitchFamily="18" charset="0"/>
+                          </a:rPr>
+                          <m:t>𝑓</m:t>
+                        </m:r>
+                      </m:e>
+                      <m:sub>
+                        <m:r>
+                          <a:rPr lang="en-US" sz="2400" b="0" i="1" smtClean="0">
+                            <a:latin typeface="Cambria Math" panose="02040503050406030204" pitchFamily="18" charset="0"/>
+                          </a:rPr>
+                          <m:t>𝑀</m:t>
+                        </m:r>
+                      </m:sub>
+                      <m:sup>
+                        <m:r>
+                          <a:rPr lang="en-US" sz="2400" b="0" i="1" smtClean="0">
+                            <a:latin typeface="Cambria Math" panose="02040503050406030204" pitchFamily="18" charset="0"/>
+                          </a:rPr>
+                          <m:t>′</m:t>
+                        </m:r>
+                      </m:sup>
+                    </m:sSubSup>
+                    <m:r>
+                      <a:rPr lang="en-US" sz="2400" b="0" i="1" smtClean="0">
+                        <a:latin typeface="Cambria Math" panose="02040503050406030204" pitchFamily="18" charset="0"/>
+                      </a:rPr>
+                      <m:t>(</m:t>
+                    </m:r>
+                    <m:r>
+                      <a:rPr lang="en-US" sz="2400" b="0" i="1" smtClean="0">
+                        <a:latin typeface="Cambria Math" panose="02040503050406030204" pitchFamily="18" charset="0"/>
+                      </a:rPr>
+                      <m:t>𝑇</m:t>
+                    </m:r>
+                    <m:r>
+                      <a:rPr lang="en-US" sz="2400" b="0" i="1" smtClean="0">
+                        <a:latin typeface="Cambria Math" panose="02040503050406030204" pitchFamily="18" charset="0"/>
+                      </a:rPr>
+                      <m:t>,</m:t>
+                    </m:r>
+                    <m:r>
+                      <a:rPr lang="en-US" sz="2400" i="1" smtClean="0">
+                        <a:latin typeface="Cambria Math" panose="02040503050406030204" pitchFamily="18" charset="0"/>
+                        <a:ea typeface="Cambria Math" panose="02040503050406030204" pitchFamily="18" charset="0"/>
+                      </a:rPr>
+                      <m:t>𝜀</m:t>
+                    </m:r>
+                    <m:r>
+                      <a:rPr lang="en-US" sz="2400" b="0" i="1" smtClean="0">
+                        <a:latin typeface="Cambria Math" panose="02040503050406030204" pitchFamily="18" charset="0"/>
+                        <a:ea typeface="Cambria Math" panose="02040503050406030204" pitchFamily="18" charset="0"/>
+                      </a:rPr>
+                      <m:t>)</m:t>
+                    </m:r>
+                  </m:oMath>
+                </a14:m>
+                <a:r>
+                  <a:rPr lang="en-US" sz="2400" dirty="0"/>
+                  <a:t>.</a:t>
+                </a:r>
+              </a:p>
+              <a:p>
+                <a:pPr marL="457200" indent="-457200">
+                  <a:buFont typeface="+mj-lt"/>
+                  <a:buAutoNum type="arabicPeriod"/>
+                </a:pPr>
                 <a:endParaRPr lang="en-US" sz="2400" dirty="0"/>
               </a:p>
             </p:txBody>
@@ -12244,8 +9799,8 @@
             </p:nvSpPr>
             <p:spPr>
               <a:xfrm>
-                <a:off x="81024" y="22595"/>
-                <a:ext cx="11447362" cy="2308324"/>
+                <a:off x="798854" y="215102"/>
+                <a:ext cx="10729531" cy="2677656"/>
               </a:xfrm>
               <a:prstGeom prst="rect">
                 <a:avLst/>
@@ -12253,7 +9808,7 @@
               <a:blipFill>
                 <a:blip r:embed="rId2"/>
                 <a:stretch>
-                  <a:fillRect l="-776" t="-1639"/>
+                  <a:fillRect l="-827" t="-1878"/>
                 </a:stretch>
               </a:blipFill>
             </p:spPr>
@@ -12272,6 +9827,36 @@
           </p:sp>
         </mc:Fallback>
       </mc:AlternateContent>
+      <p:pic>
+        <p:nvPicPr>
+          <p:cNvPr id="2" name="Picture 1">
+            <a:extLst>
+              <a:ext uri="{FF2B5EF4-FFF2-40B4-BE49-F238E27FC236}">
+                <a16:creationId xmlns:a16="http://schemas.microsoft.com/office/drawing/2014/main" id="{053D4662-3452-37AD-61F1-DE01B338ACE5}"/>
+              </a:ext>
+            </a:extLst>
+          </p:cNvPr>
+          <p:cNvPicPr>
+            <a:picLocks noChangeAspect="1"/>
+          </p:cNvPicPr>
+          <p:nvPr/>
+        </p:nvPicPr>
+        <p:blipFill>
+          <a:blip r:embed="rId3"/>
+          <a:stretch>
+            <a:fillRect/>
+          </a:stretch>
+        </p:blipFill>
+        <p:spPr>
+          <a:xfrm>
+            <a:off x="798854" y="3509676"/>
+            <a:ext cx="8425782" cy="2674555"/>
+          </a:xfrm>
+          <a:prstGeom prst="rect">
+            <a:avLst/>
+          </a:prstGeom>
+        </p:spPr>
+      </p:pic>
     </p:spTree>
     <p:extLst>
       <p:ext uri="{BB962C8B-B14F-4D97-AF65-F5344CB8AC3E}">
